--- a/Kuali Presentation for All Hand Meeting - Sepetember 3 2015.pptx
+++ b/Kuali Presentation for All Hand Meeting - Sepetember 3 2015.pptx
@@ -8,14 +8,15 @@
     <p:sldMasterId id="2147483697" r:id="rId4"/>
   </p:sldMasterIdLst>
   <p:notesMasterIdLst>
-    <p:notesMasterId r:id="rId10"/>
+    <p:notesMasterId r:id="rId11"/>
   </p:notesMasterIdLst>
   <p:sldIdLst>
     <p:sldId id="256" r:id="rId5"/>
-    <p:sldId id="257" r:id="rId6"/>
-    <p:sldId id="259" r:id="rId7"/>
-    <p:sldId id="258" r:id="rId8"/>
-    <p:sldId id="260" r:id="rId9"/>
+    <p:sldId id="261" r:id="rId6"/>
+    <p:sldId id="257" r:id="rId7"/>
+    <p:sldId id="259" r:id="rId8"/>
+    <p:sldId id="258" r:id="rId9"/>
+    <p:sldId id="260" r:id="rId10"/>
   </p:sldIdLst>
   <p:sldSz cx="9144000" cy="6858000" type="screen4x3"/>
   <p:notesSz cx="6858000" cy="9144000"/>
@@ -123,6 +124,753 @@
 </file>
 
 <file path=ppt/diagrams/colors1.xml><?xml version="1.0" encoding="utf-8"?>
+<dgm:colorsDef xmlns:dgm="http://schemas.openxmlformats.org/drawingml/2006/diagram" xmlns:a="http://schemas.openxmlformats.org/drawingml/2006/main" uniqueId="urn:microsoft.com/office/officeart/2005/8/colors/accent1_2">
+  <dgm:title val=""/>
+  <dgm:desc val=""/>
+  <dgm:catLst>
+    <dgm:cat type="accent1" pri="11200"/>
+  </dgm:catLst>
+  <dgm:styleLbl name="node0">
+    <dgm:fillClrLst meth="repeat">
+      <a:schemeClr val="accent1"/>
+    </dgm:fillClrLst>
+    <dgm:linClrLst meth="repeat">
+      <a:schemeClr val="lt1"/>
+    </dgm:linClrLst>
+    <dgm:effectClrLst/>
+    <dgm:txLinClrLst/>
+    <dgm:txFillClrLst/>
+    <dgm:txEffectClrLst/>
+  </dgm:styleLbl>
+  <dgm:styleLbl name="alignNode1">
+    <dgm:fillClrLst meth="repeat">
+      <a:schemeClr val="accent1"/>
+    </dgm:fillClrLst>
+    <dgm:linClrLst meth="repeat">
+      <a:schemeClr val="accent1"/>
+    </dgm:linClrLst>
+    <dgm:effectClrLst/>
+    <dgm:txLinClrLst/>
+    <dgm:txFillClrLst/>
+    <dgm:txEffectClrLst/>
+  </dgm:styleLbl>
+  <dgm:styleLbl name="node1">
+    <dgm:fillClrLst meth="repeat">
+      <a:schemeClr val="accent1"/>
+    </dgm:fillClrLst>
+    <dgm:linClrLst meth="repeat">
+      <a:schemeClr val="lt1"/>
+    </dgm:linClrLst>
+    <dgm:effectClrLst/>
+    <dgm:txLinClrLst/>
+    <dgm:txFillClrLst/>
+    <dgm:txEffectClrLst/>
+  </dgm:styleLbl>
+  <dgm:styleLbl name="lnNode1">
+    <dgm:fillClrLst meth="repeat">
+      <a:schemeClr val="accent1"/>
+    </dgm:fillClrLst>
+    <dgm:linClrLst meth="repeat">
+      <a:schemeClr val="lt1"/>
+    </dgm:linClrLst>
+    <dgm:effectClrLst/>
+    <dgm:txLinClrLst/>
+    <dgm:txFillClrLst/>
+    <dgm:txEffectClrLst/>
+  </dgm:styleLbl>
+  <dgm:styleLbl name="vennNode1">
+    <dgm:fillClrLst meth="repeat">
+      <a:schemeClr val="accent1">
+        <a:alpha val="50000"/>
+      </a:schemeClr>
+    </dgm:fillClrLst>
+    <dgm:linClrLst meth="repeat">
+      <a:schemeClr val="lt1"/>
+    </dgm:linClrLst>
+    <dgm:effectClrLst/>
+    <dgm:txLinClrLst/>
+    <dgm:txFillClrLst/>
+    <dgm:txEffectClrLst/>
+  </dgm:styleLbl>
+  <dgm:styleLbl name="node2">
+    <dgm:fillClrLst meth="repeat">
+      <a:schemeClr val="accent1"/>
+    </dgm:fillClrLst>
+    <dgm:linClrLst meth="repeat">
+      <a:schemeClr val="lt1"/>
+    </dgm:linClrLst>
+    <dgm:effectClrLst/>
+    <dgm:txLinClrLst/>
+    <dgm:txFillClrLst/>
+    <dgm:txEffectClrLst/>
+  </dgm:styleLbl>
+  <dgm:styleLbl name="node3">
+    <dgm:fillClrLst meth="repeat">
+      <a:schemeClr val="accent1"/>
+    </dgm:fillClrLst>
+    <dgm:linClrLst meth="repeat">
+      <a:schemeClr val="lt1"/>
+    </dgm:linClrLst>
+    <dgm:effectClrLst/>
+    <dgm:txLinClrLst/>
+    <dgm:txFillClrLst/>
+    <dgm:txEffectClrLst/>
+  </dgm:styleLbl>
+  <dgm:styleLbl name="node4">
+    <dgm:fillClrLst meth="repeat">
+      <a:schemeClr val="accent1"/>
+    </dgm:fillClrLst>
+    <dgm:linClrLst meth="repeat">
+      <a:schemeClr val="lt1"/>
+    </dgm:linClrLst>
+    <dgm:effectClrLst/>
+    <dgm:txLinClrLst/>
+    <dgm:txFillClrLst/>
+    <dgm:txEffectClrLst/>
+  </dgm:styleLbl>
+  <dgm:styleLbl name="fgImgPlace1">
+    <dgm:fillClrLst meth="repeat">
+      <a:schemeClr val="accent1">
+        <a:tint val="50000"/>
+      </a:schemeClr>
+    </dgm:fillClrLst>
+    <dgm:linClrLst meth="repeat">
+      <a:schemeClr val="lt1"/>
+    </dgm:linClrLst>
+    <dgm:effectClrLst/>
+    <dgm:txLinClrLst/>
+    <dgm:txFillClrLst meth="repeat">
+      <a:schemeClr val="lt1"/>
+    </dgm:txFillClrLst>
+    <dgm:txEffectClrLst/>
+  </dgm:styleLbl>
+  <dgm:styleLbl name="alignImgPlace1">
+    <dgm:fillClrLst meth="repeat">
+      <a:schemeClr val="accent1">
+        <a:tint val="50000"/>
+      </a:schemeClr>
+    </dgm:fillClrLst>
+    <dgm:linClrLst meth="repeat">
+      <a:schemeClr val="lt1"/>
+    </dgm:linClrLst>
+    <dgm:effectClrLst/>
+    <dgm:txLinClrLst/>
+    <dgm:txFillClrLst meth="repeat">
+      <a:schemeClr val="lt1"/>
+    </dgm:txFillClrLst>
+    <dgm:txEffectClrLst/>
+  </dgm:styleLbl>
+  <dgm:styleLbl name="bgImgPlace1">
+    <dgm:fillClrLst meth="repeat">
+      <a:schemeClr val="accent1">
+        <a:tint val="50000"/>
+      </a:schemeClr>
+    </dgm:fillClrLst>
+    <dgm:linClrLst meth="repeat">
+      <a:schemeClr val="lt1"/>
+    </dgm:linClrLst>
+    <dgm:effectClrLst/>
+    <dgm:txLinClrLst/>
+    <dgm:txFillClrLst meth="repeat">
+      <a:schemeClr val="lt1"/>
+    </dgm:txFillClrLst>
+    <dgm:txEffectClrLst/>
+  </dgm:styleLbl>
+  <dgm:styleLbl name="sibTrans2D1">
+    <dgm:fillClrLst meth="repeat">
+      <a:schemeClr val="accent1">
+        <a:tint val="60000"/>
+      </a:schemeClr>
+    </dgm:fillClrLst>
+    <dgm:linClrLst meth="repeat">
+      <a:schemeClr val="accent1">
+        <a:tint val="60000"/>
+      </a:schemeClr>
+    </dgm:linClrLst>
+    <dgm:effectClrLst/>
+    <dgm:txLinClrLst/>
+    <dgm:txFillClrLst/>
+    <dgm:txEffectClrLst/>
+  </dgm:styleLbl>
+  <dgm:styleLbl name="fgSibTrans2D1">
+    <dgm:fillClrLst meth="repeat">
+      <a:schemeClr val="accent1">
+        <a:tint val="60000"/>
+      </a:schemeClr>
+    </dgm:fillClrLst>
+    <dgm:linClrLst meth="repeat">
+      <a:schemeClr val="accent1">
+        <a:tint val="60000"/>
+      </a:schemeClr>
+    </dgm:linClrLst>
+    <dgm:effectClrLst/>
+    <dgm:txLinClrLst/>
+    <dgm:txFillClrLst/>
+    <dgm:txEffectClrLst/>
+  </dgm:styleLbl>
+  <dgm:styleLbl name="bgSibTrans2D1">
+    <dgm:fillClrLst meth="repeat">
+      <a:schemeClr val="accent1">
+        <a:tint val="60000"/>
+      </a:schemeClr>
+    </dgm:fillClrLst>
+    <dgm:linClrLst meth="repeat">
+      <a:schemeClr val="accent1">
+        <a:tint val="60000"/>
+      </a:schemeClr>
+    </dgm:linClrLst>
+    <dgm:effectClrLst/>
+    <dgm:txLinClrLst/>
+    <dgm:txFillClrLst/>
+    <dgm:txEffectClrLst/>
+  </dgm:styleLbl>
+  <dgm:styleLbl name="sibTrans1D1">
+    <dgm:fillClrLst meth="repeat">
+      <a:schemeClr val="accent1"/>
+    </dgm:fillClrLst>
+    <dgm:linClrLst meth="repeat">
+      <a:schemeClr val="accent1"/>
+    </dgm:linClrLst>
+    <dgm:effectClrLst/>
+    <dgm:txLinClrLst/>
+    <dgm:txFillClrLst meth="repeat">
+      <a:schemeClr val="tx1"/>
+    </dgm:txFillClrLst>
+    <dgm:txEffectClrLst/>
+  </dgm:styleLbl>
+  <dgm:styleLbl name="callout">
+    <dgm:fillClrLst meth="repeat">
+      <a:schemeClr val="accent1"/>
+    </dgm:fillClrLst>
+    <dgm:linClrLst meth="repeat">
+      <a:schemeClr val="accent1">
+        <a:tint val="50000"/>
+      </a:schemeClr>
+    </dgm:linClrLst>
+    <dgm:effectClrLst/>
+    <dgm:txLinClrLst/>
+    <dgm:txFillClrLst meth="repeat">
+      <a:schemeClr val="tx1"/>
+    </dgm:txFillClrLst>
+    <dgm:txEffectClrLst/>
+  </dgm:styleLbl>
+  <dgm:styleLbl name="asst0">
+    <dgm:fillClrLst meth="repeat">
+      <a:schemeClr val="accent1"/>
+    </dgm:fillClrLst>
+    <dgm:linClrLst meth="repeat">
+      <a:schemeClr val="lt1"/>
+    </dgm:linClrLst>
+    <dgm:effectClrLst/>
+    <dgm:txLinClrLst/>
+    <dgm:txFillClrLst/>
+    <dgm:txEffectClrLst/>
+  </dgm:styleLbl>
+  <dgm:styleLbl name="asst1">
+    <dgm:fillClrLst meth="repeat">
+      <a:schemeClr val="accent1"/>
+    </dgm:fillClrLst>
+    <dgm:linClrLst meth="repeat">
+      <a:schemeClr val="lt1"/>
+    </dgm:linClrLst>
+    <dgm:effectClrLst/>
+    <dgm:txLinClrLst/>
+    <dgm:txFillClrLst/>
+    <dgm:txEffectClrLst/>
+  </dgm:styleLbl>
+  <dgm:styleLbl name="asst2">
+    <dgm:fillClrLst meth="repeat">
+      <a:schemeClr val="accent1"/>
+    </dgm:fillClrLst>
+    <dgm:linClrLst meth="repeat">
+      <a:schemeClr val="lt1"/>
+    </dgm:linClrLst>
+    <dgm:effectClrLst/>
+    <dgm:txLinClrLst/>
+    <dgm:txFillClrLst/>
+    <dgm:txEffectClrLst/>
+  </dgm:styleLbl>
+  <dgm:styleLbl name="asst3">
+    <dgm:fillClrLst meth="repeat">
+      <a:schemeClr val="accent1"/>
+    </dgm:fillClrLst>
+    <dgm:linClrLst meth="repeat">
+      <a:schemeClr val="lt1"/>
+    </dgm:linClrLst>
+    <dgm:effectClrLst/>
+    <dgm:txLinClrLst/>
+    <dgm:txFillClrLst/>
+    <dgm:txEffectClrLst/>
+  </dgm:styleLbl>
+  <dgm:styleLbl name="asst4">
+    <dgm:fillClrLst meth="repeat">
+      <a:schemeClr val="accent1"/>
+    </dgm:fillClrLst>
+    <dgm:linClrLst meth="repeat">
+      <a:schemeClr val="lt1"/>
+    </dgm:linClrLst>
+    <dgm:effectClrLst/>
+    <dgm:txLinClrLst/>
+    <dgm:txFillClrLst/>
+    <dgm:txEffectClrLst/>
+  </dgm:styleLbl>
+  <dgm:styleLbl name="parChTrans2D1">
+    <dgm:fillClrLst meth="repeat">
+      <a:schemeClr val="accent1">
+        <a:tint val="60000"/>
+      </a:schemeClr>
+    </dgm:fillClrLst>
+    <dgm:linClrLst meth="repeat">
+      <a:schemeClr val="accent1">
+        <a:tint val="60000"/>
+      </a:schemeClr>
+    </dgm:linClrLst>
+    <dgm:effectClrLst/>
+    <dgm:txLinClrLst/>
+    <dgm:txFillClrLst meth="repeat">
+      <a:schemeClr val="lt1"/>
+    </dgm:txFillClrLst>
+    <dgm:txEffectClrLst/>
+  </dgm:styleLbl>
+  <dgm:styleLbl name="parChTrans2D2">
+    <dgm:fillClrLst meth="repeat">
+      <a:schemeClr val="accent1"/>
+    </dgm:fillClrLst>
+    <dgm:linClrLst meth="repeat">
+      <a:schemeClr val="accent1"/>
+    </dgm:linClrLst>
+    <dgm:effectClrLst/>
+    <dgm:txLinClrLst/>
+    <dgm:txFillClrLst meth="repeat">
+      <a:schemeClr val="lt1"/>
+    </dgm:txFillClrLst>
+    <dgm:txEffectClrLst/>
+  </dgm:styleLbl>
+  <dgm:styleLbl name="parChTrans2D3">
+    <dgm:fillClrLst meth="repeat">
+      <a:schemeClr val="accent1"/>
+    </dgm:fillClrLst>
+    <dgm:linClrLst meth="repeat">
+      <a:schemeClr val="accent1"/>
+    </dgm:linClrLst>
+    <dgm:effectClrLst/>
+    <dgm:txLinClrLst/>
+    <dgm:txFillClrLst meth="repeat">
+      <a:schemeClr val="lt1"/>
+    </dgm:txFillClrLst>
+    <dgm:txEffectClrLst/>
+  </dgm:styleLbl>
+  <dgm:styleLbl name="parChTrans2D4">
+    <dgm:fillClrLst meth="repeat">
+      <a:schemeClr val="accent1"/>
+    </dgm:fillClrLst>
+    <dgm:linClrLst meth="repeat">
+      <a:schemeClr val="accent1"/>
+    </dgm:linClrLst>
+    <dgm:effectClrLst/>
+    <dgm:txLinClrLst/>
+    <dgm:txFillClrLst meth="repeat">
+      <a:schemeClr val="lt1"/>
+    </dgm:txFillClrLst>
+    <dgm:txEffectClrLst/>
+  </dgm:styleLbl>
+  <dgm:styleLbl name="parChTrans1D1">
+    <dgm:fillClrLst meth="repeat">
+      <a:schemeClr val="accent1"/>
+    </dgm:fillClrLst>
+    <dgm:linClrLst meth="repeat">
+      <a:schemeClr val="accent1">
+        <a:shade val="60000"/>
+      </a:schemeClr>
+    </dgm:linClrLst>
+    <dgm:effectClrLst/>
+    <dgm:txLinClrLst/>
+    <dgm:txFillClrLst meth="repeat">
+      <a:schemeClr val="tx1"/>
+    </dgm:txFillClrLst>
+    <dgm:txEffectClrLst/>
+  </dgm:styleLbl>
+  <dgm:styleLbl name="parChTrans1D2">
+    <dgm:fillClrLst meth="repeat">
+      <a:schemeClr val="accent1"/>
+    </dgm:fillClrLst>
+    <dgm:linClrLst meth="repeat">
+      <a:schemeClr val="accent1">
+        <a:shade val="60000"/>
+      </a:schemeClr>
+    </dgm:linClrLst>
+    <dgm:effectClrLst/>
+    <dgm:txLinClrLst/>
+    <dgm:txFillClrLst meth="repeat">
+      <a:schemeClr val="tx1"/>
+    </dgm:txFillClrLst>
+    <dgm:txEffectClrLst/>
+  </dgm:styleLbl>
+  <dgm:styleLbl name="parChTrans1D3">
+    <dgm:fillClrLst meth="repeat">
+      <a:schemeClr val="accent1"/>
+    </dgm:fillClrLst>
+    <dgm:linClrLst meth="repeat">
+      <a:schemeClr val="accent1">
+        <a:shade val="80000"/>
+      </a:schemeClr>
+    </dgm:linClrLst>
+    <dgm:effectClrLst/>
+    <dgm:txLinClrLst/>
+    <dgm:txFillClrLst meth="repeat">
+      <a:schemeClr val="tx1"/>
+    </dgm:txFillClrLst>
+    <dgm:txEffectClrLst/>
+  </dgm:styleLbl>
+  <dgm:styleLbl name="parChTrans1D4">
+    <dgm:fillClrLst meth="repeat">
+      <a:schemeClr val="accent1"/>
+    </dgm:fillClrLst>
+    <dgm:linClrLst meth="repeat">
+      <a:schemeClr val="accent1">
+        <a:shade val="80000"/>
+      </a:schemeClr>
+    </dgm:linClrLst>
+    <dgm:effectClrLst/>
+    <dgm:txLinClrLst/>
+    <dgm:txFillClrLst meth="repeat">
+      <a:schemeClr val="tx1"/>
+    </dgm:txFillClrLst>
+    <dgm:txEffectClrLst/>
+  </dgm:styleLbl>
+  <dgm:styleLbl name="fgAcc1">
+    <dgm:fillClrLst meth="repeat">
+      <a:schemeClr val="lt1">
+        <a:alpha val="90000"/>
+      </a:schemeClr>
+    </dgm:fillClrLst>
+    <dgm:linClrLst meth="repeat">
+      <a:schemeClr val="accent1"/>
+    </dgm:linClrLst>
+    <dgm:effectClrLst/>
+    <dgm:txLinClrLst/>
+    <dgm:txFillClrLst meth="repeat">
+      <a:schemeClr val="dk1"/>
+    </dgm:txFillClrLst>
+    <dgm:txEffectClrLst/>
+  </dgm:styleLbl>
+  <dgm:styleLbl name="conFgAcc1">
+    <dgm:fillClrLst meth="repeat">
+      <a:schemeClr val="lt1">
+        <a:alpha val="90000"/>
+      </a:schemeClr>
+    </dgm:fillClrLst>
+    <dgm:linClrLst meth="repeat">
+      <a:schemeClr val="accent1"/>
+    </dgm:linClrLst>
+    <dgm:effectClrLst/>
+    <dgm:txLinClrLst/>
+    <dgm:txFillClrLst meth="repeat">
+      <a:schemeClr val="dk1"/>
+    </dgm:txFillClrLst>
+    <dgm:txEffectClrLst/>
+  </dgm:styleLbl>
+  <dgm:styleLbl name="alignAcc1">
+    <dgm:fillClrLst meth="repeat">
+      <a:schemeClr val="lt1">
+        <a:alpha val="90000"/>
+      </a:schemeClr>
+    </dgm:fillClrLst>
+    <dgm:linClrLst meth="repeat">
+      <a:schemeClr val="accent1"/>
+    </dgm:linClrLst>
+    <dgm:effectClrLst/>
+    <dgm:txLinClrLst/>
+    <dgm:txFillClrLst meth="repeat">
+      <a:schemeClr val="dk1"/>
+    </dgm:txFillClrLst>
+    <dgm:txEffectClrLst/>
+  </dgm:styleLbl>
+  <dgm:styleLbl name="trAlignAcc1">
+    <dgm:fillClrLst meth="repeat">
+      <a:schemeClr val="lt1">
+        <a:alpha val="40000"/>
+      </a:schemeClr>
+    </dgm:fillClrLst>
+    <dgm:linClrLst meth="repeat">
+      <a:schemeClr val="accent1"/>
+    </dgm:linClrLst>
+    <dgm:effectClrLst/>
+    <dgm:txLinClrLst/>
+    <dgm:txFillClrLst meth="repeat">
+      <a:schemeClr val="dk1"/>
+    </dgm:txFillClrLst>
+    <dgm:txEffectClrLst/>
+  </dgm:styleLbl>
+  <dgm:styleLbl name="bgAcc1">
+    <dgm:fillClrLst meth="repeat">
+      <a:schemeClr val="lt1">
+        <a:alpha val="90000"/>
+      </a:schemeClr>
+    </dgm:fillClrLst>
+    <dgm:linClrLst meth="repeat">
+      <a:schemeClr val="accent1"/>
+    </dgm:linClrLst>
+    <dgm:effectClrLst/>
+    <dgm:txLinClrLst/>
+    <dgm:txFillClrLst meth="repeat">
+      <a:schemeClr val="dk1"/>
+    </dgm:txFillClrLst>
+    <dgm:txEffectClrLst/>
+  </dgm:styleLbl>
+  <dgm:styleLbl name="solidFgAcc1">
+    <dgm:fillClrLst meth="repeat">
+      <a:schemeClr val="lt1"/>
+    </dgm:fillClrLst>
+    <dgm:linClrLst meth="repeat">
+      <a:schemeClr val="accent1"/>
+    </dgm:linClrLst>
+    <dgm:effectClrLst/>
+    <dgm:txLinClrLst/>
+    <dgm:txFillClrLst meth="repeat">
+      <a:schemeClr val="dk1"/>
+    </dgm:txFillClrLst>
+    <dgm:txEffectClrLst/>
+  </dgm:styleLbl>
+  <dgm:styleLbl name="solidAlignAcc1">
+    <dgm:fillClrLst meth="repeat">
+      <a:schemeClr val="lt1"/>
+    </dgm:fillClrLst>
+    <dgm:linClrLst meth="repeat">
+      <a:schemeClr val="accent1"/>
+    </dgm:linClrLst>
+    <dgm:effectClrLst/>
+    <dgm:txLinClrLst/>
+    <dgm:txFillClrLst meth="repeat">
+      <a:schemeClr val="dk1"/>
+    </dgm:txFillClrLst>
+    <dgm:txEffectClrLst/>
+  </dgm:styleLbl>
+  <dgm:styleLbl name="solidBgAcc1">
+    <dgm:fillClrLst meth="repeat">
+      <a:schemeClr val="lt1"/>
+    </dgm:fillClrLst>
+    <dgm:linClrLst meth="repeat">
+      <a:schemeClr val="accent1"/>
+    </dgm:linClrLst>
+    <dgm:effectClrLst/>
+    <dgm:txLinClrLst/>
+    <dgm:txFillClrLst meth="repeat">
+      <a:schemeClr val="dk1"/>
+    </dgm:txFillClrLst>
+    <dgm:txEffectClrLst/>
+  </dgm:styleLbl>
+  <dgm:styleLbl name="fgAccFollowNode1">
+    <dgm:fillClrLst meth="repeat">
+      <a:schemeClr val="accent1">
+        <a:alpha val="90000"/>
+        <a:tint val="40000"/>
+      </a:schemeClr>
+    </dgm:fillClrLst>
+    <dgm:linClrLst meth="repeat">
+      <a:schemeClr val="accent1">
+        <a:alpha val="90000"/>
+        <a:tint val="40000"/>
+      </a:schemeClr>
+    </dgm:linClrLst>
+    <dgm:effectClrLst/>
+    <dgm:txLinClrLst/>
+    <dgm:txFillClrLst meth="repeat">
+      <a:schemeClr val="dk1"/>
+    </dgm:txFillClrLst>
+    <dgm:txEffectClrLst/>
+  </dgm:styleLbl>
+  <dgm:styleLbl name="alignAccFollowNode1">
+    <dgm:fillClrLst meth="repeat">
+      <a:schemeClr val="accent1">
+        <a:alpha val="90000"/>
+        <a:tint val="40000"/>
+      </a:schemeClr>
+    </dgm:fillClrLst>
+    <dgm:linClrLst meth="repeat">
+      <a:schemeClr val="accent1">
+        <a:alpha val="90000"/>
+        <a:tint val="40000"/>
+      </a:schemeClr>
+    </dgm:linClrLst>
+    <dgm:effectClrLst/>
+    <dgm:txLinClrLst/>
+    <dgm:txFillClrLst meth="repeat">
+      <a:schemeClr val="dk1"/>
+    </dgm:txFillClrLst>
+    <dgm:txEffectClrLst/>
+  </dgm:styleLbl>
+  <dgm:styleLbl name="bgAccFollowNode1">
+    <dgm:fillClrLst meth="repeat">
+      <a:schemeClr val="accent1">
+        <a:alpha val="90000"/>
+        <a:tint val="40000"/>
+      </a:schemeClr>
+    </dgm:fillClrLst>
+    <dgm:linClrLst meth="repeat">
+      <a:schemeClr val="accent1">
+        <a:alpha val="90000"/>
+        <a:tint val="40000"/>
+      </a:schemeClr>
+    </dgm:linClrLst>
+    <dgm:effectClrLst/>
+    <dgm:txLinClrLst/>
+    <dgm:txFillClrLst meth="repeat">
+      <a:schemeClr val="dk1"/>
+    </dgm:txFillClrLst>
+    <dgm:txEffectClrLst/>
+  </dgm:styleLbl>
+  <dgm:styleLbl name="fgAcc0">
+    <dgm:fillClrLst meth="repeat">
+      <a:schemeClr val="lt1">
+        <a:alpha val="90000"/>
+      </a:schemeClr>
+    </dgm:fillClrLst>
+    <dgm:linClrLst meth="repeat">
+      <a:schemeClr val="accent1"/>
+    </dgm:linClrLst>
+    <dgm:effectClrLst/>
+    <dgm:txLinClrLst/>
+    <dgm:txFillClrLst meth="repeat">
+      <a:schemeClr val="dk1"/>
+    </dgm:txFillClrLst>
+    <dgm:txEffectClrLst/>
+  </dgm:styleLbl>
+  <dgm:styleLbl name="fgAcc2">
+    <dgm:fillClrLst meth="repeat">
+      <a:schemeClr val="lt1">
+        <a:alpha val="90000"/>
+      </a:schemeClr>
+    </dgm:fillClrLst>
+    <dgm:linClrLst meth="repeat">
+      <a:schemeClr val="accent1"/>
+    </dgm:linClrLst>
+    <dgm:effectClrLst/>
+    <dgm:txLinClrLst/>
+    <dgm:txFillClrLst meth="repeat">
+      <a:schemeClr val="dk1"/>
+    </dgm:txFillClrLst>
+    <dgm:txEffectClrLst/>
+  </dgm:styleLbl>
+  <dgm:styleLbl name="fgAcc3">
+    <dgm:fillClrLst meth="repeat">
+      <a:schemeClr val="lt1">
+        <a:alpha val="90000"/>
+      </a:schemeClr>
+    </dgm:fillClrLst>
+    <dgm:linClrLst meth="repeat">
+      <a:schemeClr val="accent1"/>
+    </dgm:linClrLst>
+    <dgm:effectClrLst/>
+    <dgm:txLinClrLst/>
+    <dgm:txFillClrLst meth="repeat">
+      <a:schemeClr val="dk1"/>
+    </dgm:txFillClrLst>
+    <dgm:txEffectClrLst/>
+  </dgm:styleLbl>
+  <dgm:styleLbl name="fgAcc4">
+    <dgm:fillClrLst meth="repeat">
+      <a:schemeClr val="lt1">
+        <a:alpha val="90000"/>
+      </a:schemeClr>
+    </dgm:fillClrLst>
+    <dgm:linClrLst meth="repeat">
+      <a:schemeClr val="accent1"/>
+    </dgm:linClrLst>
+    <dgm:effectClrLst/>
+    <dgm:txLinClrLst/>
+    <dgm:txFillClrLst meth="repeat">
+      <a:schemeClr val="dk1"/>
+    </dgm:txFillClrLst>
+    <dgm:txEffectClrLst/>
+  </dgm:styleLbl>
+  <dgm:styleLbl name="bgShp">
+    <dgm:fillClrLst meth="repeat">
+      <a:schemeClr val="accent1">
+        <a:tint val="40000"/>
+      </a:schemeClr>
+    </dgm:fillClrLst>
+    <dgm:linClrLst meth="repeat">
+      <a:schemeClr val="accent1"/>
+    </dgm:linClrLst>
+    <dgm:effectClrLst/>
+    <dgm:txLinClrLst/>
+    <dgm:txFillClrLst meth="repeat">
+      <a:schemeClr val="dk1"/>
+    </dgm:txFillClrLst>
+    <dgm:txEffectClrLst/>
+  </dgm:styleLbl>
+  <dgm:styleLbl name="dkBgShp">
+    <dgm:fillClrLst meth="repeat">
+      <a:schemeClr val="accent1">
+        <a:shade val="80000"/>
+      </a:schemeClr>
+    </dgm:fillClrLst>
+    <dgm:linClrLst meth="repeat">
+      <a:schemeClr val="accent1"/>
+    </dgm:linClrLst>
+    <dgm:effectClrLst/>
+    <dgm:txLinClrLst/>
+    <dgm:txFillClrLst meth="repeat">
+      <a:schemeClr val="lt1"/>
+    </dgm:txFillClrLst>
+    <dgm:txEffectClrLst/>
+  </dgm:styleLbl>
+  <dgm:styleLbl name="trBgShp">
+    <dgm:fillClrLst meth="repeat">
+      <a:schemeClr val="accent1">
+        <a:tint val="50000"/>
+        <a:alpha val="40000"/>
+      </a:schemeClr>
+    </dgm:fillClrLst>
+    <dgm:linClrLst meth="repeat">
+      <a:schemeClr val="accent1"/>
+    </dgm:linClrLst>
+    <dgm:effectClrLst/>
+    <dgm:txLinClrLst/>
+    <dgm:txFillClrLst meth="repeat">
+      <a:schemeClr val="lt1"/>
+    </dgm:txFillClrLst>
+    <dgm:txEffectClrLst/>
+  </dgm:styleLbl>
+  <dgm:styleLbl name="fgShp">
+    <dgm:fillClrLst meth="repeat">
+      <a:schemeClr val="accent1">
+        <a:tint val="60000"/>
+      </a:schemeClr>
+    </dgm:fillClrLst>
+    <dgm:linClrLst meth="repeat">
+      <a:schemeClr val="lt1"/>
+    </dgm:linClrLst>
+    <dgm:effectClrLst/>
+    <dgm:txLinClrLst/>
+    <dgm:txFillClrLst meth="repeat">
+      <a:schemeClr val="dk1"/>
+    </dgm:txFillClrLst>
+    <dgm:txEffectClrLst/>
+  </dgm:styleLbl>
+  <dgm:styleLbl name="revTx">
+    <dgm:fillClrLst meth="repeat">
+      <a:schemeClr val="lt1">
+        <a:alpha val="0"/>
+      </a:schemeClr>
+    </dgm:fillClrLst>
+    <dgm:linClrLst meth="repeat">
+      <a:schemeClr val="dk1">
+        <a:alpha val="0"/>
+      </a:schemeClr>
+    </dgm:linClrLst>
+    <dgm:effectClrLst/>
+    <dgm:txLinClrLst/>
+    <dgm:txFillClrLst meth="repeat">
+      <a:schemeClr val="tx1"/>
+    </dgm:txFillClrLst>
+    <dgm:txEffectClrLst/>
+  </dgm:styleLbl>
+</dgm:colorsDef>
+</file>
+
+<file path=ppt/diagrams/colors2.xml><?xml version="1.0" encoding="utf-8"?>
 <dgm:colorsDef xmlns:dgm="http://schemas.openxmlformats.org/drawingml/2006/diagram" xmlns:a="http://schemas.openxmlformats.org/drawingml/2006/main" uniqueId="urn:microsoft.com/office/officeart/2005/8/colors/colorful4">
   <dgm:title val=""/>
   <dgm:desc val=""/>
@@ -904,753 +1652,6 @@
 </dgm:colorsDef>
 </file>
 
-<file path=ppt/diagrams/colors2.xml><?xml version="1.0" encoding="utf-8"?>
-<dgm:colorsDef xmlns:dgm="http://schemas.openxmlformats.org/drawingml/2006/diagram" xmlns:a="http://schemas.openxmlformats.org/drawingml/2006/main" uniqueId="urn:microsoft.com/office/officeart/2005/8/colors/accent1_2">
-  <dgm:title val=""/>
-  <dgm:desc val=""/>
-  <dgm:catLst>
-    <dgm:cat type="accent1" pri="11200"/>
-  </dgm:catLst>
-  <dgm:styleLbl name="node0">
-    <dgm:fillClrLst meth="repeat">
-      <a:schemeClr val="accent1"/>
-    </dgm:fillClrLst>
-    <dgm:linClrLst meth="repeat">
-      <a:schemeClr val="lt1"/>
-    </dgm:linClrLst>
-    <dgm:effectClrLst/>
-    <dgm:txLinClrLst/>
-    <dgm:txFillClrLst/>
-    <dgm:txEffectClrLst/>
-  </dgm:styleLbl>
-  <dgm:styleLbl name="alignNode1">
-    <dgm:fillClrLst meth="repeat">
-      <a:schemeClr val="accent1"/>
-    </dgm:fillClrLst>
-    <dgm:linClrLst meth="repeat">
-      <a:schemeClr val="accent1"/>
-    </dgm:linClrLst>
-    <dgm:effectClrLst/>
-    <dgm:txLinClrLst/>
-    <dgm:txFillClrLst/>
-    <dgm:txEffectClrLst/>
-  </dgm:styleLbl>
-  <dgm:styleLbl name="node1">
-    <dgm:fillClrLst meth="repeat">
-      <a:schemeClr val="accent1"/>
-    </dgm:fillClrLst>
-    <dgm:linClrLst meth="repeat">
-      <a:schemeClr val="lt1"/>
-    </dgm:linClrLst>
-    <dgm:effectClrLst/>
-    <dgm:txLinClrLst/>
-    <dgm:txFillClrLst/>
-    <dgm:txEffectClrLst/>
-  </dgm:styleLbl>
-  <dgm:styleLbl name="lnNode1">
-    <dgm:fillClrLst meth="repeat">
-      <a:schemeClr val="accent1"/>
-    </dgm:fillClrLst>
-    <dgm:linClrLst meth="repeat">
-      <a:schemeClr val="lt1"/>
-    </dgm:linClrLst>
-    <dgm:effectClrLst/>
-    <dgm:txLinClrLst/>
-    <dgm:txFillClrLst/>
-    <dgm:txEffectClrLst/>
-  </dgm:styleLbl>
-  <dgm:styleLbl name="vennNode1">
-    <dgm:fillClrLst meth="repeat">
-      <a:schemeClr val="accent1">
-        <a:alpha val="50000"/>
-      </a:schemeClr>
-    </dgm:fillClrLst>
-    <dgm:linClrLst meth="repeat">
-      <a:schemeClr val="lt1"/>
-    </dgm:linClrLst>
-    <dgm:effectClrLst/>
-    <dgm:txLinClrLst/>
-    <dgm:txFillClrLst/>
-    <dgm:txEffectClrLst/>
-  </dgm:styleLbl>
-  <dgm:styleLbl name="node2">
-    <dgm:fillClrLst meth="repeat">
-      <a:schemeClr val="accent1"/>
-    </dgm:fillClrLst>
-    <dgm:linClrLst meth="repeat">
-      <a:schemeClr val="lt1"/>
-    </dgm:linClrLst>
-    <dgm:effectClrLst/>
-    <dgm:txLinClrLst/>
-    <dgm:txFillClrLst/>
-    <dgm:txEffectClrLst/>
-  </dgm:styleLbl>
-  <dgm:styleLbl name="node3">
-    <dgm:fillClrLst meth="repeat">
-      <a:schemeClr val="accent1"/>
-    </dgm:fillClrLst>
-    <dgm:linClrLst meth="repeat">
-      <a:schemeClr val="lt1"/>
-    </dgm:linClrLst>
-    <dgm:effectClrLst/>
-    <dgm:txLinClrLst/>
-    <dgm:txFillClrLst/>
-    <dgm:txEffectClrLst/>
-  </dgm:styleLbl>
-  <dgm:styleLbl name="node4">
-    <dgm:fillClrLst meth="repeat">
-      <a:schemeClr val="accent1"/>
-    </dgm:fillClrLst>
-    <dgm:linClrLst meth="repeat">
-      <a:schemeClr val="lt1"/>
-    </dgm:linClrLst>
-    <dgm:effectClrLst/>
-    <dgm:txLinClrLst/>
-    <dgm:txFillClrLst/>
-    <dgm:txEffectClrLst/>
-  </dgm:styleLbl>
-  <dgm:styleLbl name="fgImgPlace1">
-    <dgm:fillClrLst meth="repeat">
-      <a:schemeClr val="accent1">
-        <a:tint val="50000"/>
-      </a:schemeClr>
-    </dgm:fillClrLst>
-    <dgm:linClrLst meth="repeat">
-      <a:schemeClr val="lt1"/>
-    </dgm:linClrLst>
-    <dgm:effectClrLst/>
-    <dgm:txLinClrLst/>
-    <dgm:txFillClrLst meth="repeat">
-      <a:schemeClr val="lt1"/>
-    </dgm:txFillClrLst>
-    <dgm:txEffectClrLst/>
-  </dgm:styleLbl>
-  <dgm:styleLbl name="alignImgPlace1">
-    <dgm:fillClrLst meth="repeat">
-      <a:schemeClr val="accent1">
-        <a:tint val="50000"/>
-      </a:schemeClr>
-    </dgm:fillClrLst>
-    <dgm:linClrLst meth="repeat">
-      <a:schemeClr val="lt1"/>
-    </dgm:linClrLst>
-    <dgm:effectClrLst/>
-    <dgm:txLinClrLst/>
-    <dgm:txFillClrLst meth="repeat">
-      <a:schemeClr val="lt1"/>
-    </dgm:txFillClrLst>
-    <dgm:txEffectClrLst/>
-  </dgm:styleLbl>
-  <dgm:styleLbl name="bgImgPlace1">
-    <dgm:fillClrLst meth="repeat">
-      <a:schemeClr val="accent1">
-        <a:tint val="50000"/>
-      </a:schemeClr>
-    </dgm:fillClrLst>
-    <dgm:linClrLst meth="repeat">
-      <a:schemeClr val="lt1"/>
-    </dgm:linClrLst>
-    <dgm:effectClrLst/>
-    <dgm:txLinClrLst/>
-    <dgm:txFillClrLst meth="repeat">
-      <a:schemeClr val="lt1"/>
-    </dgm:txFillClrLst>
-    <dgm:txEffectClrLst/>
-  </dgm:styleLbl>
-  <dgm:styleLbl name="sibTrans2D1">
-    <dgm:fillClrLst meth="repeat">
-      <a:schemeClr val="accent1">
-        <a:tint val="60000"/>
-      </a:schemeClr>
-    </dgm:fillClrLst>
-    <dgm:linClrLst meth="repeat">
-      <a:schemeClr val="accent1">
-        <a:tint val="60000"/>
-      </a:schemeClr>
-    </dgm:linClrLst>
-    <dgm:effectClrLst/>
-    <dgm:txLinClrLst/>
-    <dgm:txFillClrLst/>
-    <dgm:txEffectClrLst/>
-  </dgm:styleLbl>
-  <dgm:styleLbl name="fgSibTrans2D1">
-    <dgm:fillClrLst meth="repeat">
-      <a:schemeClr val="accent1">
-        <a:tint val="60000"/>
-      </a:schemeClr>
-    </dgm:fillClrLst>
-    <dgm:linClrLst meth="repeat">
-      <a:schemeClr val="accent1">
-        <a:tint val="60000"/>
-      </a:schemeClr>
-    </dgm:linClrLst>
-    <dgm:effectClrLst/>
-    <dgm:txLinClrLst/>
-    <dgm:txFillClrLst/>
-    <dgm:txEffectClrLst/>
-  </dgm:styleLbl>
-  <dgm:styleLbl name="bgSibTrans2D1">
-    <dgm:fillClrLst meth="repeat">
-      <a:schemeClr val="accent1">
-        <a:tint val="60000"/>
-      </a:schemeClr>
-    </dgm:fillClrLst>
-    <dgm:linClrLst meth="repeat">
-      <a:schemeClr val="accent1">
-        <a:tint val="60000"/>
-      </a:schemeClr>
-    </dgm:linClrLst>
-    <dgm:effectClrLst/>
-    <dgm:txLinClrLst/>
-    <dgm:txFillClrLst/>
-    <dgm:txEffectClrLst/>
-  </dgm:styleLbl>
-  <dgm:styleLbl name="sibTrans1D1">
-    <dgm:fillClrLst meth="repeat">
-      <a:schemeClr val="accent1"/>
-    </dgm:fillClrLst>
-    <dgm:linClrLst meth="repeat">
-      <a:schemeClr val="accent1"/>
-    </dgm:linClrLst>
-    <dgm:effectClrLst/>
-    <dgm:txLinClrLst/>
-    <dgm:txFillClrLst meth="repeat">
-      <a:schemeClr val="tx1"/>
-    </dgm:txFillClrLst>
-    <dgm:txEffectClrLst/>
-  </dgm:styleLbl>
-  <dgm:styleLbl name="callout">
-    <dgm:fillClrLst meth="repeat">
-      <a:schemeClr val="accent1"/>
-    </dgm:fillClrLst>
-    <dgm:linClrLst meth="repeat">
-      <a:schemeClr val="accent1">
-        <a:tint val="50000"/>
-      </a:schemeClr>
-    </dgm:linClrLst>
-    <dgm:effectClrLst/>
-    <dgm:txLinClrLst/>
-    <dgm:txFillClrLst meth="repeat">
-      <a:schemeClr val="tx1"/>
-    </dgm:txFillClrLst>
-    <dgm:txEffectClrLst/>
-  </dgm:styleLbl>
-  <dgm:styleLbl name="asst0">
-    <dgm:fillClrLst meth="repeat">
-      <a:schemeClr val="accent1"/>
-    </dgm:fillClrLst>
-    <dgm:linClrLst meth="repeat">
-      <a:schemeClr val="lt1"/>
-    </dgm:linClrLst>
-    <dgm:effectClrLst/>
-    <dgm:txLinClrLst/>
-    <dgm:txFillClrLst/>
-    <dgm:txEffectClrLst/>
-  </dgm:styleLbl>
-  <dgm:styleLbl name="asst1">
-    <dgm:fillClrLst meth="repeat">
-      <a:schemeClr val="accent1"/>
-    </dgm:fillClrLst>
-    <dgm:linClrLst meth="repeat">
-      <a:schemeClr val="lt1"/>
-    </dgm:linClrLst>
-    <dgm:effectClrLst/>
-    <dgm:txLinClrLst/>
-    <dgm:txFillClrLst/>
-    <dgm:txEffectClrLst/>
-  </dgm:styleLbl>
-  <dgm:styleLbl name="asst2">
-    <dgm:fillClrLst meth="repeat">
-      <a:schemeClr val="accent1"/>
-    </dgm:fillClrLst>
-    <dgm:linClrLst meth="repeat">
-      <a:schemeClr val="lt1"/>
-    </dgm:linClrLst>
-    <dgm:effectClrLst/>
-    <dgm:txLinClrLst/>
-    <dgm:txFillClrLst/>
-    <dgm:txEffectClrLst/>
-  </dgm:styleLbl>
-  <dgm:styleLbl name="asst3">
-    <dgm:fillClrLst meth="repeat">
-      <a:schemeClr val="accent1"/>
-    </dgm:fillClrLst>
-    <dgm:linClrLst meth="repeat">
-      <a:schemeClr val="lt1"/>
-    </dgm:linClrLst>
-    <dgm:effectClrLst/>
-    <dgm:txLinClrLst/>
-    <dgm:txFillClrLst/>
-    <dgm:txEffectClrLst/>
-  </dgm:styleLbl>
-  <dgm:styleLbl name="asst4">
-    <dgm:fillClrLst meth="repeat">
-      <a:schemeClr val="accent1"/>
-    </dgm:fillClrLst>
-    <dgm:linClrLst meth="repeat">
-      <a:schemeClr val="lt1"/>
-    </dgm:linClrLst>
-    <dgm:effectClrLst/>
-    <dgm:txLinClrLst/>
-    <dgm:txFillClrLst/>
-    <dgm:txEffectClrLst/>
-  </dgm:styleLbl>
-  <dgm:styleLbl name="parChTrans2D1">
-    <dgm:fillClrLst meth="repeat">
-      <a:schemeClr val="accent1">
-        <a:tint val="60000"/>
-      </a:schemeClr>
-    </dgm:fillClrLst>
-    <dgm:linClrLst meth="repeat">
-      <a:schemeClr val="accent1">
-        <a:tint val="60000"/>
-      </a:schemeClr>
-    </dgm:linClrLst>
-    <dgm:effectClrLst/>
-    <dgm:txLinClrLst/>
-    <dgm:txFillClrLst meth="repeat">
-      <a:schemeClr val="lt1"/>
-    </dgm:txFillClrLst>
-    <dgm:txEffectClrLst/>
-  </dgm:styleLbl>
-  <dgm:styleLbl name="parChTrans2D2">
-    <dgm:fillClrLst meth="repeat">
-      <a:schemeClr val="accent1"/>
-    </dgm:fillClrLst>
-    <dgm:linClrLst meth="repeat">
-      <a:schemeClr val="accent1"/>
-    </dgm:linClrLst>
-    <dgm:effectClrLst/>
-    <dgm:txLinClrLst/>
-    <dgm:txFillClrLst meth="repeat">
-      <a:schemeClr val="lt1"/>
-    </dgm:txFillClrLst>
-    <dgm:txEffectClrLst/>
-  </dgm:styleLbl>
-  <dgm:styleLbl name="parChTrans2D3">
-    <dgm:fillClrLst meth="repeat">
-      <a:schemeClr val="accent1"/>
-    </dgm:fillClrLst>
-    <dgm:linClrLst meth="repeat">
-      <a:schemeClr val="accent1"/>
-    </dgm:linClrLst>
-    <dgm:effectClrLst/>
-    <dgm:txLinClrLst/>
-    <dgm:txFillClrLst meth="repeat">
-      <a:schemeClr val="lt1"/>
-    </dgm:txFillClrLst>
-    <dgm:txEffectClrLst/>
-  </dgm:styleLbl>
-  <dgm:styleLbl name="parChTrans2D4">
-    <dgm:fillClrLst meth="repeat">
-      <a:schemeClr val="accent1"/>
-    </dgm:fillClrLst>
-    <dgm:linClrLst meth="repeat">
-      <a:schemeClr val="accent1"/>
-    </dgm:linClrLst>
-    <dgm:effectClrLst/>
-    <dgm:txLinClrLst/>
-    <dgm:txFillClrLst meth="repeat">
-      <a:schemeClr val="lt1"/>
-    </dgm:txFillClrLst>
-    <dgm:txEffectClrLst/>
-  </dgm:styleLbl>
-  <dgm:styleLbl name="parChTrans1D1">
-    <dgm:fillClrLst meth="repeat">
-      <a:schemeClr val="accent1"/>
-    </dgm:fillClrLst>
-    <dgm:linClrLst meth="repeat">
-      <a:schemeClr val="accent1">
-        <a:shade val="60000"/>
-      </a:schemeClr>
-    </dgm:linClrLst>
-    <dgm:effectClrLst/>
-    <dgm:txLinClrLst/>
-    <dgm:txFillClrLst meth="repeat">
-      <a:schemeClr val="tx1"/>
-    </dgm:txFillClrLst>
-    <dgm:txEffectClrLst/>
-  </dgm:styleLbl>
-  <dgm:styleLbl name="parChTrans1D2">
-    <dgm:fillClrLst meth="repeat">
-      <a:schemeClr val="accent1"/>
-    </dgm:fillClrLst>
-    <dgm:linClrLst meth="repeat">
-      <a:schemeClr val="accent1">
-        <a:shade val="60000"/>
-      </a:schemeClr>
-    </dgm:linClrLst>
-    <dgm:effectClrLst/>
-    <dgm:txLinClrLst/>
-    <dgm:txFillClrLst meth="repeat">
-      <a:schemeClr val="tx1"/>
-    </dgm:txFillClrLst>
-    <dgm:txEffectClrLst/>
-  </dgm:styleLbl>
-  <dgm:styleLbl name="parChTrans1D3">
-    <dgm:fillClrLst meth="repeat">
-      <a:schemeClr val="accent1"/>
-    </dgm:fillClrLst>
-    <dgm:linClrLst meth="repeat">
-      <a:schemeClr val="accent1">
-        <a:shade val="80000"/>
-      </a:schemeClr>
-    </dgm:linClrLst>
-    <dgm:effectClrLst/>
-    <dgm:txLinClrLst/>
-    <dgm:txFillClrLst meth="repeat">
-      <a:schemeClr val="tx1"/>
-    </dgm:txFillClrLst>
-    <dgm:txEffectClrLst/>
-  </dgm:styleLbl>
-  <dgm:styleLbl name="parChTrans1D4">
-    <dgm:fillClrLst meth="repeat">
-      <a:schemeClr val="accent1"/>
-    </dgm:fillClrLst>
-    <dgm:linClrLst meth="repeat">
-      <a:schemeClr val="accent1">
-        <a:shade val="80000"/>
-      </a:schemeClr>
-    </dgm:linClrLst>
-    <dgm:effectClrLst/>
-    <dgm:txLinClrLst/>
-    <dgm:txFillClrLst meth="repeat">
-      <a:schemeClr val="tx1"/>
-    </dgm:txFillClrLst>
-    <dgm:txEffectClrLst/>
-  </dgm:styleLbl>
-  <dgm:styleLbl name="fgAcc1">
-    <dgm:fillClrLst meth="repeat">
-      <a:schemeClr val="lt1">
-        <a:alpha val="90000"/>
-      </a:schemeClr>
-    </dgm:fillClrLst>
-    <dgm:linClrLst meth="repeat">
-      <a:schemeClr val="accent1"/>
-    </dgm:linClrLst>
-    <dgm:effectClrLst/>
-    <dgm:txLinClrLst/>
-    <dgm:txFillClrLst meth="repeat">
-      <a:schemeClr val="dk1"/>
-    </dgm:txFillClrLst>
-    <dgm:txEffectClrLst/>
-  </dgm:styleLbl>
-  <dgm:styleLbl name="conFgAcc1">
-    <dgm:fillClrLst meth="repeat">
-      <a:schemeClr val="lt1">
-        <a:alpha val="90000"/>
-      </a:schemeClr>
-    </dgm:fillClrLst>
-    <dgm:linClrLst meth="repeat">
-      <a:schemeClr val="accent1"/>
-    </dgm:linClrLst>
-    <dgm:effectClrLst/>
-    <dgm:txLinClrLst/>
-    <dgm:txFillClrLst meth="repeat">
-      <a:schemeClr val="dk1"/>
-    </dgm:txFillClrLst>
-    <dgm:txEffectClrLst/>
-  </dgm:styleLbl>
-  <dgm:styleLbl name="alignAcc1">
-    <dgm:fillClrLst meth="repeat">
-      <a:schemeClr val="lt1">
-        <a:alpha val="90000"/>
-      </a:schemeClr>
-    </dgm:fillClrLst>
-    <dgm:linClrLst meth="repeat">
-      <a:schemeClr val="accent1"/>
-    </dgm:linClrLst>
-    <dgm:effectClrLst/>
-    <dgm:txLinClrLst/>
-    <dgm:txFillClrLst meth="repeat">
-      <a:schemeClr val="dk1"/>
-    </dgm:txFillClrLst>
-    <dgm:txEffectClrLst/>
-  </dgm:styleLbl>
-  <dgm:styleLbl name="trAlignAcc1">
-    <dgm:fillClrLst meth="repeat">
-      <a:schemeClr val="lt1">
-        <a:alpha val="40000"/>
-      </a:schemeClr>
-    </dgm:fillClrLst>
-    <dgm:linClrLst meth="repeat">
-      <a:schemeClr val="accent1"/>
-    </dgm:linClrLst>
-    <dgm:effectClrLst/>
-    <dgm:txLinClrLst/>
-    <dgm:txFillClrLst meth="repeat">
-      <a:schemeClr val="dk1"/>
-    </dgm:txFillClrLst>
-    <dgm:txEffectClrLst/>
-  </dgm:styleLbl>
-  <dgm:styleLbl name="bgAcc1">
-    <dgm:fillClrLst meth="repeat">
-      <a:schemeClr val="lt1">
-        <a:alpha val="90000"/>
-      </a:schemeClr>
-    </dgm:fillClrLst>
-    <dgm:linClrLst meth="repeat">
-      <a:schemeClr val="accent1"/>
-    </dgm:linClrLst>
-    <dgm:effectClrLst/>
-    <dgm:txLinClrLst/>
-    <dgm:txFillClrLst meth="repeat">
-      <a:schemeClr val="dk1"/>
-    </dgm:txFillClrLst>
-    <dgm:txEffectClrLst/>
-  </dgm:styleLbl>
-  <dgm:styleLbl name="solidFgAcc1">
-    <dgm:fillClrLst meth="repeat">
-      <a:schemeClr val="lt1"/>
-    </dgm:fillClrLst>
-    <dgm:linClrLst meth="repeat">
-      <a:schemeClr val="accent1"/>
-    </dgm:linClrLst>
-    <dgm:effectClrLst/>
-    <dgm:txLinClrLst/>
-    <dgm:txFillClrLst meth="repeat">
-      <a:schemeClr val="dk1"/>
-    </dgm:txFillClrLst>
-    <dgm:txEffectClrLst/>
-  </dgm:styleLbl>
-  <dgm:styleLbl name="solidAlignAcc1">
-    <dgm:fillClrLst meth="repeat">
-      <a:schemeClr val="lt1"/>
-    </dgm:fillClrLst>
-    <dgm:linClrLst meth="repeat">
-      <a:schemeClr val="accent1"/>
-    </dgm:linClrLst>
-    <dgm:effectClrLst/>
-    <dgm:txLinClrLst/>
-    <dgm:txFillClrLst meth="repeat">
-      <a:schemeClr val="dk1"/>
-    </dgm:txFillClrLst>
-    <dgm:txEffectClrLst/>
-  </dgm:styleLbl>
-  <dgm:styleLbl name="solidBgAcc1">
-    <dgm:fillClrLst meth="repeat">
-      <a:schemeClr val="lt1"/>
-    </dgm:fillClrLst>
-    <dgm:linClrLst meth="repeat">
-      <a:schemeClr val="accent1"/>
-    </dgm:linClrLst>
-    <dgm:effectClrLst/>
-    <dgm:txLinClrLst/>
-    <dgm:txFillClrLst meth="repeat">
-      <a:schemeClr val="dk1"/>
-    </dgm:txFillClrLst>
-    <dgm:txEffectClrLst/>
-  </dgm:styleLbl>
-  <dgm:styleLbl name="fgAccFollowNode1">
-    <dgm:fillClrLst meth="repeat">
-      <a:schemeClr val="accent1">
-        <a:alpha val="90000"/>
-        <a:tint val="40000"/>
-      </a:schemeClr>
-    </dgm:fillClrLst>
-    <dgm:linClrLst meth="repeat">
-      <a:schemeClr val="accent1">
-        <a:alpha val="90000"/>
-        <a:tint val="40000"/>
-      </a:schemeClr>
-    </dgm:linClrLst>
-    <dgm:effectClrLst/>
-    <dgm:txLinClrLst/>
-    <dgm:txFillClrLst meth="repeat">
-      <a:schemeClr val="dk1"/>
-    </dgm:txFillClrLst>
-    <dgm:txEffectClrLst/>
-  </dgm:styleLbl>
-  <dgm:styleLbl name="alignAccFollowNode1">
-    <dgm:fillClrLst meth="repeat">
-      <a:schemeClr val="accent1">
-        <a:alpha val="90000"/>
-        <a:tint val="40000"/>
-      </a:schemeClr>
-    </dgm:fillClrLst>
-    <dgm:linClrLst meth="repeat">
-      <a:schemeClr val="accent1">
-        <a:alpha val="90000"/>
-        <a:tint val="40000"/>
-      </a:schemeClr>
-    </dgm:linClrLst>
-    <dgm:effectClrLst/>
-    <dgm:txLinClrLst/>
-    <dgm:txFillClrLst meth="repeat">
-      <a:schemeClr val="dk1"/>
-    </dgm:txFillClrLst>
-    <dgm:txEffectClrLst/>
-  </dgm:styleLbl>
-  <dgm:styleLbl name="bgAccFollowNode1">
-    <dgm:fillClrLst meth="repeat">
-      <a:schemeClr val="accent1">
-        <a:alpha val="90000"/>
-        <a:tint val="40000"/>
-      </a:schemeClr>
-    </dgm:fillClrLst>
-    <dgm:linClrLst meth="repeat">
-      <a:schemeClr val="accent1">
-        <a:alpha val="90000"/>
-        <a:tint val="40000"/>
-      </a:schemeClr>
-    </dgm:linClrLst>
-    <dgm:effectClrLst/>
-    <dgm:txLinClrLst/>
-    <dgm:txFillClrLst meth="repeat">
-      <a:schemeClr val="dk1"/>
-    </dgm:txFillClrLst>
-    <dgm:txEffectClrLst/>
-  </dgm:styleLbl>
-  <dgm:styleLbl name="fgAcc0">
-    <dgm:fillClrLst meth="repeat">
-      <a:schemeClr val="lt1">
-        <a:alpha val="90000"/>
-      </a:schemeClr>
-    </dgm:fillClrLst>
-    <dgm:linClrLst meth="repeat">
-      <a:schemeClr val="accent1"/>
-    </dgm:linClrLst>
-    <dgm:effectClrLst/>
-    <dgm:txLinClrLst/>
-    <dgm:txFillClrLst meth="repeat">
-      <a:schemeClr val="dk1"/>
-    </dgm:txFillClrLst>
-    <dgm:txEffectClrLst/>
-  </dgm:styleLbl>
-  <dgm:styleLbl name="fgAcc2">
-    <dgm:fillClrLst meth="repeat">
-      <a:schemeClr val="lt1">
-        <a:alpha val="90000"/>
-      </a:schemeClr>
-    </dgm:fillClrLst>
-    <dgm:linClrLst meth="repeat">
-      <a:schemeClr val="accent1"/>
-    </dgm:linClrLst>
-    <dgm:effectClrLst/>
-    <dgm:txLinClrLst/>
-    <dgm:txFillClrLst meth="repeat">
-      <a:schemeClr val="dk1"/>
-    </dgm:txFillClrLst>
-    <dgm:txEffectClrLst/>
-  </dgm:styleLbl>
-  <dgm:styleLbl name="fgAcc3">
-    <dgm:fillClrLst meth="repeat">
-      <a:schemeClr val="lt1">
-        <a:alpha val="90000"/>
-      </a:schemeClr>
-    </dgm:fillClrLst>
-    <dgm:linClrLst meth="repeat">
-      <a:schemeClr val="accent1"/>
-    </dgm:linClrLst>
-    <dgm:effectClrLst/>
-    <dgm:txLinClrLst/>
-    <dgm:txFillClrLst meth="repeat">
-      <a:schemeClr val="dk1"/>
-    </dgm:txFillClrLst>
-    <dgm:txEffectClrLst/>
-  </dgm:styleLbl>
-  <dgm:styleLbl name="fgAcc4">
-    <dgm:fillClrLst meth="repeat">
-      <a:schemeClr val="lt1">
-        <a:alpha val="90000"/>
-      </a:schemeClr>
-    </dgm:fillClrLst>
-    <dgm:linClrLst meth="repeat">
-      <a:schemeClr val="accent1"/>
-    </dgm:linClrLst>
-    <dgm:effectClrLst/>
-    <dgm:txLinClrLst/>
-    <dgm:txFillClrLst meth="repeat">
-      <a:schemeClr val="dk1"/>
-    </dgm:txFillClrLst>
-    <dgm:txEffectClrLst/>
-  </dgm:styleLbl>
-  <dgm:styleLbl name="bgShp">
-    <dgm:fillClrLst meth="repeat">
-      <a:schemeClr val="accent1">
-        <a:tint val="40000"/>
-      </a:schemeClr>
-    </dgm:fillClrLst>
-    <dgm:linClrLst meth="repeat">
-      <a:schemeClr val="accent1"/>
-    </dgm:linClrLst>
-    <dgm:effectClrLst/>
-    <dgm:txLinClrLst/>
-    <dgm:txFillClrLst meth="repeat">
-      <a:schemeClr val="dk1"/>
-    </dgm:txFillClrLst>
-    <dgm:txEffectClrLst/>
-  </dgm:styleLbl>
-  <dgm:styleLbl name="dkBgShp">
-    <dgm:fillClrLst meth="repeat">
-      <a:schemeClr val="accent1">
-        <a:shade val="80000"/>
-      </a:schemeClr>
-    </dgm:fillClrLst>
-    <dgm:linClrLst meth="repeat">
-      <a:schemeClr val="accent1"/>
-    </dgm:linClrLst>
-    <dgm:effectClrLst/>
-    <dgm:txLinClrLst/>
-    <dgm:txFillClrLst meth="repeat">
-      <a:schemeClr val="lt1"/>
-    </dgm:txFillClrLst>
-    <dgm:txEffectClrLst/>
-  </dgm:styleLbl>
-  <dgm:styleLbl name="trBgShp">
-    <dgm:fillClrLst meth="repeat">
-      <a:schemeClr val="accent1">
-        <a:tint val="50000"/>
-        <a:alpha val="40000"/>
-      </a:schemeClr>
-    </dgm:fillClrLst>
-    <dgm:linClrLst meth="repeat">
-      <a:schemeClr val="accent1"/>
-    </dgm:linClrLst>
-    <dgm:effectClrLst/>
-    <dgm:txLinClrLst/>
-    <dgm:txFillClrLst meth="repeat">
-      <a:schemeClr val="lt1"/>
-    </dgm:txFillClrLst>
-    <dgm:txEffectClrLst/>
-  </dgm:styleLbl>
-  <dgm:styleLbl name="fgShp">
-    <dgm:fillClrLst meth="repeat">
-      <a:schemeClr val="accent1">
-        <a:tint val="60000"/>
-      </a:schemeClr>
-    </dgm:fillClrLst>
-    <dgm:linClrLst meth="repeat">
-      <a:schemeClr val="lt1"/>
-    </dgm:linClrLst>
-    <dgm:effectClrLst/>
-    <dgm:txLinClrLst/>
-    <dgm:txFillClrLst meth="repeat">
-      <a:schemeClr val="dk1"/>
-    </dgm:txFillClrLst>
-    <dgm:txEffectClrLst/>
-  </dgm:styleLbl>
-  <dgm:styleLbl name="revTx">
-    <dgm:fillClrLst meth="repeat">
-      <a:schemeClr val="lt1">
-        <a:alpha val="0"/>
-      </a:schemeClr>
-    </dgm:fillClrLst>
-    <dgm:linClrLst meth="repeat">
-      <a:schemeClr val="dk1">
-        <a:alpha val="0"/>
-      </a:schemeClr>
-    </dgm:linClrLst>
-    <dgm:effectClrLst/>
-    <dgm:txLinClrLst/>
-    <dgm:txFillClrLst meth="repeat">
-      <a:schemeClr val="tx1"/>
-    </dgm:txFillClrLst>
-    <dgm:txEffectClrLst/>
-  </dgm:styleLbl>
-</dgm:colorsDef>
-</file>
-
 <file path=ppt/diagrams/colors3.xml><?xml version="1.0" encoding="utf-8"?>
 <dgm:colorsDef xmlns:dgm="http://schemas.openxmlformats.org/drawingml/2006/diagram" xmlns:a="http://schemas.openxmlformats.org/drawingml/2006/main" uniqueId="urn:microsoft.com/office/officeart/2005/8/colors/accent1_2">
   <dgm:title val=""/>
@@ -3146,6 +3147,753 @@
 </file>
 
 <file path=ppt/diagrams/colors5.xml><?xml version="1.0" encoding="utf-8"?>
+<dgm:colorsDef xmlns:dgm="http://schemas.openxmlformats.org/drawingml/2006/diagram" xmlns:a="http://schemas.openxmlformats.org/drawingml/2006/main" uniqueId="urn:microsoft.com/office/officeart/2005/8/colors/accent1_2">
+  <dgm:title val=""/>
+  <dgm:desc val=""/>
+  <dgm:catLst>
+    <dgm:cat type="accent1" pri="11200"/>
+  </dgm:catLst>
+  <dgm:styleLbl name="node0">
+    <dgm:fillClrLst meth="repeat">
+      <a:schemeClr val="accent1"/>
+    </dgm:fillClrLst>
+    <dgm:linClrLst meth="repeat">
+      <a:schemeClr val="lt1"/>
+    </dgm:linClrLst>
+    <dgm:effectClrLst/>
+    <dgm:txLinClrLst/>
+    <dgm:txFillClrLst/>
+    <dgm:txEffectClrLst/>
+  </dgm:styleLbl>
+  <dgm:styleLbl name="alignNode1">
+    <dgm:fillClrLst meth="repeat">
+      <a:schemeClr val="accent1"/>
+    </dgm:fillClrLst>
+    <dgm:linClrLst meth="repeat">
+      <a:schemeClr val="accent1"/>
+    </dgm:linClrLst>
+    <dgm:effectClrLst/>
+    <dgm:txLinClrLst/>
+    <dgm:txFillClrLst/>
+    <dgm:txEffectClrLst/>
+  </dgm:styleLbl>
+  <dgm:styleLbl name="node1">
+    <dgm:fillClrLst meth="repeat">
+      <a:schemeClr val="accent1"/>
+    </dgm:fillClrLst>
+    <dgm:linClrLst meth="repeat">
+      <a:schemeClr val="lt1"/>
+    </dgm:linClrLst>
+    <dgm:effectClrLst/>
+    <dgm:txLinClrLst/>
+    <dgm:txFillClrLst/>
+    <dgm:txEffectClrLst/>
+  </dgm:styleLbl>
+  <dgm:styleLbl name="lnNode1">
+    <dgm:fillClrLst meth="repeat">
+      <a:schemeClr val="accent1"/>
+    </dgm:fillClrLst>
+    <dgm:linClrLst meth="repeat">
+      <a:schemeClr val="lt1"/>
+    </dgm:linClrLst>
+    <dgm:effectClrLst/>
+    <dgm:txLinClrLst/>
+    <dgm:txFillClrLst/>
+    <dgm:txEffectClrLst/>
+  </dgm:styleLbl>
+  <dgm:styleLbl name="vennNode1">
+    <dgm:fillClrLst meth="repeat">
+      <a:schemeClr val="accent1">
+        <a:alpha val="50000"/>
+      </a:schemeClr>
+    </dgm:fillClrLst>
+    <dgm:linClrLst meth="repeat">
+      <a:schemeClr val="lt1"/>
+    </dgm:linClrLst>
+    <dgm:effectClrLst/>
+    <dgm:txLinClrLst/>
+    <dgm:txFillClrLst/>
+    <dgm:txEffectClrLst/>
+  </dgm:styleLbl>
+  <dgm:styleLbl name="node2">
+    <dgm:fillClrLst meth="repeat">
+      <a:schemeClr val="accent1"/>
+    </dgm:fillClrLst>
+    <dgm:linClrLst meth="repeat">
+      <a:schemeClr val="lt1"/>
+    </dgm:linClrLst>
+    <dgm:effectClrLst/>
+    <dgm:txLinClrLst/>
+    <dgm:txFillClrLst/>
+    <dgm:txEffectClrLst/>
+  </dgm:styleLbl>
+  <dgm:styleLbl name="node3">
+    <dgm:fillClrLst meth="repeat">
+      <a:schemeClr val="accent1"/>
+    </dgm:fillClrLst>
+    <dgm:linClrLst meth="repeat">
+      <a:schemeClr val="lt1"/>
+    </dgm:linClrLst>
+    <dgm:effectClrLst/>
+    <dgm:txLinClrLst/>
+    <dgm:txFillClrLst/>
+    <dgm:txEffectClrLst/>
+  </dgm:styleLbl>
+  <dgm:styleLbl name="node4">
+    <dgm:fillClrLst meth="repeat">
+      <a:schemeClr val="accent1"/>
+    </dgm:fillClrLst>
+    <dgm:linClrLst meth="repeat">
+      <a:schemeClr val="lt1"/>
+    </dgm:linClrLst>
+    <dgm:effectClrLst/>
+    <dgm:txLinClrLst/>
+    <dgm:txFillClrLst/>
+    <dgm:txEffectClrLst/>
+  </dgm:styleLbl>
+  <dgm:styleLbl name="fgImgPlace1">
+    <dgm:fillClrLst meth="repeat">
+      <a:schemeClr val="accent1">
+        <a:tint val="50000"/>
+      </a:schemeClr>
+    </dgm:fillClrLst>
+    <dgm:linClrLst meth="repeat">
+      <a:schemeClr val="lt1"/>
+    </dgm:linClrLst>
+    <dgm:effectClrLst/>
+    <dgm:txLinClrLst/>
+    <dgm:txFillClrLst meth="repeat">
+      <a:schemeClr val="lt1"/>
+    </dgm:txFillClrLst>
+    <dgm:txEffectClrLst/>
+  </dgm:styleLbl>
+  <dgm:styleLbl name="alignImgPlace1">
+    <dgm:fillClrLst meth="repeat">
+      <a:schemeClr val="accent1">
+        <a:tint val="50000"/>
+      </a:schemeClr>
+    </dgm:fillClrLst>
+    <dgm:linClrLst meth="repeat">
+      <a:schemeClr val="lt1"/>
+    </dgm:linClrLst>
+    <dgm:effectClrLst/>
+    <dgm:txLinClrLst/>
+    <dgm:txFillClrLst meth="repeat">
+      <a:schemeClr val="lt1"/>
+    </dgm:txFillClrLst>
+    <dgm:txEffectClrLst/>
+  </dgm:styleLbl>
+  <dgm:styleLbl name="bgImgPlace1">
+    <dgm:fillClrLst meth="repeat">
+      <a:schemeClr val="accent1">
+        <a:tint val="50000"/>
+      </a:schemeClr>
+    </dgm:fillClrLst>
+    <dgm:linClrLst meth="repeat">
+      <a:schemeClr val="lt1"/>
+    </dgm:linClrLst>
+    <dgm:effectClrLst/>
+    <dgm:txLinClrLst/>
+    <dgm:txFillClrLst meth="repeat">
+      <a:schemeClr val="lt1"/>
+    </dgm:txFillClrLst>
+    <dgm:txEffectClrLst/>
+  </dgm:styleLbl>
+  <dgm:styleLbl name="sibTrans2D1">
+    <dgm:fillClrLst meth="repeat">
+      <a:schemeClr val="accent1">
+        <a:tint val="60000"/>
+      </a:schemeClr>
+    </dgm:fillClrLst>
+    <dgm:linClrLst meth="repeat">
+      <a:schemeClr val="accent1">
+        <a:tint val="60000"/>
+      </a:schemeClr>
+    </dgm:linClrLst>
+    <dgm:effectClrLst/>
+    <dgm:txLinClrLst/>
+    <dgm:txFillClrLst/>
+    <dgm:txEffectClrLst/>
+  </dgm:styleLbl>
+  <dgm:styleLbl name="fgSibTrans2D1">
+    <dgm:fillClrLst meth="repeat">
+      <a:schemeClr val="accent1">
+        <a:tint val="60000"/>
+      </a:schemeClr>
+    </dgm:fillClrLst>
+    <dgm:linClrLst meth="repeat">
+      <a:schemeClr val="accent1">
+        <a:tint val="60000"/>
+      </a:schemeClr>
+    </dgm:linClrLst>
+    <dgm:effectClrLst/>
+    <dgm:txLinClrLst/>
+    <dgm:txFillClrLst/>
+    <dgm:txEffectClrLst/>
+  </dgm:styleLbl>
+  <dgm:styleLbl name="bgSibTrans2D1">
+    <dgm:fillClrLst meth="repeat">
+      <a:schemeClr val="accent1">
+        <a:tint val="60000"/>
+      </a:schemeClr>
+    </dgm:fillClrLst>
+    <dgm:linClrLst meth="repeat">
+      <a:schemeClr val="accent1">
+        <a:tint val="60000"/>
+      </a:schemeClr>
+    </dgm:linClrLst>
+    <dgm:effectClrLst/>
+    <dgm:txLinClrLst/>
+    <dgm:txFillClrLst/>
+    <dgm:txEffectClrLst/>
+  </dgm:styleLbl>
+  <dgm:styleLbl name="sibTrans1D1">
+    <dgm:fillClrLst meth="repeat">
+      <a:schemeClr val="accent1"/>
+    </dgm:fillClrLst>
+    <dgm:linClrLst meth="repeat">
+      <a:schemeClr val="accent1"/>
+    </dgm:linClrLst>
+    <dgm:effectClrLst/>
+    <dgm:txLinClrLst/>
+    <dgm:txFillClrLst meth="repeat">
+      <a:schemeClr val="tx1"/>
+    </dgm:txFillClrLst>
+    <dgm:txEffectClrLst/>
+  </dgm:styleLbl>
+  <dgm:styleLbl name="callout">
+    <dgm:fillClrLst meth="repeat">
+      <a:schemeClr val="accent1"/>
+    </dgm:fillClrLst>
+    <dgm:linClrLst meth="repeat">
+      <a:schemeClr val="accent1">
+        <a:tint val="50000"/>
+      </a:schemeClr>
+    </dgm:linClrLst>
+    <dgm:effectClrLst/>
+    <dgm:txLinClrLst/>
+    <dgm:txFillClrLst meth="repeat">
+      <a:schemeClr val="tx1"/>
+    </dgm:txFillClrLst>
+    <dgm:txEffectClrLst/>
+  </dgm:styleLbl>
+  <dgm:styleLbl name="asst0">
+    <dgm:fillClrLst meth="repeat">
+      <a:schemeClr val="accent1"/>
+    </dgm:fillClrLst>
+    <dgm:linClrLst meth="repeat">
+      <a:schemeClr val="lt1"/>
+    </dgm:linClrLst>
+    <dgm:effectClrLst/>
+    <dgm:txLinClrLst/>
+    <dgm:txFillClrLst/>
+    <dgm:txEffectClrLst/>
+  </dgm:styleLbl>
+  <dgm:styleLbl name="asst1">
+    <dgm:fillClrLst meth="repeat">
+      <a:schemeClr val="accent1"/>
+    </dgm:fillClrLst>
+    <dgm:linClrLst meth="repeat">
+      <a:schemeClr val="lt1"/>
+    </dgm:linClrLst>
+    <dgm:effectClrLst/>
+    <dgm:txLinClrLst/>
+    <dgm:txFillClrLst/>
+    <dgm:txEffectClrLst/>
+  </dgm:styleLbl>
+  <dgm:styleLbl name="asst2">
+    <dgm:fillClrLst meth="repeat">
+      <a:schemeClr val="accent1"/>
+    </dgm:fillClrLst>
+    <dgm:linClrLst meth="repeat">
+      <a:schemeClr val="lt1"/>
+    </dgm:linClrLst>
+    <dgm:effectClrLst/>
+    <dgm:txLinClrLst/>
+    <dgm:txFillClrLst/>
+    <dgm:txEffectClrLst/>
+  </dgm:styleLbl>
+  <dgm:styleLbl name="asst3">
+    <dgm:fillClrLst meth="repeat">
+      <a:schemeClr val="accent1"/>
+    </dgm:fillClrLst>
+    <dgm:linClrLst meth="repeat">
+      <a:schemeClr val="lt1"/>
+    </dgm:linClrLst>
+    <dgm:effectClrLst/>
+    <dgm:txLinClrLst/>
+    <dgm:txFillClrLst/>
+    <dgm:txEffectClrLst/>
+  </dgm:styleLbl>
+  <dgm:styleLbl name="asst4">
+    <dgm:fillClrLst meth="repeat">
+      <a:schemeClr val="accent1"/>
+    </dgm:fillClrLst>
+    <dgm:linClrLst meth="repeat">
+      <a:schemeClr val="lt1"/>
+    </dgm:linClrLst>
+    <dgm:effectClrLst/>
+    <dgm:txLinClrLst/>
+    <dgm:txFillClrLst/>
+    <dgm:txEffectClrLst/>
+  </dgm:styleLbl>
+  <dgm:styleLbl name="parChTrans2D1">
+    <dgm:fillClrLst meth="repeat">
+      <a:schemeClr val="accent1">
+        <a:tint val="60000"/>
+      </a:schemeClr>
+    </dgm:fillClrLst>
+    <dgm:linClrLst meth="repeat">
+      <a:schemeClr val="accent1">
+        <a:tint val="60000"/>
+      </a:schemeClr>
+    </dgm:linClrLst>
+    <dgm:effectClrLst/>
+    <dgm:txLinClrLst/>
+    <dgm:txFillClrLst meth="repeat">
+      <a:schemeClr val="lt1"/>
+    </dgm:txFillClrLst>
+    <dgm:txEffectClrLst/>
+  </dgm:styleLbl>
+  <dgm:styleLbl name="parChTrans2D2">
+    <dgm:fillClrLst meth="repeat">
+      <a:schemeClr val="accent1"/>
+    </dgm:fillClrLst>
+    <dgm:linClrLst meth="repeat">
+      <a:schemeClr val="accent1"/>
+    </dgm:linClrLst>
+    <dgm:effectClrLst/>
+    <dgm:txLinClrLst/>
+    <dgm:txFillClrLst meth="repeat">
+      <a:schemeClr val="lt1"/>
+    </dgm:txFillClrLst>
+    <dgm:txEffectClrLst/>
+  </dgm:styleLbl>
+  <dgm:styleLbl name="parChTrans2D3">
+    <dgm:fillClrLst meth="repeat">
+      <a:schemeClr val="accent1"/>
+    </dgm:fillClrLst>
+    <dgm:linClrLst meth="repeat">
+      <a:schemeClr val="accent1"/>
+    </dgm:linClrLst>
+    <dgm:effectClrLst/>
+    <dgm:txLinClrLst/>
+    <dgm:txFillClrLst meth="repeat">
+      <a:schemeClr val="lt1"/>
+    </dgm:txFillClrLst>
+    <dgm:txEffectClrLst/>
+  </dgm:styleLbl>
+  <dgm:styleLbl name="parChTrans2D4">
+    <dgm:fillClrLst meth="repeat">
+      <a:schemeClr val="accent1"/>
+    </dgm:fillClrLst>
+    <dgm:linClrLst meth="repeat">
+      <a:schemeClr val="accent1"/>
+    </dgm:linClrLst>
+    <dgm:effectClrLst/>
+    <dgm:txLinClrLst/>
+    <dgm:txFillClrLst meth="repeat">
+      <a:schemeClr val="lt1"/>
+    </dgm:txFillClrLst>
+    <dgm:txEffectClrLst/>
+  </dgm:styleLbl>
+  <dgm:styleLbl name="parChTrans1D1">
+    <dgm:fillClrLst meth="repeat">
+      <a:schemeClr val="accent1"/>
+    </dgm:fillClrLst>
+    <dgm:linClrLst meth="repeat">
+      <a:schemeClr val="accent1">
+        <a:shade val="60000"/>
+      </a:schemeClr>
+    </dgm:linClrLst>
+    <dgm:effectClrLst/>
+    <dgm:txLinClrLst/>
+    <dgm:txFillClrLst meth="repeat">
+      <a:schemeClr val="tx1"/>
+    </dgm:txFillClrLst>
+    <dgm:txEffectClrLst/>
+  </dgm:styleLbl>
+  <dgm:styleLbl name="parChTrans1D2">
+    <dgm:fillClrLst meth="repeat">
+      <a:schemeClr val="accent1"/>
+    </dgm:fillClrLst>
+    <dgm:linClrLst meth="repeat">
+      <a:schemeClr val="accent1">
+        <a:shade val="60000"/>
+      </a:schemeClr>
+    </dgm:linClrLst>
+    <dgm:effectClrLst/>
+    <dgm:txLinClrLst/>
+    <dgm:txFillClrLst meth="repeat">
+      <a:schemeClr val="tx1"/>
+    </dgm:txFillClrLst>
+    <dgm:txEffectClrLst/>
+  </dgm:styleLbl>
+  <dgm:styleLbl name="parChTrans1D3">
+    <dgm:fillClrLst meth="repeat">
+      <a:schemeClr val="accent1"/>
+    </dgm:fillClrLst>
+    <dgm:linClrLst meth="repeat">
+      <a:schemeClr val="accent1">
+        <a:shade val="80000"/>
+      </a:schemeClr>
+    </dgm:linClrLst>
+    <dgm:effectClrLst/>
+    <dgm:txLinClrLst/>
+    <dgm:txFillClrLst meth="repeat">
+      <a:schemeClr val="tx1"/>
+    </dgm:txFillClrLst>
+    <dgm:txEffectClrLst/>
+  </dgm:styleLbl>
+  <dgm:styleLbl name="parChTrans1D4">
+    <dgm:fillClrLst meth="repeat">
+      <a:schemeClr val="accent1"/>
+    </dgm:fillClrLst>
+    <dgm:linClrLst meth="repeat">
+      <a:schemeClr val="accent1">
+        <a:shade val="80000"/>
+      </a:schemeClr>
+    </dgm:linClrLst>
+    <dgm:effectClrLst/>
+    <dgm:txLinClrLst/>
+    <dgm:txFillClrLst meth="repeat">
+      <a:schemeClr val="tx1"/>
+    </dgm:txFillClrLst>
+    <dgm:txEffectClrLst/>
+  </dgm:styleLbl>
+  <dgm:styleLbl name="fgAcc1">
+    <dgm:fillClrLst meth="repeat">
+      <a:schemeClr val="lt1">
+        <a:alpha val="90000"/>
+      </a:schemeClr>
+    </dgm:fillClrLst>
+    <dgm:linClrLst meth="repeat">
+      <a:schemeClr val="accent1"/>
+    </dgm:linClrLst>
+    <dgm:effectClrLst/>
+    <dgm:txLinClrLst/>
+    <dgm:txFillClrLst meth="repeat">
+      <a:schemeClr val="dk1"/>
+    </dgm:txFillClrLst>
+    <dgm:txEffectClrLst/>
+  </dgm:styleLbl>
+  <dgm:styleLbl name="conFgAcc1">
+    <dgm:fillClrLst meth="repeat">
+      <a:schemeClr val="lt1">
+        <a:alpha val="90000"/>
+      </a:schemeClr>
+    </dgm:fillClrLst>
+    <dgm:linClrLst meth="repeat">
+      <a:schemeClr val="accent1"/>
+    </dgm:linClrLst>
+    <dgm:effectClrLst/>
+    <dgm:txLinClrLst/>
+    <dgm:txFillClrLst meth="repeat">
+      <a:schemeClr val="dk1"/>
+    </dgm:txFillClrLst>
+    <dgm:txEffectClrLst/>
+  </dgm:styleLbl>
+  <dgm:styleLbl name="alignAcc1">
+    <dgm:fillClrLst meth="repeat">
+      <a:schemeClr val="lt1">
+        <a:alpha val="90000"/>
+      </a:schemeClr>
+    </dgm:fillClrLst>
+    <dgm:linClrLst meth="repeat">
+      <a:schemeClr val="accent1"/>
+    </dgm:linClrLst>
+    <dgm:effectClrLst/>
+    <dgm:txLinClrLst/>
+    <dgm:txFillClrLst meth="repeat">
+      <a:schemeClr val="dk1"/>
+    </dgm:txFillClrLst>
+    <dgm:txEffectClrLst/>
+  </dgm:styleLbl>
+  <dgm:styleLbl name="trAlignAcc1">
+    <dgm:fillClrLst meth="repeat">
+      <a:schemeClr val="lt1">
+        <a:alpha val="40000"/>
+      </a:schemeClr>
+    </dgm:fillClrLst>
+    <dgm:linClrLst meth="repeat">
+      <a:schemeClr val="accent1"/>
+    </dgm:linClrLst>
+    <dgm:effectClrLst/>
+    <dgm:txLinClrLst/>
+    <dgm:txFillClrLst meth="repeat">
+      <a:schemeClr val="dk1"/>
+    </dgm:txFillClrLst>
+    <dgm:txEffectClrLst/>
+  </dgm:styleLbl>
+  <dgm:styleLbl name="bgAcc1">
+    <dgm:fillClrLst meth="repeat">
+      <a:schemeClr val="lt1">
+        <a:alpha val="90000"/>
+      </a:schemeClr>
+    </dgm:fillClrLst>
+    <dgm:linClrLst meth="repeat">
+      <a:schemeClr val="accent1"/>
+    </dgm:linClrLst>
+    <dgm:effectClrLst/>
+    <dgm:txLinClrLst/>
+    <dgm:txFillClrLst meth="repeat">
+      <a:schemeClr val="dk1"/>
+    </dgm:txFillClrLst>
+    <dgm:txEffectClrLst/>
+  </dgm:styleLbl>
+  <dgm:styleLbl name="solidFgAcc1">
+    <dgm:fillClrLst meth="repeat">
+      <a:schemeClr val="lt1"/>
+    </dgm:fillClrLst>
+    <dgm:linClrLst meth="repeat">
+      <a:schemeClr val="accent1"/>
+    </dgm:linClrLst>
+    <dgm:effectClrLst/>
+    <dgm:txLinClrLst/>
+    <dgm:txFillClrLst meth="repeat">
+      <a:schemeClr val="dk1"/>
+    </dgm:txFillClrLst>
+    <dgm:txEffectClrLst/>
+  </dgm:styleLbl>
+  <dgm:styleLbl name="solidAlignAcc1">
+    <dgm:fillClrLst meth="repeat">
+      <a:schemeClr val="lt1"/>
+    </dgm:fillClrLst>
+    <dgm:linClrLst meth="repeat">
+      <a:schemeClr val="accent1"/>
+    </dgm:linClrLst>
+    <dgm:effectClrLst/>
+    <dgm:txLinClrLst/>
+    <dgm:txFillClrLst meth="repeat">
+      <a:schemeClr val="dk1"/>
+    </dgm:txFillClrLst>
+    <dgm:txEffectClrLst/>
+  </dgm:styleLbl>
+  <dgm:styleLbl name="solidBgAcc1">
+    <dgm:fillClrLst meth="repeat">
+      <a:schemeClr val="lt1"/>
+    </dgm:fillClrLst>
+    <dgm:linClrLst meth="repeat">
+      <a:schemeClr val="accent1"/>
+    </dgm:linClrLst>
+    <dgm:effectClrLst/>
+    <dgm:txLinClrLst/>
+    <dgm:txFillClrLst meth="repeat">
+      <a:schemeClr val="dk1"/>
+    </dgm:txFillClrLst>
+    <dgm:txEffectClrLst/>
+  </dgm:styleLbl>
+  <dgm:styleLbl name="fgAccFollowNode1">
+    <dgm:fillClrLst meth="repeat">
+      <a:schemeClr val="accent1">
+        <a:alpha val="90000"/>
+        <a:tint val="40000"/>
+      </a:schemeClr>
+    </dgm:fillClrLst>
+    <dgm:linClrLst meth="repeat">
+      <a:schemeClr val="accent1">
+        <a:alpha val="90000"/>
+        <a:tint val="40000"/>
+      </a:schemeClr>
+    </dgm:linClrLst>
+    <dgm:effectClrLst/>
+    <dgm:txLinClrLst/>
+    <dgm:txFillClrLst meth="repeat">
+      <a:schemeClr val="dk1"/>
+    </dgm:txFillClrLst>
+    <dgm:txEffectClrLst/>
+  </dgm:styleLbl>
+  <dgm:styleLbl name="alignAccFollowNode1">
+    <dgm:fillClrLst meth="repeat">
+      <a:schemeClr val="accent1">
+        <a:alpha val="90000"/>
+        <a:tint val="40000"/>
+      </a:schemeClr>
+    </dgm:fillClrLst>
+    <dgm:linClrLst meth="repeat">
+      <a:schemeClr val="accent1">
+        <a:alpha val="90000"/>
+        <a:tint val="40000"/>
+      </a:schemeClr>
+    </dgm:linClrLst>
+    <dgm:effectClrLst/>
+    <dgm:txLinClrLst/>
+    <dgm:txFillClrLst meth="repeat">
+      <a:schemeClr val="dk1"/>
+    </dgm:txFillClrLst>
+    <dgm:txEffectClrLst/>
+  </dgm:styleLbl>
+  <dgm:styleLbl name="bgAccFollowNode1">
+    <dgm:fillClrLst meth="repeat">
+      <a:schemeClr val="accent1">
+        <a:alpha val="90000"/>
+        <a:tint val="40000"/>
+      </a:schemeClr>
+    </dgm:fillClrLst>
+    <dgm:linClrLst meth="repeat">
+      <a:schemeClr val="accent1">
+        <a:alpha val="90000"/>
+        <a:tint val="40000"/>
+      </a:schemeClr>
+    </dgm:linClrLst>
+    <dgm:effectClrLst/>
+    <dgm:txLinClrLst/>
+    <dgm:txFillClrLst meth="repeat">
+      <a:schemeClr val="dk1"/>
+    </dgm:txFillClrLst>
+    <dgm:txEffectClrLst/>
+  </dgm:styleLbl>
+  <dgm:styleLbl name="fgAcc0">
+    <dgm:fillClrLst meth="repeat">
+      <a:schemeClr val="lt1">
+        <a:alpha val="90000"/>
+      </a:schemeClr>
+    </dgm:fillClrLst>
+    <dgm:linClrLst meth="repeat">
+      <a:schemeClr val="accent1"/>
+    </dgm:linClrLst>
+    <dgm:effectClrLst/>
+    <dgm:txLinClrLst/>
+    <dgm:txFillClrLst meth="repeat">
+      <a:schemeClr val="dk1"/>
+    </dgm:txFillClrLst>
+    <dgm:txEffectClrLst/>
+  </dgm:styleLbl>
+  <dgm:styleLbl name="fgAcc2">
+    <dgm:fillClrLst meth="repeat">
+      <a:schemeClr val="lt1">
+        <a:alpha val="90000"/>
+      </a:schemeClr>
+    </dgm:fillClrLst>
+    <dgm:linClrLst meth="repeat">
+      <a:schemeClr val="accent1"/>
+    </dgm:linClrLst>
+    <dgm:effectClrLst/>
+    <dgm:txLinClrLst/>
+    <dgm:txFillClrLst meth="repeat">
+      <a:schemeClr val="dk1"/>
+    </dgm:txFillClrLst>
+    <dgm:txEffectClrLst/>
+  </dgm:styleLbl>
+  <dgm:styleLbl name="fgAcc3">
+    <dgm:fillClrLst meth="repeat">
+      <a:schemeClr val="lt1">
+        <a:alpha val="90000"/>
+      </a:schemeClr>
+    </dgm:fillClrLst>
+    <dgm:linClrLst meth="repeat">
+      <a:schemeClr val="accent1"/>
+    </dgm:linClrLst>
+    <dgm:effectClrLst/>
+    <dgm:txLinClrLst/>
+    <dgm:txFillClrLst meth="repeat">
+      <a:schemeClr val="dk1"/>
+    </dgm:txFillClrLst>
+    <dgm:txEffectClrLst/>
+  </dgm:styleLbl>
+  <dgm:styleLbl name="fgAcc4">
+    <dgm:fillClrLst meth="repeat">
+      <a:schemeClr val="lt1">
+        <a:alpha val="90000"/>
+      </a:schemeClr>
+    </dgm:fillClrLst>
+    <dgm:linClrLst meth="repeat">
+      <a:schemeClr val="accent1"/>
+    </dgm:linClrLst>
+    <dgm:effectClrLst/>
+    <dgm:txLinClrLst/>
+    <dgm:txFillClrLst meth="repeat">
+      <a:schemeClr val="dk1"/>
+    </dgm:txFillClrLst>
+    <dgm:txEffectClrLst/>
+  </dgm:styleLbl>
+  <dgm:styleLbl name="bgShp">
+    <dgm:fillClrLst meth="repeat">
+      <a:schemeClr val="accent1">
+        <a:tint val="40000"/>
+      </a:schemeClr>
+    </dgm:fillClrLst>
+    <dgm:linClrLst meth="repeat">
+      <a:schemeClr val="accent1"/>
+    </dgm:linClrLst>
+    <dgm:effectClrLst/>
+    <dgm:txLinClrLst/>
+    <dgm:txFillClrLst meth="repeat">
+      <a:schemeClr val="dk1"/>
+    </dgm:txFillClrLst>
+    <dgm:txEffectClrLst/>
+  </dgm:styleLbl>
+  <dgm:styleLbl name="dkBgShp">
+    <dgm:fillClrLst meth="repeat">
+      <a:schemeClr val="accent1">
+        <a:shade val="80000"/>
+      </a:schemeClr>
+    </dgm:fillClrLst>
+    <dgm:linClrLst meth="repeat">
+      <a:schemeClr val="accent1"/>
+    </dgm:linClrLst>
+    <dgm:effectClrLst/>
+    <dgm:txLinClrLst/>
+    <dgm:txFillClrLst meth="repeat">
+      <a:schemeClr val="lt1"/>
+    </dgm:txFillClrLst>
+    <dgm:txEffectClrLst/>
+  </dgm:styleLbl>
+  <dgm:styleLbl name="trBgShp">
+    <dgm:fillClrLst meth="repeat">
+      <a:schemeClr val="accent1">
+        <a:tint val="50000"/>
+        <a:alpha val="40000"/>
+      </a:schemeClr>
+    </dgm:fillClrLst>
+    <dgm:linClrLst meth="repeat">
+      <a:schemeClr val="accent1"/>
+    </dgm:linClrLst>
+    <dgm:effectClrLst/>
+    <dgm:txLinClrLst/>
+    <dgm:txFillClrLst meth="repeat">
+      <a:schemeClr val="lt1"/>
+    </dgm:txFillClrLst>
+    <dgm:txEffectClrLst/>
+  </dgm:styleLbl>
+  <dgm:styleLbl name="fgShp">
+    <dgm:fillClrLst meth="repeat">
+      <a:schemeClr val="accent1">
+        <a:tint val="60000"/>
+      </a:schemeClr>
+    </dgm:fillClrLst>
+    <dgm:linClrLst meth="repeat">
+      <a:schemeClr val="lt1"/>
+    </dgm:linClrLst>
+    <dgm:effectClrLst/>
+    <dgm:txLinClrLst/>
+    <dgm:txFillClrLst meth="repeat">
+      <a:schemeClr val="dk1"/>
+    </dgm:txFillClrLst>
+    <dgm:txEffectClrLst/>
+  </dgm:styleLbl>
+  <dgm:styleLbl name="revTx">
+    <dgm:fillClrLst meth="repeat">
+      <a:schemeClr val="lt1">
+        <a:alpha val="0"/>
+      </a:schemeClr>
+    </dgm:fillClrLst>
+    <dgm:linClrLst meth="repeat">
+      <a:schemeClr val="dk1">
+        <a:alpha val="0"/>
+      </a:schemeClr>
+    </dgm:linClrLst>
+    <dgm:effectClrLst/>
+    <dgm:txLinClrLst/>
+    <dgm:txFillClrLst meth="repeat">
+      <a:schemeClr val="tx1"/>
+    </dgm:txFillClrLst>
+    <dgm:txEffectClrLst/>
+  </dgm:styleLbl>
+</dgm:colorsDef>
+</file>
+
+<file path=ppt/diagrams/colors6.xml><?xml version="1.0" encoding="utf-8"?>
 <dgm:colorsDef xmlns:dgm="http://schemas.openxmlformats.org/drawingml/2006/diagram" xmlns:a="http://schemas.openxmlformats.org/drawingml/2006/main" uniqueId="urn:microsoft.com/office/officeart/2005/8/colors/accent1_3">
   <dgm:title val=""/>
   <dgm:desc val=""/>
@@ -4020,753 +4768,6 @@
 </dgm:colorsDef>
 </file>
 
-<file path=ppt/diagrams/colors6.xml><?xml version="1.0" encoding="utf-8"?>
-<dgm:colorsDef xmlns:dgm="http://schemas.openxmlformats.org/drawingml/2006/diagram" xmlns:a="http://schemas.openxmlformats.org/drawingml/2006/main" uniqueId="urn:microsoft.com/office/officeart/2005/8/colors/accent1_2">
-  <dgm:title val=""/>
-  <dgm:desc val=""/>
-  <dgm:catLst>
-    <dgm:cat type="accent1" pri="11200"/>
-  </dgm:catLst>
-  <dgm:styleLbl name="node0">
-    <dgm:fillClrLst meth="repeat">
-      <a:schemeClr val="accent1"/>
-    </dgm:fillClrLst>
-    <dgm:linClrLst meth="repeat">
-      <a:schemeClr val="lt1"/>
-    </dgm:linClrLst>
-    <dgm:effectClrLst/>
-    <dgm:txLinClrLst/>
-    <dgm:txFillClrLst/>
-    <dgm:txEffectClrLst/>
-  </dgm:styleLbl>
-  <dgm:styleLbl name="alignNode1">
-    <dgm:fillClrLst meth="repeat">
-      <a:schemeClr val="accent1"/>
-    </dgm:fillClrLst>
-    <dgm:linClrLst meth="repeat">
-      <a:schemeClr val="accent1"/>
-    </dgm:linClrLst>
-    <dgm:effectClrLst/>
-    <dgm:txLinClrLst/>
-    <dgm:txFillClrLst/>
-    <dgm:txEffectClrLst/>
-  </dgm:styleLbl>
-  <dgm:styleLbl name="node1">
-    <dgm:fillClrLst meth="repeat">
-      <a:schemeClr val="accent1"/>
-    </dgm:fillClrLst>
-    <dgm:linClrLst meth="repeat">
-      <a:schemeClr val="lt1"/>
-    </dgm:linClrLst>
-    <dgm:effectClrLst/>
-    <dgm:txLinClrLst/>
-    <dgm:txFillClrLst/>
-    <dgm:txEffectClrLst/>
-  </dgm:styleLbl>
-  <dgm:styleLbl name="lnNode1">
-    <dgm:fillClrLst meth="repeat">
-      <a:schemeClr val="accent1"/>
-    </dgm:fillClrLst>
-    <dgm:linClrLst meth="repeat">
-      <a:schemeClr val="lt1"/>
-    </dgm:linClrLst>
-    <dgm:effectClrLst/>
-    <dgm:txLinClrLst/>
-    <dgm:txFillClrLst/>
-    <dgm:txEffectClrLst/>
-  </dgm:styleLbl>
-  <dgm:styleLbl name="vennNode1">
-    <dgm:fillClrLst meth="repeat">
-      <a:schemeClr val="accent1">
-        <a:alpha val="50000"/>
-      </a:schemeClr>
-    </dgm:fillClrLst>
-    <dgm:linClrLst meth="repeat">
-      <a:schemeClr val="lt1"/>
-    </dgm:linClrLst>
-    <dgm:effectClrLst/>
-    <dgm:txLinClrLst/>
-    <dgm:txFillClrLst/>
-    <dgm:txEffectClrLst/>
-  </dgm:styleLbl>
-  <dgm:styleLbl name="node2">
-    <dgm:fillClrLst meth="repeat">
-      <a:schemeClr val="accent1"/>
-    </dgm:fillClrLst>
-    <dgm:linClrLst meth="repeat">
-      <a:schemeClr val="lt1"/>
-    </dgm:linClrLst>
-    <dgm:effectClrLst/>
-    <dgm:txLinClrLst/>
-    <dgm:txFillClrLst/>
-    <dgm:txEffectClrLst/>
-  </dgm:styleLbl>
-  <dgm:styleLbl name="node3">
-    <dgm:fillClrLst meth="repeat">
-      <a:schemeClr val="accent1"/>
-    </dgm:fillClrLst>
-    <dgm:linClrLst meth="repeat">
-      <a:schemeClr val="lt1"/>
-    </dgm:linClrLst>
-    <dgm:effectClrLst/>
-    <dgm:txLinClrLst/>
-    <dgm:txFillClrLst/>
-    <dgm:txEffectClrLst/>
-  </dgm:styleLbl>
-  <dgm:styleLbl name="node4">
-    <dgm:fillClrLst meth="repeat">
-      <a:schemeClr val="accent1"/>
-    </dgm:fillClrLst>
-    <dgm:linClrLst meth="repeat">
-      <a:schemeClr val="lt1"/>
-    </dgm:linClrLst>
-    <dgm:effectClrLst/>
-    <dgm:txLinClrLst/>
-    <dgm:txFillClrLst/>
-    <dgm:txEffectClrLst/>
-  </dgm:styleLbl>
-  <dgm:styleLbl name="fgImgPlace1">
-    <dgm:fillClrLst meth="repeat">
-      <a:schemeClr val="accent1">
-        <a:tint val="50000"/>
-      </a:schemeClr>
-    </dgm:fillClrLst>
-    <dgm:linClrLst meth="repeat">
-      <a:schemeClr val="lt1"/>
-    </dgm:linClrLst>
-    <dgm:effectClrLst/>
-    <dgm:txLinClrLst/>
-    <dgm:txFillClrLst meth="repeat">
-      <a:schemeClr val="lt1"/>
-    </dgm:txFillClrLst>
-    <dgm:txEffectClrLst/>
-  </dgm:styleLbl>
-  <dgm:styleLbl name="alignImgPlace1">
-    <dgm:fillClrLst meth="repeat">
-      <a:schemeClr val="accent1">
-        <a:tint val="50000"/>
-      </a:schemeClr>
-    </dgm:fillClrLst>
-    <dgm:linClrLst meth="repeat">
-      <a:schemeClr val="lt1"/>
-    </dgm:linClrLst>
-    <dgm:effectClrLst/>
-    <dgm:txLinClrLst/>
-    <dgm:txFillClrLst meth="repeat">
-      <a:schemeClr val="lt1"/>
-    </dgm:txFillClrLst>
-    <dgm:txEffectClrLst/>
-  </dgm:styleLbl>
-  <dgm:styleLbl name="bgImgPlace1">
-    <dgm:fillClrLst meth="repeat">
-      <a:schemeClr val="accent1">
-        <a:tint val="50000"/>
-      </a:schemeClr>
-    </dgm:fillClrLst>
-    <dgm:linClrLst meth="repeat">
-      <a:schemeClr val="lt1"/>
-    </dgm:linClrLst>
-    <dgm:effectClrLst/>
-    <dgm:txLinClrLst/>
-    <dgm:txFillClrLst meth="repeat">
-      <a:schemeClr val="lt1"/>
-    </dgm:txFillClrLst>
-    <dgm:txEffectClrLst/>
-  </dgm:styleLbl>
-  <dgm:styleLbl name="sibTrans2D1">
-    <dgm:fillClrLst meth="repeat">
-      <a:schemeClr val="accent1">
-        <a:tint val="60000"/>
-      </a:schemeClr>
-    </dgm:fillClrLst>
-    <dgm:linClrLst meth="repeat">
-      <a:schemeClr val="accent1">
-        <a:tint val="60000"/>
-      </a:schemeClr>
-    </dgm:linClrLst>
-    <dgm:effectClrLst/>
-    <dgm:txLinClrLst/>
-    <dgm:txFillClrLst/>
-    <dgm:txEffectClrLst/>
-  </dgm:styleLbl>
-  <dgm:styleLbl name="fgSibTrans2D1">
-    <dgm:fillClrLst meth="repeat">
-      <a:schemeClr val="accent1">
-        <a:tint val="60000"/>
-      </a:schemeClr>
-    </dgm:fillClrLst>
-    <dgm:linClrLst meth="repeat">
-      <a:schemeClr val="accent1">
-        <a:tint val="60000"/>
-      </a:schemeClr>
-    </dgm:linClrLst>
-    <dgm:effectClrLst/>
-    <dgm:txLinClrLst/>
-    <dgm:txFillClrLst/>
-    <dgm:txEffectClrLst/>
-  </dgm:styleLbl>
-  <dgm:styleLbl name="bgSibTrans2D1">
-    <dgm:fillClrLst meth="repeat">
-      <a:schemeClr val="accent1">
-        <a:tint val="60000"/>
-      </a:schemeClr>
-    </dgm:fillClrLst>
-    <dgm:linClrLst meth="repeat">
-      <a:schemeClr val="accent1">
-        <a:tint val="60000"/>
-      </a:schemeClr>
-    </dgm:linClrLst>
-    <dgm:effectClrLst/>
-    <dgm:txLinClrLst/>
-    <dgm:txFillClrLst/>
-    <dgm:txEffectClrLst/>
-  </dgm:styleLbl>
-  <dgm:styleLbl name="sibTrans1D1">
-    <dgm:fillClrLst meth="repeat">
-      <a:schemeClr val="accent1"/>
-    </dgm:fillClrLst>
-    <dgm:linClrLst meth="repeat">
-      <a:schemeClr val="accent1"/>
-    </dgm:linClrLst>
-    <dgm:effectClrLst/>
-    <dgm:txLinClrLst/>
-    <dgm:txFillClrLst meth="repeat">
-      <a:schemeClr val="tx1"/>
-    </dgm:txFillClrLst>
-    <dgm:txEffectClrLst/>
-  </dgm:styleLbl>
-  <dgm:styleLbl name="callout">
-    <dgm:fillClrLst meth="repeat">
-      <a:schemeClr val="accent1"/>
-    </dgm:fillClrLst>
-    <dgm:linClrLst meth="repeat">
-      <a:schemeClr val="accent1">
-        <a:tint val="50000"/>
-      </a:schemeClr>
-    </dgm:linClrLst>
-    <dgm:effectClrLst/>
-    <dgm:txLinClrLst/>
-    <dgm:txFillClrLst meth="repeat">
-      <a:schemeClr val="tx1"/>
-    </dgm:txFillClrLst>
-    <dgm:txEffectClrLst/>
-  </dgm:styleLbl>
-  <dgm:styleLbl name="asst0">
-    <dgm:fillClrLst meth="repeat">
-      <a:schemeClr val="accent1"/>
-    </dgm:fillClrLst>
-    <dgm:linClrLst meth="repeat">
-      <a:schemeClr val="lt1"/>
-    </dgm:linClrLst>
-    <dgm:effectClrLst/>
-    <dgm:txLinClrLst/>
-    <dgm:txFillClrLst/>
-    <dgm:txEffectClrLst/>
-  </dgm:styleLbl>
-  <dgm:styleLbl name="asst1">
-    <dgm:fillClrLst meth="repeat">
-      <a:schemeClr val="accent1"/>
-    </dgm:fillClrLst>
-    <dgm:linClrLst meth="repeat">
-      <a:schemeClr val="lt1"/>
-    </dgm:linClrLst>
-    <dgm:effectClrLst/>
-    <dgm:txLinClrLst/>
-    <dgm:txFillClrLst/>
-    <dgm:txEffectClrLst/>
-  </dgm:styleLbl>
-  <dgm:styleLbl name="asst2">
-    <dgm:fillClrLst meth="repeat">
-      <a:schemeClr val="accent1"/>
-    </dgm:fillClrLst>
-    <dgm:linClrLst meth="repeat">
-      <a:schemeClr val="lt1"/>
-    </dgm:linClrLst>
-    <dgm:effectClrLst/>
-    <dgm:txLinClrLst/>
-    <dgm:txFillClrLst/>
-    <dgm:txEffectClrLst/>
-  </dgm:styleLbl>
-  <dgm:styleLbl name="asst3">
-    <dgm:fillClrLst meth="repeat">
-      <a:schemeClr val="accent1"/>
-    </dgm:fillClrLst>
-    <dgm:linClrLst meth="repeat">
-      <a:schemeClr val="lt1"/>
-    </dgm:linClrLst>
-    <dgm:effectClrLst/>
-    <dgm:txLinClrLst/>
-    <dgm:txFillClrLst/>
-    <dgm:txEffectClrLst/>
-  </dgm:styleLbl>
-  <dgm:styleLbl name="asst4">
-    <dgm:fillClrLst meth="repeat">
-      <a:schemeClr val="accent1"/>
-    </dgm:fillClrLst>
-    <dgm:linClrLst meth="repeat">
-      <a:schemeClr val="lt1"/>
-    </dgm:linClrLst>
-    <dgm:effectClrLst/>
-    <dgm:txLinClrLst/>
-    <dgm:txFillClrLst/>
-    <dgm:txEffectClrLst/>
-  </dgm:styleLbl>
-  <dgm:styleLbl name="parChTrans2D1">
-    <dgm:fillClrLst meth="repeat">
-      <a:schemeClr val="accent1">
-        <a:tint val="60000"/>
-      </a:schemeClr>
-    </dgm:fillClrLst>
-    <dgm:linClrLst meth="repeat">
-      <a:schemeClr val="accent1">
-        <a:tint val="60000"/>
-      </a:schemeClr>
-    </dgm:linClrLst>
-    <dgm:effectClrLst/>
-    <dgm:txLinClrLst/>
-    <dgm:txFillClrLst meth="repeat">
-      <a:schemeClr val="lt1"/>
-    </dgm:txFillClrLst>
-    <dgm:txEffectClrLst/>
-  </dgm:styleLbl>
-  <dgm:styleLbl name="parChTrans2D2">
-    <dgm:fillClrLst meth="repeat">
-      <a:schemeClr val="accent1"/>
-    </dgm:fillClrLst>
-    <dgm:linClrLst meth="repeat">
-      <a:schemeClr val="accent1"/>
-    </dgm:linClrLst>
-    <dgm:effectClrLst/>
-    <dgm:txLinClrLst/>
-    <dgm:txFillClrLst meth="repeat">
-      <a:schemeClr val="lt1"/>
-    </dgm:txFillClrLst>
-    <dgm:txEffectClrLst/>
-  </dgm:styleLbl>
-  <dgm:styleLbl name="parChTrans2D3">
-    <dgm:fillClrLst meth="repeat">
-      <a:schemeClr val="accent1"/>
-    </dgm:fillClrLst>
-    <dgm:linClrLst meth="repeat">
-      <a:schemeClr val="accent1"/>
-    </dgm:linClrLst>
-    <dgm:effectClrLst/>
-    <dgm:txLinClrLst/>
-    <dgm:txFillClrLst meth="repeat">
-      <a:schemeClr val="lt1"/>
-    </dgm:txFillClrLst>
-    <dgm:txEffectClrLst/>
-  </dgm:styleLbl>
-  <dgm:styleLbl name="parChTrans2D4">
-    <dgm:fillClrLst meth="repeat">
-      <a:schemeClr val="accent1"/>
-    </dgm:fillClrLst>
-    <dgm:linClrLst meth="repeat">
-      <a:schemeClr val="accent1"/>
-    </dgm:linClrLst>
-    <dgm:effectClrLst/>
-    <dgm:txLinClrLst/>
-    <dgm:txFillClrLst meth="repeat">
-      <a:schemeClr val="lt1"/>
-    </dgm:txFillClrLst>
-    <dgm:txEffectClrLst/>
-  </dgm:styleLbl>
-  <dgm:styleLbl name="parChTrans1D1">
-    <dgm:fillClrLst meth="repeat">
-      <a:schemeClr val="accent1"/>
-    </dgm:fillClrLst>
-    <dgm:linClrLst meth="repeat">
-      <a:schemeClr val="accent1">
-        <a:shade val="60000"/>
-      </a:schemeClr>
-    </dgm:linClrLst>
-    <dgm:effectClrLst/>
-    <dgm:txLinClrLst/>
-    <dgm:txFillClrLst meth="repeat">
-      <a:schemeClr val="tx1"/>
-    </dgm:txFillClrLst>
-    <dgm:txEffectClrLst/>
-  </dgm:styleLbl>
-  <dgm:styleLbl name="parChTrans1D2">
-    <dgm:fillClrLst meth="repeat">
-      <a:schemeClr val="accent1"/>
-    </dgm:fillClrLst>
-    <dgm:linClrLst meth="repeat">
-      <a:schemeClr val="accent1">
-        <a:shade val="60000"/>
-      </a:schemeClr>
-    </dgm:linClrLst>
-    <dgm:effectClrLst/>
-    <dgm:txLinClrLst/>
-    <dgm:txFillClrLst meth="repeat">
-      <a:schemeClr val="tx1"/>
-    </dgm:txFillClrLst>
-    <dgm:txEffectClrLst/>
-  </dgm:styleLbl>
-  <dgm:styleLbl name="parChTrans1D3">
-    <dgm:fillClrLst meth="repeat">
-      <a:schemeClr val="accent1"/>
-    </dgm:fillClrLst>
-    <dgm:linClrLst meth="repeat">
-      <a:schemeClr val="accent1">
-        <a:shade val="80000"/>
-      </a:schemeClr>
-    </dgm:linClrLst>
-    <dgm:effectClrLst/>
-    <dgm:txLinClrLst/>
-    <dgm:txFillClrLst meth="repeat">
-      <a:schemeClr val="tx1"/>
-    </dgm:txFillClrLst>
-    <dgm:txEffectClrLst/>
-  </dgm:styleLbl>
-  <dgm:styleLbl name="parChTrans1D4">
-    <dgm:fillClrLst meth="repeat">
-      <a:schemeClr val="accent1"/>
-    </dgm:fillClrLst>
-    <dgm:linClrLst meth="repeat">
-      <a:schemeClr val="accent1">
-        <a:shade val="80000"/>
-      </a:schemeClr>
-    </dgm:linClrLst>
-    <dgm:effectClrLst/>
-    <dgm:txLinClrLst/>
-    <dgm:txFillClrLst meth="repeat">
-      <a:schemeClr val="tx1"/>
-    </dgm:txFillClrLst>
-    <dgm:txEffectClrLst/>
-  </dgm:styleLbl>
-  <dgm:styleLbl name="fgAcc1">
-    <dgm:fillClrLst meth="repeat">
-      <a:schemeClr val="lt1">
-        <a:alpha val="90000"/>
-      </a:schemeClr>
-    </dgm:fillClrLst>
-    <dgm:linClrLst meth="repeat">
-      <a:schemeClr val="accent1"/>
-    </dgm:linClrLst>
-    <dgm:effectClrLst/>
-    <dgm:txLinClrLst/>
-    <dgm:txFillClrLst meth="repeat">
-      <a:schemeClr val="dk1"/>
-    </dgm:txFillClrLst>
-    <dgm:txEffectClrLst/>
-  </dgm:styleLbl>
-  <dgm:styleLbl name="conFgAcc1">
-    <dgm:fillClrLst meth="repeat">
-      <a:schemeClr val="lt1">
-        <a:alpha val="90000"/>
-      </a:schemeClr>
-    </dgm:fillClrLst>
-    <dgm:linClrLst meth="repeat">
-      <a:schemeClr val="accent1"/>
-    </dgm:linClrLst>
-    <dgm:effectClrLst/>
-    <dgm:txLinClrLst/>
-    <dgm:txFillClrLst meth="repeat">
-      <a:schemeClr val="dk1"/>
-    </dgm:txFillClrLst>
-    <dgm:txEffectClrLst/>
-  </dgm:styleLbl>
-  <dgm:styleLbl name="alignAcc1">
-    <dgm:fillClrLst meth="repeat">
-      <a:schemeClr val="lt1">
-        <a:alpha val="90000"/>
-      </a:schemeClr>
-    </dgm:fillClrLst>
-    <dgm:linClrLst meth="repeat">
-      <a:schemeClr val="accent1"/>
-    </dgm:linClrLst>
-    <dgm:effectClrLst/>
-    <dgm:txLinClrLst/>
-    <dgm:txFillClrLst meth="repeat">
-      <a:schemeClr val="dk1"/>
-    </dgm:txFillClrLst>
-    <dgm:txEffectClrLst/>
-  </dgm:styleLbl>
-  <dgm:styleLbl name="trAlignAcc1">
-    <dgm:fillClrLst meth="repeat">
-      <a:schemeClr val="lt1">
-        <a:alpha val="40000"/>
-      </a:schemeClr>
-    </dgm:fillClrLst>
-    <dgm:linClrLst meth="repeat">
-      <a:schemeClr val="accent1"/>
-    </dgm:linClrLst>
-    <dgm:effectClrLst/>
-    <dgm:txLinClrLst/>
-    <dgm:txFillClrLst meth="repeat">
-      <a:schemeClr val="dk1"/>
-    </dgm:txFillClrLst>
-    <dgm:txEffectClrLst/>
-  </dgm:styleLbl>
-  <dgm:styleLbl name="bgAcc1">
-    <dgm:fillClrLst meth="repeat">
-      <a:schemeClr val="lt1">
-        <a:alpha val="90000"/>
-      </a:schemeClr>
-    </dgm:fillClrLst>
-    <dgm:linClrLst meth="repeat">
-      <a:schemeClr val="accent1"/>
-    </dgm:linClrLst>
-    <dgm:effectClrLst/>
-    <dgm:txLinClrLst/>
-    <dgm:txFillClrLst meth="repeat">
-      <a:schemeClr val="dk1"/>
-    </dgm:txFillClrLst>
-    <dgm:txEffectClrLst/>
-  </dgm:styleLbl>
-  <dgm:styleLbl name="solidFgAcc1">
-    <dgm:fillClrLst meth="repeat">
-      <a:schemeClr val="lt1"/>
-    </dgm:fillClrLst>
-    <dgm:linClrLst meth="repeat">
-      <a:schemeClr val="accent1"/>
-    </dgm:linClrLst>
-    <dgm:effectClrLst/>
-    <dgm:txLinClrLst/>
-    <dgm:txFillClrLst meth="repeat">
-      <a:schemeClr val="dk1"/>
-    </dgm:txFillClrLst>
-    <dgm:txEffectClrLst/>
-  </dgm:styleLbl>
-  <dgm:styleLbl name="solidAlignAcc1">
-    <dgm:fillClrLst meth="repeat">
-      <a:schemeClr val="lt1"/>
-    </dgm:fillClrLst>
-    <dgm:linClrLst meth="repeat">
-      <a:schemeClr val="accent1"/>
-    </dgm:linClrLst>
-    <dgm:effectClrLst/>
-    <dgm:txLinClrLst/>
-    <dgm:txFillClrLst meth="repeat">
-      <a:schemeClr val="dk1"/>
-    </dgm:txFillClrLst>
-    <dgm:txEffectClrLst/>
-  </dgm:styleLbl>
-  <dgm:styleLbl name="solidBgAcc1">
-    <dgm:fillClrLst meth="repeat">
-      <a:schemeClr val="lt1"/>
-    </dgm:fillClrLst>
-    <dgm:linClrLst meth="repeat">
-      <a:schemeClr val="accent1"/>
-    </dgm:linClrLst>
-    <dgm:effectClrLst/>
-    <dgm:txLinClrLst/>
-    <dgm:txFillClrLst meth="repeat">
-      <a:schemeClr val="dk1"/>
-    </dgm:txFillClrLst>
-    <dgm:txEffectClrLst/>
-  </dgm:styleLbl>
-  <dgm:styleLbl name="fgAccFollowNode1">
-    <dgm:fillClrLst meth="repeat">
-      <a:schemeClr val="accent1">
-        <a:alpha val="90000"/>
-        <a:tint val="40000"/>
-      </a:schemeClr>
-    </dgm:fillClrLst>
-    <dgm:linClrLst meth="repeat">
-      <a:schemeClr val="accent1">
-        <a:alpha val="90000"/>
-        <a:tint val="40000"/>
-      </a:schemeClr>
-    </dgm:linClrLst>
-    <dgm:effectClrLst/>
-    <dgm:txLinClrLst/>
-    <dgm:txFillClrLst meth="repeat">
-      <a:schemeClr val="dk1"/>
-    </dgm:txFillClrLst>
-    <dgm:txEffectClrLst/>
-  </dgm:styleLbl>
-  <dgm:styleLbl name="alignAccFollowNode1">
-    <dgm:fillClrLst meth="repeat">
-      <a:schemeClr val="accent1">
-        <a:alpha val="90000"/>
-        <a:tint val="40000"/>
-      </a:schemeClr>
-    </dgm:fillClrLst>
-    <dgm:linClrLst meth="repeat">
-      <a:schemeClr val="accent1">
-        <a:alpha val="90000"/>
-        <a:tint val="40000"/>
-      </a:schemeClr>
-    </dgm:linClrLst>
-    <dgm:effectClrLst/>
-    <dgm:txLinClrLst/>
-    <dgm:txFillClrLst meth="repeat">
-      <a:schemeClr val="dk1"/>
-    </dgm:txFillClrLst>
-    <dgm:txEffectClrLst/>
-  </dgm:styleLbl>
-  <dgm:styleLbl name="bgAccFollowNode1">
-    <dgm:fillClrLst meth="repeat">
-      <a:schemeClr val="accent1">
-        <a:alpha val="90000"/>
-        <a:tint val="40000"/>
-      </a:schemeClr>
-    </dgm:fillClrLst>
-    <dgm:linClrLst meth="repeat">
-      <a:schemeClr val="accent1">
-        <a:alpha val="90000"/>
-        <a:tint val="40000"/>
-      </a:schemeClr>
-    </dgm:linClrLst>
-    <dgm:effectClrLst/>
-    <dgm:txLinClrLst/>
-    <dgm:txFillClrLst meth="repeat">
-      <a:schemeClr val="dk1"/>
-    </dgm:txFillClrLst>
-    <dgm:txEffectClrLst/>
-  </dgm:styleLbl>
-  <dgm:styleLbl name="fgAcc0">
-    <dgm:fillClrLst meth="repeat">
-      <a:schemeClr val="lt1">
-        <a:alpha val="90000"/>
-      </a:schemeClr>
-    </dgm:fillClrLst>
-    <dgm:linClrLst meth="repeat">
-      <a:schemeClr val="accent1"/>
-    </dgm:linClrLst>
-    <dgm:effectClrLst/>
-    <dgm:txLinClrLst/>
-    <dgm:txFillClrLst meth="repeat">
-      <a:schemeClr val="dk1"/>
-    </dgm:txFillClrLst>
-    <dgm:txEffectClrLst/>
-  </dgm:styleLbl>
-  <dgm:styleLbl name="fgAcc2">
-    <dgm:fillClrLst meth="repeat">
-      <a:schemeClr val="lt1">
-        <a:alpha val="90000"/>
-      </a:schemeClr>
-    </dgm:fillClrLst>
-    <dgm:linClrLst meth="repeat">
-      <a:schemeClr val="accent1"/>
-    </dgm:linClrLst>
-    <dgm:effectClrLst/>
-    <dgm:txLinClrLst/>
-    <dgm:txFillClrLst meth="repeat">
-      <a:schemeClr val="dk1"/>
-    </dgm:txFillClrLst>
-    <dgm:txEffectClrLst/>
-  </dgm:styleLbl>
-  <dgm:styleLbl name="fgAcc3">
-    <dgm:fillClrLst meth="repeat">
-      <a:schemeClr val="lt1">
-        <a:alpha val="90000"/>
-      </a:schemeClr>
-    </dgm:fillClrLst>
-    <dgm:linClrLst meth="repeat">
-      <a:schemeClr val="accent1"/>
-    </dgm:linClrLst>
-    <dgm:effectClrLst/>
-    <dgm:txLinClrLst/>
-    <dgm:txFillClrLst meth="repeat">
-      <a:schemeClr val="dk1"/>
-    </dgm:txFillClrLst>
-    <dgm:txEffectClrLst/>
-  </dgm:styleLbl>
-  <dgm:styleLbl name="fgAcc4">
-    <dgm:fillClrLst meth="repeat">
-      <a:schemeClr val="lt1">
-        <a:alpha val="90000"/>
-      </a:schemeClr>
-    </dgm:fillClrLst>
-    <dgm:linClrLst meth="repeat">
-      <a:schemeClr val="accent1"/>
-    </dgm:linClrLst>
-    <dgm:effectClrLst/>
-    <dgm:txLinClrLst/>
-    <dgm:txFillClrLst meth="repeat">
-      <a:schemeClr val="dk1"/>
-    </dgm:txFillClrLst>
-    <dgm:txEffectClrLst/>
-  </dgm:styleLbl>
-  <dgm:styleLbl name="bgShp">
-    <dgm:fillClrLst meth="repeat">
-      <a:schemeClr val="accent1">
-        <a:tint val="40000"/>
-      </a:schemeClr>
-    </dgm:fillClrLst>
-    <dgm:linClrLst meth="repeat">
-      <a:schemeClr val="accent1"/>
-    </dgm:linClrLst>
-    <dgm:effectClrLst/>
-    <dgm:txLinClrLst/>
-    <dgm:txFillClrLst meth="repeat">
-      <a:schemeClr val="dk1"/>
-    </dgm:txFillClrLst>
-    <dgm:txEffectClrLst/>
-  </dgm:styleLbl>
-  <dgm:styleLbl name="dkBgShp">
-    <dgm:fillClrLst meth="repeat">
-      <a:schemeClr val="accent1">
-        <a:shade val="80000"/>
-      </a:schemeClr>
-    </dgm:fillClrLst>
-    <dgm:linClrLst meth="repeat">
-      <a:schemeClr val="accent1"/>
-    </dgm:linClrLst>
-    <dgm:effectClrLst/>
-    <dgm:txLinClrLst/>
-    <dgm:txFillClrLst meth="repeat">
-      <a:schemeClr val="lt1"/>
-    </dgm:txFillClrLst>
-    <dgm:txEffectClrLst/>
-  </dgm:styleLbl>
-  <dgm:styleLbl name="trBgShp">
-    <dgm:fillClrLst meth="repeat">
-      <a:schemeClr val="accent1">
-        <a:tint val="50000"/>
-        <a:alpha val="40000"/>
-      </a:schemeClr>
-    </dgm:fillClrLst>
-    <dgm:linClrLst meth="repeat">
-      <a:schemeClr val="accent1"/>
-    </dgm:linClrLst>
-    <dgm:effectClrLst/>
-    <dgm:txLinClrLst/>
-    <dgm:txFillClrLst meth="repeat">
-      <a:schemeClr val="lt1"/>
-    </dgm:txFillClrLst>
-    <dgm:txEffectClrLst/>
-  </dgm:styleLbl>
-  <dgm:styleLbl name="fgShp">
-    <dgm:fillClrLst meth="repeat">
-      <a:schemeClr val="accent1">
-        <a:tint val="60000"/>
-      </a:schemeClr>
-    </dgm:fillClrLst>
-    <dgm:linClrLst meth="repeat">
-      <a:schemeClr val="lt1"/>
-    </dgm:linClrLst>
-    <dgm:effectClrLst/>
-    <dgm:txLinClrLst/>
-    <dgm:txFillClrLst meth="repeat">
-      <a:schemeClr val="dk1"/>
-    </dgm:txFillClrLst>
-    <dgm:txEffectClrLst/>
-  </dgm:styleLbl>
-  <dgm:styleLbl name="revTx">
-    <dgm:fillClrLst meth="repeat">
-      <a:schemeClr val="lt1">
-        <a:alpha val="0"/>
-      </a:schemeClr>
-    </dgm:fillClrLst>
-    <dgm:linClrLst meth="repeat">
-      <a:schemeClr val="dk1">
-        <a:alpha val="0"/>
-      </a:schemeClr>
-    </dgm:linClrLst>
-    <dgm:effectClrLst/>
-    <dgm:txLinClrLst/>
-    <dgm:txFillClrLst meth="repeat">
-      <a:schemeClr val="tx1"/>
-    </dgm:txFillClrLst>
-    <dgm:txEffectClrLst/>
-  </dgm:styleLbl>
-</dgm:colorsDef>
-</file>
-
 <file path=ppt/diagrams/colors7.xml><?xml version="1.0" encoding="utf-8"?>
 <dgm:colorsDef xmlns:dgm="http://schemas.openxmlformats.org/drawingml/2006/diagram" xmlns:a="http://schemas.openxmlformats.org/drawingml/2006/main" uniqueId="urn:microsoft.com/office/officeart/2005/8/colors/accent1_2">
   <dgm:title val=""/>
@@ -6261,7 +6262,952 @@
 </dgm:colorsDef>
 </file>
 
+<file path=ppt/diagrams/colors9.xml><?xml version="1.0" encoding="utf-8"?>
+<dgm:colorsDef xmlns:dgm="http://schemas.openxmlformats.org/drawingml/2006/diagram" xmlns:a="http://schemas.openxmlformats.org/drawingml/2006/main" uniqueId="urn:microsoft.com/office/officeart/2005/8/colors/accent1_2">
+  <dgm:title val=""/>
+  <dgm:desc val=""/>
+  <dgm:catLst>
+    <dgm:cat type="accent1" pri="11200"/>
+  </dgm:catLst>
+  <dgm:styleLbl name="node0">
+    <dgm:fillClrLst meth="repeat">
+      <a:schemeClr val="accent1"/>
+    </dgm:fillClrLst>
+    <dgm:linClrLst meth="repeat">
+      <a:schemeClr val="lt1"/>
+    </dgm:linClrLst>
+    <dgm:effectClrLst/>
+    <dgm:txLinClrLst/>
+    <dgm:txFillClrLst/>
+    <dgm:txEffectClrLst/>
+  </dgm:styleLbl>
+  <dgm:styleLbl name="alignNode1">
+    <dgm:fillClrLst meth="repeat">
+      <a:schemeClr val="accent1"/>
+    </dgm:fillClrLst>
+    <dgm:linClrLst meth="repeat">
+      <a:schemeClr val="accent1"/>
+    </dgm:linClrLst>
+    <dgm:effectClrLst/>
+    <dgm:txLinClrLst/>
+    <dgm:txFillClrLst/>
+    <dgm:txEffectClrLst/>
+  </dgm:styleLbl>
+  <dgm:styleLbl name="node1">
+    <dgm:fillClrLst meth="repeat">
+      <a:schemeClr val="accent1"/>
+    </dgm:fillClrLst>
+    <dgm:linClrLst meth="repeat">
+      <a:schemeClr val="lt1"/>
+    </dgm:linClrLst>
+    <dgm:effectClrLst/>
+    <dgm:txLinClrLst/>
+    <dgm:txFillClrLst/>
+    <dgm:txEffectClrLst/>
+  </dgm:styleLbl>
+  <dgm:styleLbl name="lnNode1">
+    <dgm:fillClrLst meth="repeat">
+      <a:schemeClr val="accent1"/>
+    </dgm:fillClrLst>
+    <dgm:linClrLst meth="repeat">
+      <a:schemeClr val="lt1"/>
+    </dgm:linClrLst>
+    <dgm:effectClrLst/>
+    <dgm:txLinClrLst/>
+    <dgm:txFillClrLst/>
+    <dgm:txEffectClrLst/>
+  </dgm:styleLbl>
+  <dgm:styleLbl name="vennNode1">
+    <dgm:fillClrLst meth="repeat">
+      <a:schemeClr val="accent1">
+        <a:alpha val="50000"/>
+      </a:schemeClr>
+    </dgm:fillClrLst>
+    <dgm:linClrLst meth="repeat">
+      <a:schemeClr val="lt1"/>
+    </dgm:linClrLst>
+    <dgm:effectClrLst/>
+    <dgm:txLinClrLst/>
+    <dgm:txFillClrLst/>
+    <dgm:txEffectClrLst/>
+  </dgm:styleLbl>
+  <dgm:styleLbl name="node2">
+    <dgm:fillClrLst meth="repeat">
+      <a:schemeClr val="accent1"/>
+    </dgm:fillClrLst>
+    <dgm:linClrLst meth="repeat">
+      <a:schemeClr val="lt1"/>
+    </dgm:linClrLst>
+    <dgm:effectClrLst/>
+    <dgm:txLinClrLst/>
+    <dgm:txFillClrLst/>
+    <dgm:txEffectClrLst/>
+  </dgm:styleLbl>
+  <dgm:styleLbl name="node3">
+    <dgm:fillClrLst meth="repeat">
+      <a:schemeClr val="accent1"/>
+    </dgm:fillClrLst>
+    <dgm:linClrLst meth="repeat">
+      <a:schemeClr val="lt1"/>
+    </dgm:linClrLst>
+    <dgm:effectClrLst/>
+    <dgm:txLinClrLst/>
+    <dgm:txFillClrLst/>
+    <dgm:txEffectClrLst/>
+  </dgm:styleLbl>
+  <dgm:styleLbl name="node4">
+    <dgm:fillClrLst meth="repeat">
+      <a:schemeClr val="accent1"/>
+    </dgm:fillClrLst>
+    <dgm:linClrLst meth="repeat">
+      <a:schemeClr val="lt1"/>
+    </dgm:linClrLst>
+    <dgm:effectClrLst/>
+    <dgm:txLinClrLst/>
+    <dgm:txFillClrLst/>
+    <dgm:txEffectClrLst/>
+  </dgm:styleLbl>
+  <dgm:styleLbl name="fgImgPlace1">
+    <dgm:fillClrLst meth="repeat">
+      <a:schemeClr val="accent1">
+        <a:tint val="50000"/>
+      </a:schemeClr>
+    </dgm:fillClrLst>
+    <dgm:linClrLst meth="repeat">
+      <a:schemeClr val="lt1"/>
+    </dgm:linClrLst>
+    <dgm:effectClrLst/>
+    <dgm:txLinClrLst/>
+    <dgm:txFillClrLst meth="repeat">
+      <a:schemeClr val="lt1"/>
+    </dgm:txFillClrLst>
+    <dgm:txEffectClrLst/>
+  </dgm:styleLbl>
+  <dgm:styleLbl name="alignImgPlace1">
+    <dgm:fillClrLst meth="repeat">
+      <a:schemeClr val="accent1">
+        <a:tint val="50000"/>
+      </a:schemeClr>
+    </dgm:fillClrLst>
+    <dgm:linClrLst meth="repeat">
+      <a:schemeClr val="lt1"/>
+    </dgm:linClrLst>
+    <dgm:effectClrLst/>
+    <dgm:txLinClrLst/>
+    <dgm:txFillClrLst meth="repeat">
+      <a:schemeClr val="lt1"/>
+    </dgm:txFillClrLst>
+    <dgm:txEffectClrLst/>
+  </dgm:styleLbl>
+  <dgm:styleLbl name="bgImgPlace1">
+    <dgm:fillClrLst meth="repeat">
+      <a:schemeClr val="accent1">
+        <a:tint val="50000"/>
+      </a:schemeClr>
+    </dgm:fillClrLst>
+    <dgm:linClrLst meth="repeat">
+      <a:schemeClr val="lt1"/>
+    </dgm:linClrLst>
+    <dgm:effectClrLst/>
+    <dgm:txLinClrLst/>
+    <dgm:txFillClrLst meth="repeat">
+      <a:schemeClr val="lt1"/>
+    </dgm:txFillClrLst>
+    <dgm:txEffectClrLst/>
+  </dgm:styleLbl>
+  <dgm:styleLbl name="sibTrans2D1">
+    <dgm:fillClrLst meth="repeat">
+      <a:schemeClr val="accent1">
+        <a:tint val="60000"/>
+      </a:schemeClr>
+    </dgm:fillClrLst>
+    <dgm:linClrLst meth="repeat">
+      <a:schemeClr val="accent1">
+        <a:tint val="60000"/>
+      </a:schemeClr>
+    </dgm:linClrLst>
+    <dgm:effectClrLst/>
+    <dgm:txLinClrLst/>
+    <dgm:txFillClrLst/>
+    <dgm:txEffectClrLst/>
+  </dgm:styleLbl>
+  <dgm:styleLbl name="fgSibTrans2D1">
+    <dgm:fillClrLst meth="repeat">
+      <a:schemeClr val="accent1">
+        <a:tint val="60000"/>
+      </a:schemeClr>
+    </dgm:fillClrLst>
+    <dgm:linClrLst meth="repeat">
+      <a:schemeClr val="accent1">
+        <a:tint val="60000"/>
+      </a:schemeClr>
+    </dgm:linClrLst>
+    <dgm:effectClrLst/>
+    <dgm:txLinClrLst/>
+    <dgm:txFillClrLst/>
+    <dgm:txEffectClrLst/>
+  </dgm:styleLbl>
+  <dgm:styleLbl name="bgSibTrans2D1">
+    <dgm:fillClrLst meth="repeat">
+      <a:schemeClr val="accent1">
+        <a:tint val="60000"/>
+      </a:schemeClr>
+    </dgm:fillClrLst>
+    <dgm:linClrLst meth="repeat">
+      <a:schemeClr val="accent1">
+        <a:tint val="60000"/>
+      </a:schemeClr>
+    </dgm:linClrLst>
+    <dgm:effectClrLst/>
+    <dgm:txLinClrLst/>
+    <dgm:txFillClrLst/>
+    <dgm:txEffectClrLst/>
+  </dgm:styleLbl>
+  <dgm:styleLbl name="sibTrans1D1">
+    <dgm:fillClrLst meth="repeat">
+      <a:schemeClr val="accent1"/>
+    </dgm:fillClrLst>
+    <dgm:linClrLst meth="repeat">
+      <a:schemeClr val="accent1"/>
+    </dgm:linClrLst>
+    <dgm:effectClrLst/>
+    <dgm:txLinClrLst/>
+    <dgm:txFillClrLst meth="repeat">
+      <a:schemeClr val="tx1"/>
+    </dgm:txFillClrLst>
+    <dgm:txEffectClrLst/>
+  </dgm:styleLbl>
+  <dgm:styleLbl name="callout">
+    <dgm:fillClrLst meth="repeat">
+      <a:schemeClr val="accent1"/>
+    </dgm:fillClrLst>
+    <dgm:linClrLst meth="repeat">
+      <a:schemeClr val="accent1">
+        <a:tint val="50000"/>
+      </a:schemeClr>
+    </dgm:linClrLst>
+    <dgm:effectClrLst/>
+    <dgm:txLinClrLst/>
+    <dgm:txFillClrLst meth="repeat">
+      <a:schemeClr val="tx1"/>
+    </dgm:txFillClrLst>
+    <dgm:txEffectClrLst/>
+  </dgm:styleLbl>
+  <dgm:styleLbl name="asst0">
+    <dgm:fillClrLst meth="repeat">
+      <a:schemeClr val="accent1"/>
+    </dgm:fillClrLst>
+    <dgm:linClrLst meth="repeat">
+      <a:schemeClr val="lt1"/>
+    </dgm:linClrLst>
+    <dgm:effectClrLst/>
+    <dgm:txLinClrLst/>
+    <dgm:txFillClrLst/>
+    <dgm:txEffectClrLst/>
+  </dgm:styleLbl>
+  <dgm:styleLbl name="asst1">
+    <dgm:fillClrLst meth="repeat">
+      <a:schemeClr val="accent1"/>
+    </dgm:fillClrLst>
+    <dgm:linClrLst meth="repeat">
+      <a:schemeClr val="lt1"/>
+    </dgm:linClrLst>
+    <dgm:effectClrLst/>
+    <dgm:txLinClrLst/>
+    <dgm:txFillClrLst/>
+    <dgm:txEffectClrLst/>
+  </dgm:styleLbl>
+  <dgm:styleLbl name="asst2">
+    <dgm:fillClrLst meth="repeat">
+      <a:schemeClr val="accent1"/>
+    </dgm:fillClrLst>
+    <dgm:linClrLst meth="repeat">
+      <a:schemeClr val="lt1"/>
+    </dgm:linClrLst>
+    <dgm:effectClrLst/>
+    <dgm:txLinClrLst/>
+    <dgm:txFillClrLst/>
+    <dgm:txEffectClrLst/>
+  </dgm:styleLbl>
+  <dgm:styleLbl name="asst3">
+    <dgm:fillClrLst meth="repeat">
+      <a:schemeClr val="accent1"/>
+    </dgm:fillClrLst>
+    <dgm:linClrLst meth="repeat">
+      <a:schemeClr val="lt1"/>
+    </dgm:linClrLst>
+    <dgm:effectClrLst/>
+    <dgm:txLinClrLst/>
+    <dgm:txFillClrLst/>
+    <dgm:txEffectClrLst/>
+  </dgm:styleLbl>
+  <dgm:styleLbl name="asst4">
+    <dgm:fillClrLst meth="repeat">
+      <a:schemeClr val="accent1"/>
+    </dgm:fillClrLst>
+    <dgm:linClrLst meth="repeat">
+      <a:schemeClr val="lt1"/>
+    </dgm:linClrLst>
+    <dgm:effectClrLst/>
+    <dgm:txLinClrLst/>
+    <dgm:txFillClrLst/>
+    <dgm:txEffectClrLst/>
+  </dgm:styleLbl>
+  <dgm:styleLbl name="parChTrans2D1">
+    <dgm:fillClrLst meth="repeat">
+      <a:schemeClr val="accent1">
+        <a:tint val="60000"/>
+      </a:schemeClr>
+    </dgm:fillClrLst>
+    <dgm:linClrLst meth="repeat">
+      <a:schemeClr val="accent1">
+        <a:tint val="60000"/>
+      </a:schemeClr>
+    </dgm:linClrLst>
+    <dgm:effectClrLst/>
+    <dgm:txLinClrLst/>
+    <dgm:txFillClrLst meth="repeat">
+      <a:schemeClr val="lt1"/>
+    </dgm:txFillClrLst>
+    <dgm:txEffectClrLst/>
+  </dgm:styleLbl>
+  <dgm:styleLbl name="parChTrans2D2">
+    <dgm:fillClrLst meth="repeat">
+      <a:schemeClr val="accent1"/>
+    </dgm:fillClrLst>
+    <dgm:linClrLst meth="repeat">
+      <a:schemeClr val="accent1"/>
+    </dgm:linClrLst>
+    <dgm:effectClrLst/>
+    <dgm:txLinClrLst/>
+    <dgm:txFillClrLst meth="repeat">
+      <a:schemeClr val="lt1"/>
+    </dgm:txFillClrLst>
+    <dgm:txEffectClrLst/>
+  </dgm:styleLbl>
+  <dgm:styleLbl name="parChTrans2D3">
+    <dgm:fillClrLst meth="repeat">
+      <a:schemeClr val="accent1"/>
+    </dgm:fillClrLst>
+    <dgm:linClrLst meth="repeat">
+      <a:schemeClr val="accent1"/>
+    </dgm:linClrLst>
+    <dgm:effectClrLst/>
+    <dgm:txLinClrLst/>
+    <dgm:txFillClrLst meth="repeat">
+      <a:schemeClr val="lt1"/>
+    </dgm:txFillClrLst>
+    <dgm:txEffectClrLst/>
+  </dgm:styleLbl>
+  <dgm:styleLbl name="parChTrans2D4">
+    <dgm:fillClrLst meth="repeat">
+      <a:schemeClr val="accent1"/>
+    </dgm:fillClrLst>
+    <dgm:linClrLst meth="repeat">
+      <a:schemeClr val="accent1"/>
+    </dgm:linClrLst>
+    <dgm:effectClrLst/>
+    <dgm:txLinClrLst/>
+    <dgm:txFillClrLst meth="repeat">
+      <a:schemeClr val="lt1"/>
+    </dgm:txFillClrLst>
+    <dgm:txEffectClrLst/>
+  </dgm:styleLbl>
+  <dgm:styleLbl name="parChTrans1D1">
+    <dgm:fillClrLst meth="repeat">
+      <a:schemeClr val="accent1"/>
+    </dgm:fillClrLst>
+    <dgm:linClrLst meth="repeat">
+      <a:schemeClr val="accent1">
+        <a:shade val="60000"/>
+      </a:schemeClr>
+    </dgm:linClrLst>
+    <dgm:effectClrLst/>
+    <dgm:txLinClrLst/>
+    <dgm:txFillClrLst meth="repeat">
+      <a:schemeClr val="tx1"/>
+    </dgm:txFillClrLst>
+    <dgm:txEffectClrLst/>
+  </dgm:styleLbl>
+  <dgm:styleLbl name="parChTrans1D2">
+    <dgm:fillClrLst meth="repeat">
+      <a:schemeClr val="accent1"/>
+    </dgm:fillClrLst>
+    <dgm:linClrLst meth="repeat">
+      <a:schemeClr val="accent1">
+        <a:shade val="60000"/>
+      </a:schemeClr>
+    </dgm:linClrLst>
+    <dgm:effectClrLst/>
+    <dgm:txLinClrLst/>
+    <dgm:txFillClrLst meth="repeat">
+      <a:schemeClr val="tx1"/>
+    </dgm:txFillClrLst>
+    <dgm:txEffectClrLst/>
+  </dgm:styleLbl>
+  <dgm:styleLbl name="parChTrans1D3">
+    <dgm:fillClrLst meth="repeat">
+      <a:schemeClr val="accent1"/>
+    </dgm:fillClrLst>
+    <dgm:linClrLst meth="repeat">
+      <a:schemeClr val="accent1">
+        <a:shade val="80000"/>
+      </a:schemeClr>
+    </dgm:linClrLst>
+    <dgm:effectClrLst/>
+    <dgm:txLinClrLst/>
+    <dgm:txFillClrLst meth="repeat">
+      <a:schemeClr val="tx1"/>
+    </dgm:txFillClrLst>
+    <dgm:txEffectClrLst/>
+  </dgm:styleLbl>
+  <dgm:styleLbl name="parChTrans1D4">
+    <dgm:fillClrLst meth="repeat">
+      <a:schemeClr val="accent1"/>
+    </dgm:fillClrLst>
+    <dgm:linClrLst meth="repeat">
+      <a:schemeClr val="accent1">
+        <a:shade val="80000"/>
+      </a:schemeClr>
+    </dgm:linClrLst>
+    <dgm:effectClrLst/>
+    <dgm:txLinClrLst/>
+    <dgm:txFillClrLst meth="repeat">
+      <a:schemeClr val="tx1"/>
+    </dgm:txFillClrLst>
+    <dgm:txEffectClrLst/>
+  </dgm:styleLbl>
+  <dgm:styleLbl name="fgAcc1">
+    <dgm:fillClrLst meth="repeat">
+      <a:schemeClr val="lt1">
+        <a:alpha val="90000"/>
+      </a:schemeClr>
+    </dgm:fillClrLst>
+    <dgm:linClrLst meth="repeat">
+      <a:schemeClr val="accent1"/>
+    </dgm:linClrLst>
+    <dgm:effectClrLst/>
+    <dgm:txLinClrLst/>
+    <dgm:txFillClrLst meth="repeat">
+      <a:schemeClr val="dk1"/>
+    </dgm:txFillClrLst>
+    <dgm:txEffectClrLst/>
+  </dgm:styleLbl>
+  <dgm:styleLbl name="conFgAcc1">
+    <dgm:fillClrLst meth="repeat">
+      <a:schemeClr val="lt1">
+        <a:alpha val="90000"/>
+      </a:schemeClr>
+    </dgm:fillClrLst>
+    <dgm:linClrLst meth="repeat">
+      <a:schemeClr val="accent1"/>
+    </dgm:linClrLst>
+    <dgm:effectClrLst/>
+    <dgm:txLinClrLst/>
+    <dgm:txFillClrLst meth="repeat">
+      <a:schemeClr val="dk1"/>
+    </dgm:txFillClrLst>
+    <dgm:txEffectClrLst/>
+  </dgm:styleLbl>
+  <dgm:styleLbl name="alignAcc1">
+    <dgm:fillClrLst meth="repeat">
+      <a:schemeClr val="lt1">
+        <a:alpha val="90000"/>
+      </a:schemeClr>
+    </dgm:fillClrLst>
+    <dgm:linClrLst meth="repeat">
+      <a:schemeClr val="accent1"/>
+    </dgm:linClrLst>
+    <dgm:effectClrLst/>
+    <dgm:txLinClrLst/>
+    <dgm:txFillClrLst meth="repeat">
+      <a:schemeClr val="dk1"/>
+    </dgm:txFillClrLst>
+    <dgm:txEffectClrLst/>
+  </dgm:styleLbl>
+  <dgm:styleLbl name="trAlignAcc1">
+    <dgm:fillClrLst meth="repeat">
+      <a:schemeClr val="lt1">
+        <a:alpha val="40000"/>
+      </a:schemeClr>
+    </dgm:fillClrLst>
+    <dgm:linClrLst meth="repeat">
+      <a:schemeClr val="accent1"/>
+    </dgm:linClrLst>
+    <dgm:effectClrLst/>
+    <dgm:txLinClrLst/>
+    <dgm:txFillClrLst meth="repeat">
+      <a:schemeClr val="dk1"/>
+    </dgm:txFillClrLst>
+    <dgm:txEffectClrLst/>
+  </dgm:styleLbl>
+  <dgm:styleLbl name="bgAcc1">
+    <dgm:fillClrLst meth="repeat">
+      <a:schemeClr val="lt1">
+        <a:alpha val="90000"/>
+      </a:schemeClr>
+    </dgm:fillClrLst>
+    <dgm:linClrLst meth="repeat">
+      <a:schemeClr val="accent1"/>
+    </dgm:linClrLst>
+    <dgm:effectClrLst/>
+    <dgm:txLinClrLst/>
+    <dgm:txFillClrLst meth="repeat">
+      <a:schemeClr val="dk1"/>
+    </dgm:txFillClrLst>
+    <dgm:txEffectClrLst/>
+  </dgm:styleLbl>
+  <dgm:styleLbl name="solidFgAcc1">
+    <dgm:fillClrLst meth="repeat">
+      <a:schemeClr val="lt1"/>
+    </dgm:fillClrLst>
+    <dgm:linClrLst meth="repeat">
+      <a:schemeClr val="accent1"/>
+    </dgm:linClrLst>
+    <dgm:effectClrLst/>
+    <dgm:txLinClrLst/>
+    <dgm:txFillClrLst meth="repeat">
+      <a:schemeClr val="dk1"/>
+    </dgm:txFillClrLst>
+    <dgm:txEffectClrLst/>
+  </dgm:styleLbl>
+  <dgm:styleLbl name="solidAlignAcc1">
+    <dgm:fillClrLst meth="repeat">
+      <a:schemeClr val="lt1"/>
+    </dgm:fillClrLst>
+    <dgm:linClrLst meth="repeat">
+      <a:schemeClr val="accent1"/>
+    </dgm:linClrLst>
+    <dgm:effectClrLst/>
+    <dgm:txLinClrLst/>
+    <dgm:txFillClrLst meth="repeat">
+      <a:schemeClr val="dk1"/>
+    </dgm:txFillClrLst>
+    <dgm:txEffectClrLst/>
+  </dgm:styleLbl>
+  <dgm:styleLbl name="solidBgAcc1">
+    <dgm:fillClrLst meth="repeat">
+      <a:schemeClr val="lt1"/>
+    </dgm:fillClrLst>
+    <dgm:linClrLst meth="repeat">
+      <a:schemeClr val="accent1"/>
+    </dgm:linClrLst>
+    <dgm:effectClrLst/>
+    <dgm:txLinClrLst/>
+    <dgm:txFillClrLst meth="repeat">
+      <a:schemeClr val="dk1"/>
+    </dgm:txFillClrLst>
+    <dgm:txEffectClrLst/>
+  </dgm:styleLbl>
+  <dgm:styleLbl name="fgAccFollowNode1">
+    <dgm:fillClrLst meth="repeat">
+      <a:schemeClr val="accent1">
+        <a:alpha val="90000"/>
+        <a:tint val="40000"/>
+      </a:schemeClr>
+    </dgm:fillClrLst>
+    <dgm:linClrLst meth="repeat">
+      <a:schemeClr val="accent1">
+        <a:alpha val="90000"/>
+        <a:tint val="40000"/>
+      </a:schemeClr>
+    </dgm:linClrLst>
+    <dgm:effectClrLst/>
+    <dgm:txLinClrLst/>
+    <dgm:txFillClrLst meth="repeat">
+      <a:schemeClr val="dk1"/>
+    </dgm:txFillClrLst>
+    <dgm:txEffectClrLst/>
+  </dgm:styleLbl>
+  <dgm:styleLbl name="alignAccFollowNode1">
+    <dgm:fillClrLst meth="repeat">
+      <a:schemeClr val="accent1">
+        <a:alpha val="90000"/>
+        <a:tint val="40000"/>
+      </a:schemeClr>
+    </dgm:fillClrLst>
+    <dgm:linClrLst meth="repeat">
+      <a:schemeClr val="accent1">
+        <a:alpha val="90000"/>
+        <a:tint val="40000"/>
+      </a:schemeClr>
+    </dgm:linClrLst>
+    <dgm:effectClrLst/>
+    <dgm:txLinClrLst/>
+    <dgm:txFillClrLst meth="repeat">
+      <a:schemeClr val="dk1"/>
+    </dgm:txFillClrLst>
+    <dgm:txEffectClrLst/>
+  </dgm:styleLbl>
+  <dgm:styleLbl name="bgAccFollowNode1">
+    <dgm:fillClrLst meth="repeat">
+      <a:schemeClr val="accent1">
+        <a:alpha val="90000"/>
+        <a:tint val="40000"/>
+      </a:schemeClr>
+    </dgm:fillClrLst>
+    <dgm:linClrLst meth="repeat">
+      <a:schemeClr val="accent1">
+        <a:alpha val="90000"/>
+        <a:tint val="40000"/>
+      </a:schemeClr>
+    </dgm:linClrLst>
+    <dgm:effectClrLst/>
+    <dgm:txLinClrLst/>
+    <dgm:txFillClrLst meth="repeat">
+      <a:schemeClr val="dk1"/>
+    </dgm:txFillClrLst>
+    <dgm:txEffectClrLst/>
+  </dgm:styleLbl>
+  <dgm:styleLbl name="fgAcc0">
+    <dgm:fillClrLst meth="repeat">
+      <a:schemeClr val="lt1">
+        <a:alpha val="90000"/>
+      </a:schemeClr>
+    </dgm:fillClrLst>
+    <dgm:linClrLst meth="repeat">
+      <a:schemeClr val="accent1"/>
+    </dgm:linClrLst>
+    <dgm:effectClrLst/>
+    <dgm:txLinClrLst/>
+    <dgm:txFillClrLst meth="repeat">
+      <a:schemeClr val="dk1"/>
+    </dgm:txFillClrLst>
+    <dgm:txEffectClrLst/>
+  </dgm:styleLbl>
+  <dgm:styleLbl name="fgAcc2">
+    <dgm:fillClrLst meth="repeat">
+      <a:schemeClr val="lt1">
+        <a:alpha val="90000"/>
+      </a:schemeClr>
+    </dgm:fillClrLst>
+    <dgm:linClrLst meth="repeat">
+      <a:schemeClr val="accent1"/>
+    </dgm:linClrLst>
+    <dgm:effectClrLst/>
+    <dgm:txLinClrLst/>
+    <dgm:txFillClrLst meth="repeat">
+      <a:schemeClr val="dk1"/>
+    </dgm:txFillClrLst>
+    <dgm:txEffectClrLst/>
+  </dgm:styleLbl>
+  <dgm:styleLbl name="fgAcc3">
+    <dgm:fillClrLst meth="repeat">
+      <a:schemeClr val="lt1">
+        <a:alpha val="90000"/>
+      </a:schemeClr>
+    </dgm:fillClrLst>
+    <dgm:linClrLst meth="repeat">
+      <a:schemeClr val="accent1"/>
+    </dgm:linClrLst>
+    <dgm:effectClrLst/>
+    <dgm:txLinClrLst/>
+    <dgm:txFillClrLst meth="repeat">
+      <a:schemeClr val="dk1"/>
+    </dgm:txFillClrLst>
+    <dgm:txEffectClrLst/>
+  </dgm:styleLbl>
+  <dgm:styleLbl name="fgAcc4">
+    <dgm:fillClrLst meth="repeat">
+      <a:schemeClr val="lt1">
+        <a:alpha val="90000"/>
+      </a:schemeClr>
+    </dgm:fillClrLst>
+    <dgm:linClrLst meth="repeat">
+      <a:schemeClr val="accent1"/>
+    </dgm:linClrLst>
+    <dgm:effectClrLst/>
+    <dgm:txLinClrLst/>
+    <dgm:txFillClrLst meth="repeat">
+      <a:schemeClr val="dk1"/>
+    </dgm:txFillClrLst>
+    <dgm:txEffectClrLst/>
+  </dgm:styleLbl>
+  <dgm:styleLbl name="bgShp">
+    <dgm:fillClrLst meth="repeat">
+      <a:schemeClr val="accent1">
+        <a:tint val="40000"/>
+      </a:schemeClr>
+    </dgm:fillClrLst>
+    <dgm:linClrLst meth="repeat">
+      <a:schemeClr val="accent1"/>
+    </dgm:linClrLst>
+    <dgm:effectClrLst/>
+    <dgm:txLinClrLst/>
+    <dgm:txFillClrLst meth="repeat">
+      <a:schemeClr val="dk1"/>
+    </dgm:txFillClrLst>
+    <dgm:txEffectClrLst/>
+  </dgm:styleLbl>
+  <dgm:styleLbl name="dkBgShp">
+    <dgm:fillClrLst meth="repeat">
+      <a:schemeClr val="accent1">
+        <a:shade val="80000"/>
+      </a:schemeClr>
+    </dgm:fillClrLst>
+    <dgm:linClrLst meth="repeat">
+      <a:schemeClr val="accent1"/>
+    </dgm:linClrLst>
+    <dgm:effectClrLst/>
+    <dgm:txLinClrLst/>
+    <dgm:txFillClrLst meth="repeat">
+      <a:schemeClr val="lt1"/>
+    </dgm:txFillClrLst>
+    <dgm:txEffectClrLst/>
+  </dgm:styleLbl>
+  <dgm:styleLbl name="trBgShp">
+    <dgm:fillClrLst meth="repeat">
+      <a:schemeClr val="accent1">
+        <a:tint val="50000"/>
+        <a:alpha val="40000"/>
+      </a:schemeClr>
+    </dgm:fillClrLst>
+    <dgm:linClrLst meth="repeat">
+      <a:schemeClr val="accent1"/>
+    </dgm:linClrLst>
+    <dgm:effectClrLst/>
+    <dgm:txLinClrLst/>
+    <dgm:txFillClrLst meth="repeat">
+      <a:schemeClr val="lt1"/>
+    </dgm:txFillClrLst>
+    <dgm:txEffectClrLst/>
+  </dgm:styleLbl>
+  <dgm:styleLbl name="fgShp">
+    <dgm:fillClrLst meth="repeat">
+      <a:schemeClr val="accent1">
+        <a:tint val="60000"/>
+      </a:schemeClr>
+    </dgm:fillClrLst>
+    <dgm:linClrLst meth="repeat">
+      <a:schemeClr val="lt1"/>
+    </dgm:linClrLst>
+    <dgm:effectClrLst/>
+    <dgm:txLinClrLst/>
+    <dgm:txFillClrLst meth="repeat">
+      <a:schemeClr val="dk1"/>
+    </dgm:txFillClrLst>
+    <dgm:txEffectClrLst/>
+  </dgm:styleLbl>
+  <dgm:styleLbl name="revTx">
+    <dgm:fillClrLst meth="repeat">
+      <a:schemeClr val="lt1">
+        <a:alpha val="0"/>
+      </a:schemeClr>
+    </dgm:fillClrLst>
+    <dgm:linClrLst meth="repeat">
+      <a:schemeClr val="dk1">
+        <a:alpha val="0"/>
+      </a:schemeClr>
+    </dgm:linClrLst>
+    <dgm:effectClrLst/>
+    <dgm:txLinClrLst/>
+    <dgm:txFillClrLst meth="repeat">
+      <a:schemeClr val="tx1"/>
+    </dgm:txFillClrLst>
+    <dgm:txEffectClrLst/>
+  </dgm:styleLbl>
+</dgm:colorsDef>
+</file>
+
 <file path=ppt/diagrams/data1.xml><?xml version="1.0" encoding="utf-8"?>
+<dgm:dataModel xmlns:dgm="http://schemas.openxmlformats.org/drawingml/2006/diagram" xmlns:a="http://schemas.openxmlformats.org/drawingml/2006/main">
+  <dgm:ptLst>
+    <dgm:pt modelId="{38491A10-4AC5-49FC-8D9E-3228E1908001}" type="doc">
+      <dgm:prSet loTypeId="urn:microsoft.com/office/officeart/2005/8/layout/chevron1" loCatId="process" qsTypeId="urn:microsoft.com/office/officeart/2005/8/quickstyle/simple1" qsCatId="simple" csTypeId="urn:microsoft.com/office/officeart/2005/8/colors/accent1_2" csCatId="accent1" phldr="1"/>
+      <dgm:spPr/>
+    </dgm:pt>
+    <dgm:pt modelId="{80CFC6C5-B00D-46ED-82FD-CE52BDB3DC98}">
+      <dgm:prSet phldrT="[Text]"/>
+      <dgm:spPr/>
+      <dgm:t>
+        <a:bodyPr/>
+        <a:lstStyle/>
+        <a:p>
+          <a:r>
+            <a:rPr lang="en-US" dirty="0" smtClean="0"/>
+            <a:t>Aggregate</a:t>
+          </a:r>
+          <a:endParaRPr lang="en-US" dirty="0"/>
+        </a:p>
+      </dgm:t>
+    </dgm:pt>
+    <dgm:pt modelId="{0E30389C-181B-4F22-A7DE-7560DAC449C1}" type="parTrans" cxnId="{3FAFAA51-C152-4C6A-861D-365803759684}">
+      <dgm:prSet/>
+      <dgm:spPr/>
+      <dgm:t>
+        <a:bodyPr/>
+        <a:lstStyle/>
+        <a:p>
+          <a:endParaRPr lang="en-US"/>
+        </a:p>
+      </dgm:t>
+    </dgm:pt>
+    <dgm:pt modelId="{020F5B57-E5A8-4E89-9126-4303BF8A468A}" type="sibTrans" cxnId="{3FAFAA51-C152-4C6A-861D-365803759684}">
+      <dgm:prSet/>
+      <dgm:spPr/>
+      <dgm:t>
+        <a:bodyPr/>
+        <a:lstStyle/>
+        <a:p>
+          <a:endParaRPr lang="en-US"/>
+        </a:p>
+      </dgm:t>
+    </dgm:pt>
+    <dgm:pt modelId="{CC7FD5D5-B4A1-4AC3-A66A-BD6BE12FE47E}">
+      <dgm:prSet phldrT="[Text]"/>
+      <dgm:spPr/>
+      <dgm:t>
+        <a:bodyPr/>
+        <a:lstStyle/>
+        <a:p>
+          <a:r>
+            <a:rPr lang="en-US" dirty="0" smtClean="0"/>
+            <a:t>Automate</a:t>
+          </a:r>
+          <a:endParaRPr lang="en-US" dirty="0"/>
+        </a:p>
+      </dgm:t>
+    </dgm:pt>
+    <dgm:pt modelId="{EAFCC900-3AE1-4D75-8027-C775FE1B150D}" type="parTrans" cxnId="{CA2C9EF3-39E9-46BB-A3D8-021318DF2DEB}">
+      <dgm:prSet/>
+      <dgm:spPr/>
+      <dgm:t>
+        <a:bodyPr/>
+        <a:lstStyle/>
+        <a:p>
+          <a:endParaRPr lang="en-US"/>
+        </a:p>
+      </dgm:t>
+    </dgm:pt>
+    <dgm:pt modelId="{492AD082-74BD-43EB-AC07-A5EC98D6EC16}" type="sibTrans" cxnId="{CA2C9EF3-39E9-46BB-A3D8-021318DF2DEB}">
+      <dgm:prSet/>
+      <dgm:spPr/>
+      <dgm:t>
+        <a:bodyPr/>
+        <a:lstStyle/>
+        <a:p>
+          <a:endParaRPr lang="en-US"/>
+        </a:p>
+      </dgm:t>
+    </dgm:pt>
+    <dgm:pt modelId="{7FAB11AB-6B51-4C7E-A727-6288EEF7CD3D}">
+      <dgm:prSet phldrT="[Text]"/>
+      <dgm:spPr/>
+      <dgm:t>
+        <a:bodyPr/>
+        <a:lstStyle/>
+        <a:p>
+          <a:r>
+            <a:rPr lang="en-US" dirty="0" smtClean="0"/>
+            <a:t>Access</a:t>
+          </a:r>
+          <a:endParaRPr lang="en-US" dirty="0"/>
+        </a:p>
+      </dgm:t>
+    </dgm:pt>
+    <dgm:pt modelId="{5E7B1E91-AAC6-4DEC-A229-D24565725C11}" type="parTrans" cxnId="{73EA1286-73F0-44AD-A7D6-A4BBA81ADF16}">
+      <dgm:prSet/>
+      <dgm:spPr/>
+      <dgm:t>
+        <a:bodyPr/>
+        <a:lstStyle/>
+        <a:p>
+          <a:endParaRPr lang="en-US"/>
+        </a:p>
+      </dgm:t>
+    </dgm:pt>
+    <dgm:pt modelId="{FE9A8F97-7E82-4D30-96ED-2CAFD9E7F0A9}" type="sibTrans" cxnId="{73EA1286-73F0-44AD-A7D6-A4BBA81ADF16}">
+      <dgm:prSet/>
+      <dgm:spPr/>
+      <dgm:t>
+        <a:bodyPr/>
+        <a:lstStyle/>
+        <a:p>
+          <a:endParaRPr lang="en-US"/>
+        </a:p>
+      </dgm:t>
+    </dgm:pt>
+    <dgm:pt modelId="{F6194BB9-C858-4109-8E1C-0AFB67CA080D}" type="pres">
+      <dgm:prSet presAssocID="{38491A10-4AC5-49FC-8D9E-3228E1908001}" presName="Name0" presStyleCnt="0">
+        <dgm:presLayoutVars>
+          <dgm:dir/>
+          <dgm:animLvl val="lvl"/>
+          <dgm:resizeHandles val="exact"/>
+        </dgm:presLayoutVars>
+      </dgm:prSet>
+      <dgm:spPr/>
+    </dgm:pt>
+    <dgm:pt modelId="{6170713F-35FD-4A50-98BA-FBEFA8171078}" type="pres">
+      <dgm:prSet presAssocID="{80CFC6C5-B00D-46ED-82FD-CE52BDB3DC98}" presName="parTxOnly" presStyleLbl="node1" presStyleIdx="0" presStyleCnt="3">
+        <dgm:presLayoutVars>
+          <dgm:chMax val="0"/>
+          <dgm:chPref val="0"/>
+          <dgm:bulletEnabled val="1"/>
+        </dgm:presLayoutVars>
+      </dgm:prSet>
+      <dgm:spPr/>
+    </dgm:pt>
+    <dgm:pt modelId="{F97BA079-1F0B-4BC1-ADB6-D3D710D6D517}" type="pres">
+      <dgm:prSet presAssocID="{020F5B57-E5A8-4E89-9126-4303BF8A468A}" presName="parTxOnlySpace" presStyleCnt="0"/>
+      <dgm:spPr/>
+    </dgm:pt>
+    <dgm:pt modelId="{57CB5DE8-8023-4364-B73D-5D0CBF21095C}" type="pres">
+      <dgm:prSet presAssocID="{CC7FD5D5-B4A1-4AC3-A66A-BD6BE12FE47E}" presName="parTxOnly" presStyleLbl="node1" presStyleIdx="1" presStyleCnt="3">
+        <dgm:presLayoutVars>
+          <dgm:chMax val="0"/>
+          <dgm:chPref val="0"/>
+          <dgm:bulletEnabled val="1"/>
+        </dgm:presLayoutVars>
+      </dgm:prSet>
+      <dgm:spPr/>
+      <dgm:t>
+        <a:bodyPr/>
+        <a:lstStyle/>
+        <a:p>
+          <a:endParaRPr lang="en-US"/>
+        </a:p>
+      </dgm:t>
+    </dgm:pt>
+    <dgm:pt modelId="{CB7489D2-1BC4-4979-B8BD-5D8AA95F18B8}" type="pres">
+      <dgm:prSet presAssocID="{492AD082-74BD-43EB-AC07-A5EC98D6EC16}" presName="parTxOnlySpace" presStyleCnt="0"/>
+      <dgm:spPr/>
+    </dgm:pt>
+    <dgm:pt modelId="{ED6E8E64-0E25-4560-BBF5-B7BAF2C3264D}" type="pres">
+      <dgm:prSet presAssocID="{7FAB11AB-6B51-4C7E-A727-6288EEF7CD3D}" presName="parTxOnly" presStyleLbl="node1" presStyleIdx="2" presStyleCnt="3" custLinFactNeighborY="847">
+        <dgm:presLayoutVars>
+          <dgm:chMax val="0"/>
+          <dgm:chPref val="0"/>
+          <dgm:bulletEnabled val="1"/>
+        </dgm:presLayoutVars>
+      </dgm:prSet>
+      <dgm:spPr/>
+    </dgm:pt>
+  </dgm:ptLst>
+  <dgm:cxnLst>
+    <dgm:cxn modelId="{CA2C9EF3-39E9-46BB-A3D8-021318DF2DEB}" srcId="{38491A10-4AC5-49FC-8D9E-3228E1908001}" destId="{CC7FD5D5-B4A1-4AC3-A66A-BD6BE12FE47E}" srcOrd="1" destOrd="0" parTransId="{EAFCC900-3AE1-4D75-8027-C775FE1B150D}" sibTransId="{492AD082-74BD-43EB-AC07-A5EC98D6EC16}"/>
+    <dgm:cxn modelId="{6D2A9560-926D-454B-AA55-16A64047457E}" type="presOf" srcId="{80CFC6C5-B00D-46ED-82FD-CE52BDB3DC98}" destId="{6170713F-35FD-4A50-98BA-FBEFA8171078}" srcOrd="0" destOrd="0" presId="urn:microsoft.com/office/officeart/2005/8/layout/chevron1"/>
+    <dgm:cxn modelId="{73EA1286-73F0-44AD-A7D6-A4BBA81ADF16}" srcId="{38491A10-4AC5-49FC-8D9E-3228E1908001}" destId="{7FAB11AB-6B51-4C7E-A727-6288EEF7CD3D}" srcOrd="2" destOrd="0" parTransId="{5E7B1E91-AAC6-4DEC-A229-D24565725C11}" sibTransId="{FE9A8F97-7E82-4D30-96ED-2CAFD9E7F0A9}"/>
+    <dgm:cxn modelId="{26417375-A477-4C51-8181-EA881318FF6A}" type="presOf" srcId="{CC7FD5D5-B4A1-4AC3-A66A-BD6BE12FE47E}" destId="{57CB5DE8-8023-4364-B73D-5D0CBF21095C}" srcOrd="0" destOrd="0" presId="urn:microsoft.com/office/officeart/2005/8/layout/chevron1"/>
+    <dgm:cxn modelId="{3FAFAA51-C152-4C6A-861D-365803759684}" srcId="{38491A10-4AC5-49FC-8D9E-3228E1908001}" destId="{80CFC6C5-B00D-46ED-82FD-CE52BDB3DC98}" srcOrd="0" destOrd="0" parTransId="{0E30389C-181B-4F22-A7DE-7560DAC449C1}" sibTransId="{020F5B57-E5A8-4E89-9126-4303BF8A468A}"/>
+    <dgm:cxn modelId="{54DF2B69-F196-4BD1-A6CE-6346491ED0EE}" type="presOf" srcId="{38491A10-4AC5-49FC-8D9E-3228E1908001}" destId="{F6194BB9-C858-4109-8E1C-0AFB67CA080D}" srcOrd="0" destOrd="0" presId="urn:microsoft.com/office/officeart/2005/8/layout/chevron1"/>
+    <dgm:cxn modelId="{5F6F6A2C-8A92-4858-90C0-6AC9B42719C1}" type="presOf" srcId="{7FAB11AB-6B51-4C7E-A727-6288EEF7CD3D}" destId="{ED6E8E64-0E25-4560-BBF5-B7BAF2C3264D}" srcOrd="0" destOrd="0" presId="urn:microsoft.com/office/officeart/2005/8/layout/chevron1"/>
+    <dgm:cxn modelId="{57A2798C-AB88-4B01-921D-BEB7F12838A7}" type="presParOf" srcId="{F6194BB9-C858-4109-8E1C-0AFB67CA080D}" destId="{6170713F-35FD-4A50-98BA-FBEFA8171078}" srcOrd="0" destOrd="0" presId="urn:microsoft.com/office/officeart/2005/8/layout/chevron1"/>
+    <dgm:cxn modelId="{571AB5DE-E847-4969-9995-4FB6B3D89479}" type="presParOf" srcId="{F6194BB9-C858-4109-8E1C-0AFB67CA080D}" destId="{F97BA079-1F0B-4BC1-ADB6-D3D710D6D517}" srcOrd="1" destOrd="0" presId="urn:microsoft.com/office/officeart/2005/8/layout/chevron1"/>
+    <dgm:cxn modelId="{9002A77F-C6B1-45AD-A92E-ACEA68D9415F}" type="presParOf" srcId="{F6194BB9-C858-4109-8E1C-0AFB67CA080D}" destId="{57CB5DE8-8023-4364-B73D-5D0CBF21095C}" srcOrd="2" destOrd="0" presId="urn:microsoft.com/office/officeart/2005/8/layout/chevron1"/>
+    <dgm:cxn modelId="{A7E59482-2B18-4F9E-9235-4BA0145C5B32}" type="presParOf" srcId="{F6194BB9-C858-4109-8E1C-0AFB67CA080D}" destId="{CB7489D2-1BC4-4979-B8BD-5D8AA95F18B8}" srcOrd="3" destOrd="0" presId="urn:microsoft.com/office/officeart/2005/8/layout/chevron1"/>
+    <dgm:cxn modelId="{3EF8518A-79B4-42EF-8C62-799C130908A7}" type="presParOf" srcId="{F6194BB9-C858-4109-8E1C-0AFB67CA080D}" destId="{ED6E8E64-0E25-4560-BBF5-B7BAF2C3264D}" srcOrd="4" destOrd="0" presId="urn:microsoft.com/office/officeart/2005/8/layout/chevron1"/>
+  </dgm:cxnLst>
+  <dgm:bg/>
+  <dgm:whole/>
+  <dgm:extLst>
+    <a:ext uri="http://schemas.microsoft.com/office/drawing/2008/diagram">
+      <dsp:dataModelExt xmlns:dsp="http://schemas.microsoft.com/office/drawing/2008/diagram" relId="rId7" minVer="http://schemas.openxmlformats.org/drawingml/2006/diagram"/>
+    </a:ext>
+  </dgm:extLst>
+</dgm:dataModel>
+</file>
+
+<file path=ppt/diagrams/data2.xml><?xml version="1.0" encoding="utf-8"?>
 <dgm:dataModel xmlns:dgm="http://schemas.openxmlformats.org/drawingml/2006/diagram" xmlns:a="http://schemas.openxmlformats.org/drawingml/2006/main">
   <dgm:ptLst>
     <dgm:pt modelId="{99940E6E-85D9-48A0-AB2E-B7C40FE8E5A9}" type="doc">
@@ -7283,7 +8229,7 @@
 </dgm:dataModel>
 </file>
 
-<file path=ppt/diagrams/data2.xml><?xml version="1.0" encoding="utf-8"?>
+<file path=ppt/diagrams/data3.xml><?xml version="1.0" encoding="utf-8"?>
 <dgm:dataModel xmlns:dgm="http://schemas.openxmlformats.org/drawingml/2006/diagram" xmlns:a="http://schemas.openxmlformats.org/drawingml/2006/main">
   <dgm:ptLst>
     <dgm:pt modelId="{A645F2E1-7DC2-441E-B16D-690D63909A4F}" type="doc">
@@ -7371,7 +8317,7 @@
 </dgm:dataModel>
 </file>
 
-<file path=ppt/diagrams/data3.xml><?xml version="1.0" encoding="utf-8"?>
+<file path=ppt/diagrams/data4.xml><?xml version="1.0" encoding="utf-8"?>
 <dgm:dataModel xmlns:dgm="http://schemas.openxmlformats.org/drawingml/2006/diagram" xmlns:a="http://schemas.openxmlformats.org/drawingml/2006/main">
   <dgm:ptLst>
     <dgm:pt modelId="{A645F2E1-7DC2-441E-B16D-690D63909A4F}" type="doc">
@@ -7459,7 +8405,7 @@
 </dgm:dataModel>
 </file>
 
-<file path=ppt/diagrams/data4.xml><?xml version="1.0" encoding="utf-8"?>
+<file path=ppt/diagrams/data5.xml><?xml version="1.0" encoding="utf-8"?>
 <dgm:dataModel xmlns:dgm="http://schemas.openxmlformats.org/drawingml/2006/diagram" xmlns:a="http://schemas.openxmlformats.org/drawingml/2006/main">
   <dgm:ptLst>
     <dgm:pt modelId="{A645F2E1-7DC2-441E-B16D-690D63909A4F}" type="doc">
@@ -7547,7 +8493,7 @@
 </dgm:dataModel>
 </file>
 
-<file path=ppt/diagrams/data5.xml><?xml version="1.0" encoding="utf-8"?>
+<file path=ppt/diagrams/data6.xml><?xml version="1.0" encoding="utf-8"?>
 <dgm:dataModel xmlns:dgm="http://schemas.openxmlformats.org/drawingml/2006/diagram" xmlns:a="http://schemas.openxmlformats.org/drawingml/2006/main">
   <dgm:ptLst>
     <dgm:pt modelId="{7E532860-7821-453F-A487-CB0D056F9B57}" type="doc">
@@ -8270,8 +9216,8 @@
     <dgm:cxn modelId="{39A9B2F4-FE0A-4A6F-93B2-ACF44C668DE1}" type="presOf" srcId="{645241A0-C23D-49BB-867B-DF55C62E8021}" destId="{DCC6C326-1359-41E8-B9D1-10B0B4464ED0}" srcOrd="0" destOrd="0" presId="urn:microsoft.com/office/officeart/2005/8/layout/chevron2"/>
     <dgm:cxn modelId="{825ED296-D719-4AB6-A5CF-01F6222A9550}" srcId="{7E532860-7821-453F-A487-CB0D056F9B57}" destId="{27B65957-1398-4EEC-A165-47F6CF86C13F}" srcOrd="2" destOrd="0" parTransId="{3243D45A-4C69-4C52-BAEF-3BFD6B8C74BF}" sibTransId="{2470E24F-94C6-4F2B-A441-075B1C2420C1}"/>
     <dgm:cxn modelId="{7B91D576-0C79-41D8-B9FA-BB6EB2110922}" srcId="{27B65957-1398-4EEC-A165-47F6CF86C13F}" destId="{9EFDBA84-8E63-4409-8D70-6A38A7FDA7F1}" srcOrd="0" destOrd="0" parTransId="{FAF2F390-4C39-4DD2-A994-302BBBEF5D3B}" sibTransId="{B64A53E9-5597-4336-B333-912ADD51B788}"/>
+    <dgm:cxn modelId="{A6880078-F6B3-40FD-BF79-3FB42D182D74}" type="presOf" srcId="{27B65957-1398-4EEC-A165-47F6CF86C13F}" destId="{BB2B824B-E0A0-42DE-8E28-6D8BA8BEE087}" srcOrd="0" destOrd="0" presId="urn:microsoft.com/office/officeart/2005/8/layout/chevron2"/>
     <dgm:cxn modelId="{230826B8-C385-4BF2-A24D-0B73822D0610}" type="presOf" srcId="{DF0D1540-3274-4FAA-A20E-379D6819141A}" destId="{E3E3C868-8ACB-4599-8073-C985CE25055C}" srcOrd="0" destOrd="0" presId="urn:microsoft.com/office/officeart/2005/8/layout/chevron2"/>
-    <dgm:cxn modelId="{A6880078-F6B3-40FD-BF79-3FB42D182D74}" type="presOf" srcId="{27B65957-1398-4EEC-A165-47F6CF86C13F}" destId="{BB2B824B-E0A0-42DE-8E28-6D8BA8BEE087}" srcOrd="0" destOrd="0" presId="urn:microsoft.com/office/officeart/2005/8/layout/chevron2"/>
     <dgm:cxn modelId="{29D48F07-6816-42A8-9B0D-334315C04C43}" type="presOf" srcId="{FA83FA45-8AD5-4CE9-99AF-141DCE3B3613}" destId="{E3E3C868-8ACB-4599-8073-C985CE25055C}" srcOrd="0" destOrd="3" presId="urn:microsoft.com/office/officeart/2005/8/layout/chevron2"/>
     <dgm:cxn modelId="{B5E09307-4CCE-4B4C-9C65-52784104DEF4}" srcId="{A3BC9933-B4E0-4768-9DB2-0DAD0E1A01DA}" destId="{FB0D9D63-8A5F-4DBC-B8DE-12DAA0E4F0B0}" srcOrd="2" destOrd="0" parTransId="{F92C9190-5503-462A-8B5C-CD55D69A0911}" sibTransId="{90287461-FDB8-4970-B36F-569F97A4FF06}"/>
     <dgm:cxn modelId="{3B357F46-99B7-465B-97AB-9F8AEF962D9C}" type="presParOf" srcId="{6591240C-7A08-4AD7-907E-6D9F40EF6699}" destId="{78E40295-7A07-4D45-8DF0-027602CACC06}" srcOrd="0" destOrd="0" presId="urn:microsoft.com/office/officeart/2005/8/layout/chevron2"/>
@@ -8296,7 +9242,7 @@
 </dgm:dataModel>
 </file>
 
-<file path=ppt/diagrams/data6.xml><?xml version="1.0" encoding="utf-8"?>
+<file path=ppt/diagrams/data7.xml><?xml version="1.0" encoding="utf-8"?>
 <dgm:dataModel xmlns:dgm="http://schemas.openxmlformats.org/drawingml/2006/diagram" xmlns:a="http://schemas.openxmlformats.org/drawingml/2006/main">
   <dgm:ptLst>
     <dgm:pt modelId="{A645F2E1-7DC2-441E-B16D-690D63909A4F}" type="doc">
@@ -8384,7 +9330,7 @@
 </dgm:dataModel>
 </file>
 
-<file path=ppt/diagrams/data7.xml><?xml version="1.0" encoding="utf-8"?>
+<file path=ppt/diagrams/data8.xml><?xml version="1.0" encoding="utf-8"?>
 <dgm:dataModel xmlns:dgm="http://schemas.openxmlformats.org/drawingml/2006/diagram" xmlns:a="http://schemas.openxmlformats.org/drawingml/2006/main">
   <dgm:ptLst>
     <dgm:pt modelId="{A645F2E1-7DC2-441E-B16D-690D63909A4F}" type="doc">
@@ -8472,7 +9418,7 @@
 </dgm:dataModel>
 </file>
 
-<file path=ppt/diagrams/data8.xml><?xml version="1.0" encoding="utf-8"?>
+<file path=ppt/diagrams/data9.xml><?xml version="1.0" encoding="utf-8"?>
 <dgm:dataModel xmlns:dgm="http://schemas.openxmlformats.org/drawingml/2006/diagram" xmlns:a="http://schemas.openxmlformats.org/drawingml/2006/main">
   <dgm:ptLst>
     <dgm:pt modelId="{A645F2E1-7DC2-441E-B16D-690D63909A4F}" type="doc">
@@ -8561,6 +9507,252 @@
 </file>
 
 <file path=ppt/diagrams/drawing1.xml><?xml version="1.0" encoding="utf-8"?>
+<dsp:drawing xmlns:dgm="http://schemas.openxmlformats.org/drawingml/2006/diagram" xmlns:dsp="http://schemas.microsoft.com/office/drawing/2008/diagram" xmlns:a="http://schemas.openxmlformats.org/drawingml/2006/main">
+  <dsp:spTree>
+    <dsp:nvGrpSpPr>
+      <dsp:cNvPr id="0" name=""/>
+      <dsp:cNvGrpSpPr/>
+    </dsp:nvGrpSpPr>
+    <dsp:grpSpPr/>
+    <dsp:sp modelId="{6170713F-35FD-4A50-98BA-FBEFA8171078}">
+      <dsp:nvSpPr>
+        <dsp:cNvPr id="0" name=""/>
+        <dsp:cNvSpPr/>
+      </dsp:nvSpPr>
+      <dsp:spPr>
+        <a:xfrm>
+          <a:off x="1785" y="184996"/>
+          <a:ext cx="2175867" cy="870346"/>
+        </a:xfrm>
+        <a:prstGeom prst="chevron">
+          <a:avLst/>
+        </a:prstGeom>
+        <a:solidFill>
+          <a:schemeClr val="accent1">
+            <a:hueOff val="0"/>
+            <a:satOff val="0"/>
+            <a:lumOff val="0"/>
+            <a:alphaOff val="0"/>
+          </a:schemeClr>
+        </a:solidFill>
+        <a:ln w="12700" cap="flat" cmpd="sng" algn="ctr">
+          <a:solidFill>
+            <a:schemeClr val="lt1">
+              <a:hueOff val="0"/>
+              <a:satOff val="0"/>
+              <a:lumOff val="0"/>
+              <a:alphaOff val="0"/>
+            </a:schemeClr>
+          </a:solidFill>
+          <a:prstDash val="solid"/>
+          <a:miter lim="800000"/>
+        </a:ln>
+        <a:effectLst/>
+      </dsp:spPr>
+      <dsp:style>
+        <a:lnRef idx="2">
+          <a:scrgbClr r="0" g="0" b="0"/>
+        </a:lnRef>
+        <a:fillRef idx="1">
+          <a:scrgbClr r="0" g="0" b="0"/>
+        </a:fillRef>
+        <a:effectRef idx="0">
+          <a:scrgbClr r="0" g="0" b="0"/>
+        </a:effectRef>
+        <a:fontRef idx="minor">
+          <a:schemeClr val="lt1"/>
+        </a:fontRef>
+      </dsp:style>
+      <dsp:txBody>
+        <a:bodyPr spcFirstLastPara="0" vert="horz" wrap="square" lIns="88011" tIns="29337" rIns="29337" bIns="29337" numCol="1" spcCol="1270" anchor="ctr" anchorCtr="0">
+          <a:noAutofit/>
+        </a:bodyPr>
+        <a:lstStyle/>
+        <a:p>
+          <a:pPr lvl="0" algn="ctr" defTabSz="977900">
+            <a:lnSpc>
+              <a:spcPct val="90000"/>
+            </a:lnSpc>
+            <a:spcBef>
+              <a:spcPct val="0"/>
+            </a:spcBef>
+            <a:spcAft>
+              <a:spcPct val="35000"/>
+            </a:spcAft>
+          </a:pPr>
+          <a:r>
+            <a:rPr lang="en-US" sz="2200" kern="1200" dirty="0" smtClean="0"/>
+            <a:t>Aggregate</a:t>
+          </a:r>
+          <a:endParaRPr lang="en-US" sz="2200" kern="1200" dirty="0"/>
+        </a:p>
+      </dsp:txBody>
+      <dsp:txXfrm>
+        <a:off x="436958" y="184996"/>
+        <a:ext cx="1305521" cy="870346"/>
+      </dsp:txXfrm>
+    </dsp:sp>
+    <dsp:sp modelId="{57CB5DE8-8023-4364-B73D-5D0CBF21095C}">
+      <dsp:nvSpPr>
+        <dsp:cNvPr id="0" name=""/>
+        <dsp:cNvSpPr/>
+      </dsp:nvSpPr>
+      <dsp:spPr>
+        <a:xfrm>
+          <a:off x="1960066" y="184996"/>
+          <a:ext cx="2175867" cy="870346"/>
+        </a:xfrm>
+        <a:prstGeom prst="chevron">
+          <a:avLst/>
+        </a:prstGeom>
+        <a:solidFill>
+          <a:schemeClr val="accent1">
+            <a:hueOff val="0"/>
+            <a:satOff val="0"/>
+            <a:lumOff val="0"/>
+            <a:alphaOff val="0"/>
+          </a:schemeClr>
+        </a:solidFill>
+        <a:ln w="12700" cap="flat" cmpd="sng" algn="ctr">
+          <a:solidFill>
+            <a:schemeClr val="lt1">
+              <a:hueOff val="0"/>
+              <a:satOff val="0"/>
+              <a:lumOff val="0"/>
+              <a:alphaOff val="0"/>
+            </a:schemeClr>
+          </a:solidFill>
+          <a:prstDash val="solid"/>
+          <a:miter lim="800000"/>
+        </a:ln>
+        <a:effectLst/>
+      </dsp:spPr>
+      <dsp:style>
+        <a:lnRef idx="2">
+          <a:scrgbClr r="0" g="0" b="0"/>
+        </a:lnRef>
+        <a:fillRef idx="1">
+          <a:scrgbClr r="0" g="0" b="0"/>
+        </a:fillRef>
+        <a:effectRef idx="0">
+          <a:scrgbClr r="0" g="0" b="0"/>
+        </a:effectRef>
+        <a:fontRef idx="minor">
+          <a:schemeClr val="lt1"/>
+        </a:fontRef>
+      </dsp:style>
+      <dsp:txBody>
+        <a:bodyPr spcFirstLastPara="0" vert="horz" wrap="square" lIns="88011" tIns="29337" rIns="29337" bIns="29337" numCol="1" spcCol="1270" anchor="ctr" anchorCtr="0">
+          <a:noAutofit/>
+        </a:bodyPr>
+        <a:lstStyle/>
+        <a:p>
+          <a:pPr lvl="0" algn="ctr" defTabSz="977900">
+            <a:lnSpc>
+              <a:spcPct val="90000"/>
+            </a:lnSpc>
+            <a:spcBef>
+              <a:spcPct val="0"/>
+            </a:spcBef>
+            <a:spcAft>
+              <a:spcPct val="35000"/>
+            </a:spcAft>
+          </a:pPr>
+          <a:r>
+            <a:rPr lang="en-US" sz="2200" kern="1200" dirty="0" smtClean="0"/>
+            <a:t>Automate</a:t>
+          </a:r>
+          <a:endParaRPr lang="en-US" sz="2200" kern="1200" dirty="0"/>
+        </a:p>
+      </dsp:txBody>
+      <dsp:txXfrm>
+        <a:off x="2395239" y="184996"/>
+        <a:ext cx="1305521" cy="870346"/>
+      </dsp:txXfrm>
+    </dsp:sp>
+    <dsp:sp modelId="{ED6E8E64-0E25-4560-BBF5-B7BAF2C3264D}">
+      <dsp:nvSpPr>
+        <dsp:cNvPr id="0" name=""/>
+        <dsp:cNvSpPr/>
+      </dsp:nvSpPr>
+      <dsp:spPr>
+        <a:xfrm>
+          <a:off x="3918346" y="192368"/>
+          <a:ext cx="2175867" cy="870346"/>
+        </a:xfrm>
+        <a:prstGeom prst="chevron">
+          <a:avLst/>
+        </a:prstGeom>
+        <a:solidFill>
+          <a:schemeClr val="accent1">
+            <a:hueOff val="0"/>
+            <a:satOff val="0"/>
+            <a:lumOff val="0"/>
+            <a:alphaOff val="0"/>
+          </a:schemeClr>
+        </a:solidFill>
+        <a:ln w="12700" cap="flat" cmpd="sng" algn="ctr">
+          <a:solidFill>
+            <a:schemeClr val="lt1">
+              <a:hueOff val="0"/>
+              <a:satOff val="0"/>
+              <a:lumOff val="0"/>
+              <a:alphaOff val="0"/>
+            </a:schemeClr>
+          </a:solidFill>
+          <a:prstDash val="solid"/>
+          <a:miter lim="800000"/>
+        </a:ln>
+        <a:effectLst/>
+      </dsp:spPr>
+      <dsp:style>
+        <a:lnRef idx="2">
+          <a:scrgbClr r="0" g="0" b="0"/>
+        </a:lnRef>
+        <a:fillRef idx="1">
+          <a:scrgbClr r="0" g="0" b="0"/>
+        </a:fillRef>
+        <a:effectRef idx="0">
+          <a:scrgbClr r="0" g="0" b="0"/>
+        </a:effectRef>
+        <a:fontRef idx="minor">
+          <a:schemeClr val="lt1"/>
+        </a:fontRef>
+      </dsp:style>
+      <dsp:txBody>
+        <a:bodyPr spcFirstLastPara="0" vert="horz" wrap="square" lIns="88011" tIns="29337" rIns="29337" bIns="29337" numCol="1" spcCol="1270" anchor="ctr" anchorCtr="0">
+          <a:noAutofit/>
+        </a:bodyPr>
+        <a:lstStyle/>
+        <a:p>
+          <a:pPr lvl="0" algn="ctr" defTabSz="977900">
+            <a:lnSpc>
+              <a:spcPct val="90000"/>
+            </a:lnSpc>
+            <a:spcBef>
+              <a:spcPct val="0"/>
+            </a:spcBef>
+            <a:spcAft>
+              <a:spcPct val="35000"/>
+            </a:spcAft>
+          </a:pPr>
+          <a:r>
+            <a:rPr lang="en-US" sz="2200" kern="1200" dirty="0" smtClean="0"/>
+            <a:t>Access</a:t>
+          </a:r>
+          <a:endParaRPr lang="en-US" sz="2200" kern="1200" dirty="0"/>
+        </a:p>
+      </dsp:txBody>
+      <dsp:txXfrm>
+        <a:off x="4353519" y="192368"/>
+        <a:ext cx="1305521" cy="870346"/>
+      </dsp:txXfrm>
+    </dsp:sp>
+  </dsp:spTree>
+</dsp:drawing>
+</file>
+
+<file path=ppt/diagrams/drawing2.xml><?xml version="1.0" encoding="utf-8"?>
 <dsp:drawing xmlns:dgm="http://schemas.openxmlformats.org/drawingml/2006/diagram" xmlns:dsp="http://schemas.microsoft.com/office/drawing/2008/diagram" xmlns:a="http://schemas.openxmlformats.org/drawingml/2006/main">
   <dsp:spTree>
     <dsp:nvGrpSpPr>
@@ -10541,7 +11733,7 @@
 </dsp:drawing>
 </file>
 
-<file path=ppt/diagrams/drawing2.xml><?xml version="1.0" encoding="utf-8"?>
+<file path=ppt/diagrams/drawing3.xml><?xml version="1.0" encoding="utf-8"?>
 <dsp:drawing xmlns:dgm="http://schemas.openxmlformats.org/drawingml/2006/diagram" xmlns:dsp="http://schemas.microsoft.com/office/drawing/2008/diagram" xmlns:a="http://schemas.openxmlformats.org/drawingml/2006/main">
   <dsp:spTree>
     <dsp:nvGrpSpPr>
@@ -10652,7 +11844,7 @@
 </dsp:drawing>
 </file>
 
-<file path=ppt/diagrams/drawing3.xml><?xml version="1.0" encoding="utf-8"?>
+<file path=ppt/diagrams/drawing4.xml><?xml version="1.0" encoding="utf-8"?>
 <dsp:drawing xmlns:dgm="http://schemas.openxmlformats.org/drawingml/2006/diagram" xmlns:dsp="http://schemas.microsoft.com/office/drawing/2008/diagram" xmlns:a="http://schemas.openxmlformats.org/drawingml/2006/main">
   <dsp:spTree>
     <dsp:nvGrpSpPr>
@@ -10770,7 +11962,7 @@
 </dsp:drawing>
 </file>
 
-<file path=ppt/diagrams/drawing4.xml><?xml version="1.0" encoding="utf-8"?>
+<file path=ppt/diagrams/drawing5.xml><?xml version="1.0" encoding="utf-8"?>
 <dsp:drawing xmlns:dgm="http://schemas.openxmlformats.org/drawingml/2006/diagram" xmlns:dsp="http://schemas.microsoft.com/office/drawing/2008/diagram" xmlns:a="http://schemas.openxmlformats.org/drawingml/2006/main">
   <dsp:spTree>
     <dsp:nvGrpSpPr>
@@ -10881,7 +12073,7 @@
 </dsp:drawing>
 </file>
 
-<file path=ppt/diagrams/drawing5.xml><?xml version="1.0" encoding="utf-8"?>
+<file path=ppt/diagrams/drawing6.xml><?xml version="1.0" encoding="utf-8"?>
 <dsp:drawing xmlns:dgm="http://schemas.openxmlformats.org/drawingml/2006/diagram" xmlns:dsp="http://schemas.microsoft.com/office/drawing/2008/diagram" xmlns:a="http://schemas.openxmlformats.org/drawingml/2006/main">
   <dsp:spTree>
     <dsp:nvGrpSpPr>
@@ -11572,7 +12764,7 @@
 </dsp:drawing>
 </file>
 
-<file path=ppt/diagrams/drawing6.xml><?xml version="1.0" encoding="utf-8"?>
+<file path=ppt/diagrams/drawing7.xml><?xml version="1.0" encoding="utf-8"?>
 <dsp:drawing xmlns:dgm="http://schemas.openxmlformats.org/drawingml/2006/diagram" xmlns:dsp="http://schemas.microsoft.com/office/drawing/2008/diagram" xmlns:a="http://schemas.openxmlformats.org/drawingml/2006/main">
   <dsp:spTree>
     <dsp:nvGrpSpPr>
@@ -11683,7 +12875,7 @@
 </dsp:drawing>
 </file>
 
-<file path=ppt/diagrams/drawing7.xml><?xml version="1.0" encoding="utf-8"?>
+<file path=ppt/diagrams/drawing8.xml><?xml version="1.0" encoding="utf-8"?>
 <dsp:drawing xmlns:dgm="http://schemas.openxmlformats.org/drawingml/2006/diagram" xmlns:dsp="http://schemas.microsoft.com/office/drawing/2008/diagram" xmlns:a="http://schemas.openxmlformats.org/drawingml/2006/main">
   <dsp:spTree>
     <dsp:nvGrpSpPr>
@@ -11801,7 +12993,7 @@
 </dsp:drawing>
 </file>
 
-<file path=ppt/diagrams/drawing8.xml><?xml version="1.0" encoding="utf-8"?>
+<file path=ppt/diagrams/drawing9.xml><?xml version="1.0" encoding="utf-8"?>
 <dsp:drawing xmlns:dgm="http://schemas.openxmlformats.org/drawingml/2006/diagram" xmlns:dsp="http://schemas.microsoft.com/office/drawing/2008/diagram" xmlns:a="http://schemas.openxmlformats.org/drawingml/2006/main">
   <dsp:spTree>
     <dsp:nvGrpSpPr>
@@ -11913,6 +13105,289 @@
 </file>
 
 <file path=ppt/diagrams/layout1.xml><?xml version="1.0" encoding="utf-8"?>
+<dgm:layoutDef xmlns:dgm="http://schemas.openxmlformats.org/drawingml/2006/diagram" xmlns:a="http://schemas.openxmlformats.org/drawingml/2006/main" uniqueId="urn:microsoft.com/office/officeart/2005/8/layout/chevron1">
+  <dgm:title val=""/>
+  <dgm:desc val=""/>
+  <dgm:catLst>
+    <dgm:cat type="process" pri="9000"/>
+  </dgm:catLst>
+  <dgm:sampData useDef="1">
+    <dgm:dataModel>
+      <dgm:ptLst/>
+      <dgm:bg/>
+      <dgm:whole/>
+    </dgm:dataModel>
+  </dgm:sampData>
+  <dgm:styleData>
+    <dgm:dataModel>
+      <dgm:ptLst>
+        <dgm:pt modelId="0" type="doc"/>
+        <dgm:pt modelId="1"/>
+        <dgm:pt modelId="2"/>
+      </dgm:ptLst>
+      <dgm:cxnLst>
+        <dgm:cxn modelId="3" srcId="0" destId="1" srcOrd="0" destOrd="0"/>
+        <dgm:cxn modelId="4" srcId="0" destId="2" srcOrd="1" destOrd="0"/>
+      </dgm:cxnLst>
+      <dgm:bg/>
+      <dgm:whole/>
+    </dgm:dataModel>
+  </dgm:styleData>
+  <dgm:clrData>
+    <dgm:dataModel>
+      <dgm:ptLst>
+        <dgm:pt modelId="0" type="doc"/>
+        <dgm:pt modelId="1"/>
+        <dgm:pt modelId="2"/>
+        <dgm:pt modelId="3"/>
+        <dgm:pt modelId="4"/>
+      </dgm:ptLst>
+      <dgm:cxnLst>
+        <dgm:cxn modelId="5" srcId="0" destId="1" srcOrd="0" destOrd="0"/>
+        <dgm:cxn modelId="6" srcId="0" destId="2" srcOrd="1" destOrd="0"/>
+        <dgm:cxn modelId="7" srcId="0" destId="3" srcOrd="2" destOrd="0"/>
+        <dgm:cxn modelId="8" srcId="0" destId="4" srcOrd="3" destOrd="0"/>
+      </dgm:cxnLst>
+      <dgm:bg/>
+      <dgm:whole/>
+    </dgm:dataModel>
+  </dgm:clrData>
+  <dgm:layoutNode name="Name0">
+    <dgm:varLst>
+      <dgm:dir/>
+      <dgm:animLvl val="lvl"/>
+      <dgm:resizeHandles val="exact"/>
+    </dgm:varLst>
+    <dgm:choose name="Name1">
+      <dgm:if name="Name2" func="var" arg="dir" op="equ" val="norm">
+        <dgm:alg type="lin"/>
+      </dgm:if>
+      <dgm:else name="Name3">
+        <dgm:alg type="lin">
+          <dgm:param type="linDir" val="fromR"/>
+        </dgm:alg>
+      </dgm:else>
+    </dgm:choose>
+    <dgm:shape xmlns:r="http://schemas.openxmlformats.org/officeDocument/2006/relationships" r:blip="">
+      <dgm:adjLst/>
+    </dgm:shape>
+    <dgm:presOf/>
+    <dgm:choose name="Name4">
+      <dgm:if name="Name5" axis="des" func="maxDepth" op="gte" val="2">
+        <dgm:constrLst>
+          <dgm:constr type="h" for="ch" forName="composite" refType="h"/>
+          <dgm:constr type="w" for="ch" forName="composite" refType="w"/>
+          <dgm:constr type="w" for="des" forName="parTx"/>
+          <dgm:constr type="h" for="des" forName="parTx" op="equ"/>
+          <dgm:constr type="w" for="des" forName="desTx"/>
+          <dgm:constr type="h" for="des" forName="desTx" op="equ"/>
+          <dgm:constr type="primFontSz" for="des" forName="parTx" val="65"/>
+          <dgm:constr type="secFontSz" for="des" forName="desTx" refType="primFontSz" refFor="des" refForName="parTx" op="equ"/>
+          <dgm:constr type="h" for="des" forName="parTx" refType="primFontSz" refFor="des" refForName="parTx" fact="1.5"/>
+          <dgm:constr type="h" for="des" forName="desTx" refType="primFontSz" refFor="des" refForName="parTx" fact="0.5"/>
+          <dgm:constr type="w" for="ch" forName="space" op="equ" val="-6"/>
+        </dgm:constrLst>
+        <dgm:ruleLst>
+          <dgm:rule type="w" for="ch" forName="composite" val="0" fact="NaN" max="NaN"/>
+          <dgm:rule type="primFontSz" for="des" forName="parTx" val="5" fact="NaN" max="NaN"/>
+        </dgm:ruleLst>
+        <dgm:forEach name="Name6" axis="ch" ptType="node">
+          <dgm:layoutNode name="composite">
+            <dgm:alg type="composite"/>
+            <dgm:shape xmlns:r="http://schemas.openxmlformats.org/officeDocument/2006/relationships" r:blip="">
+              <dgm:adjLst/>
+            </dgm:shape>
+            <dgm:presOf/>
+            <dgm:choose name="Name7">
+              <dgm:if name="Name8" func="var" arg="dir" op="equ" val="norm">
+                <dgm:constrLst>
+                  <dgm:constr type="l" for="ch" forName="parTx"/>
+                  <dgm:constr type="w" for="ch" forName="parTx" refType="w"/>
+                  <dgm:constr type="t" for="ch" forName="parTx"/>
+                  <dgm:constr type="l" for="ch" forName="desTx"/>
+                  <dgm:constr type="w" for="ch" forName="desTx" refType="w" refFor="ch" refForName="parTx" fact="0.8"/>
+                  <dgm:constr type="t" for="ch" forName="desTx" refType="h" refFor="ch" refForName="parTx" fact="1.125"/>
+                </dgm:constrLst>
+              </dgm:if>
+              <dgm:else name="Name9">
+                <dgm:constrLst>
+                  <dgm:constr type="l" for="ch" forName="parTx"/>
+                  <dgm:constr type="w" for="ch" forName="parTx" refType="w"/>
+                  <dgm:constr type="t" for="ch" forName="parTx"/>
+                  <dgm:constr type="l" for="ch" forName="desTx" refType="w" fact="0.2"/>
+                  <dgm:constr type="w" for="ch" forName="desTx" refType="w" refFor="ch" refForName="parTx" fact="0.8"/>
+                  <dgm:constr type="t" for="ch" forName="desTx" refType="h" refFor="ch" refForName="parTx" fact="1.125"/>
+                </dgm:constrLst>
+              </dgm:else>
+            </dgm:choose>
+            <dgm:ruleLst>
+              <dgm:rule type="h" val="INF" fact="NaN" max="NaN"/>
+            </dgm:ruleLst>
+            <dgm:layoutNode name="parTx">
+              <dgm:varLst>
+                <dgm:chMax val="0"/>
+                <dgm:chPref val="0"/>
+                <dgm:bulletEnabled val="1"/>
+              </dgm:varLst>
+              <dgm:alg type="tx"/>
+              <dgm:choose name="Name10">
+                <dgm:if name="Name11" func="var" arg="dir" op="equ" val="norm">
+                  <dgm:shape xmlns:r="http://schemas.openxmlformats.org/officeDocument/2006/relationships" type="chevron" r:blip="">
+                    <dgm:adjLst/>
+                  </dgm:shape>
+                </dgm:if>
+                <dgm:else name="Name12">
+                  <dgm:shape xmlns:r="http://schemas.openxmlformats.org/officeDocument/2006/relationships" rot="180" type="chevron" r:blip="">
+                    <dgm:adjLst/>
+                  </dgm:shape>
+                </dgm:else>
+              </dgm:choose>
+              <dgm:presOf axis="self" ptType="node"/>
+              <dgm:choose name="Name13">
+                <dgm:if name="Name14" func="var" arg="dir" op="equ" val="norm">
+                  <dgm:constrLst>
+                    <dgm:constr type="h" refType="w" op="lte" fact="0.4"/>
+                    <dgm:constr type="h"/>
+                    <dgm:constr type="tMarg" refType="primFontSz" fact="0.105"/>
+                    <dgm:constr type="bMarg" refType="primFontSz" fact="0.105"/>
+                    <dgm:constr type="lMarg" refType="primFontSz" fact="0.315"/>
+                    <dgm:constr type="rMarg" refType="primFontSz" fact="0.105"/>
+                  </dgm:constrLst>
+                </dgm:if>
+                <dgm:else name="Name15">
+                  <dgm:constrLst>
+                    <dgm:constr type="h" refType="w" op="lte" fact="0.4"/>
+                    <dgm:constr type="h"/>
+                    <dgm:constr type="tMarg" refType="primFontSz" fact="0.105"/>
+                    <dgm:constr type="bMarg" refType="primFontSz" fact="0.105"/>
+                    <dgm:constr type="lMarg" refType="primFontSz" fact="0.105"/>
+                    <dgm:constr type="rMarg" refType="primFontSz" fact="0.315"/>
+                  </dgm:constrLst>
+                </dgm:else>
+              </dgm:choose>
+              <dgm:ruleLst>
+                <dgm:rule type="h" val="INF" fact="NaN" max="NaN"/>
+              </dgm:ruleLst>
+            </dgm:layoutNode>
+            <dgm:layoutNode name="desTx" styleLbl="revTx">
+              <dgm:varLst>
+                <dgm:bulletEnabled val="1"/>
+              </dgm:varLst>
+              <dgm:alg type="tx">
+                <dgm:param type="stBulletLvl" val="1"/>
+              </dgm:alg>
+              <dgm:choose name="Name16">
+                <dgm:if name="Name17" axis="ch" ptType="node" func="cnt" op="gte" val="1">
+                  <dgm:shape xmlns:r="http://schemas.openxmlformats.org/officeDocument/2006/relationships" type="rect" r:blip="">
+                    <dgm:adjLst/>
+                  </dgm:shape>
+                </dgm:if>
+                <dgm:else name="Name18">
+                  <dgm:shape xmlns:r="http://schemas.openxmlformats.org/officeDocument/2006/relationships" type="rect" r:blip="" hideGeom="1">
+                    <dgm:adjLst/>
+                  </dgm:shape>
+                </dgm:else>
+              </dgm:choose>
+              <dgm:presOf axis="des" ptType="node"/>
+              <dgm:constrLst>
+                <dgm:constr type="secFontSz" val="65"/>
+                <dgm:constr type="primFontSz" refType="secFontSz"/>
+                <dgm:constr type="h"/>
+                <dgm:constr type="tMarg"/>
+                <dgm:constr type="bMarg"/>
+                <dgm:constr type="rMarg"/>
+                <dgm:constr type="lMarg"/>
+              </dgm:constrLst>
+              <dgm:ruleLst>
+                <dgm:rule type="h" val="INF" fact="NaN" max="NaN"/>
+              </dgm:ruleLst>
+            </dgm:layoutNode>
+          </dgm:layoutNode>
+          <dgm:forEach name="Name19" axis="followSib" ptType="sibTrans" cnt="1">
+            <dgm:layoutNode name="space">
+              <dgm:alg type="sp"/>
+              <dgm:shape xmlns:r="http://schemas.openxmlformats.org/officeDocument/2006/relationships" r:blip="">
+                <dgm:adjLst/>
+              </dgm:shape>
+              <dgm:presOf/>
+              <dgm:constrLst/>
+              <dgm:ruleLst/>
+            </dgm:layoutNode>
+          </dgm:forEach>
+        </dgm:forEach>
+      </dgm:if>
+      <dgm:else name="Name20">
+        <dgm:constrLst>
+          <dgm:constr type="w" for="ch" forName="parTxOnly" refType="w"/>
+          <dgm:constr type="h" for="des" forName="parTxOnly" op="equ"/>
+          <dgm:constr type="primFontSz" for="des" forName="parTxOnly" op="equ" val="65"/>
+          <dgm:constr type="w" for="ch" forName="parTxOnlySpace" refType="w" refFor="ch" refForName="parTxOnly" fact="-0.1"/>
+        </dgm:constrLst>
+        <dgm:ruleLst/>
+        <dgm:forEach name="Name21" axis="ch" ptType="node">
+          <dgm:layoutNode name="parTxOnly">
+            <dgm:varLst>
+              <dgm:chMax val="0"/>
+              <dgm:chPref val="0"/>
+              <dgm:bulletEnabled val="1"/>
+            </dgm:varLst>
+            <dgm:alg type="tx"/>
+            <dgm:choose name="Name22">
+              <dgm:if name="Name23" func="var" arg="dir" op="equ" val="norm">
+                <dgm:shape xmlns:r="http://schemas.openxmlformats.org/officeDocument/2006/relationships" type="chevron" r:blip="">
+                  <dgm:adjLst/>
+                </dgm:shape>
+              </dgm:if>
+              <dgm:else name="Name24">
+                <dgm:shape xmlns:r="http://schemas.openxmlformats.org/officeDocument/2006/relationships" rot="180" type="chevron" r:blip="">
+                  <dgm:adjLst/>
+                </dgm:shape>
+              </dgm:else>
+            </dgm:choose>
+            <dgm:presOf axis="self" ptType="node"/>
+            <dgm:choose name="Name25">
+              <dgm:if name="Name26" func="var" arg="dir" op="equ" val="norm">
+                <dgm:constrLst>
+                  <dgm:constr type="h" refType="w" op="equ" fact="0.4"/>
+                  <dgm:constr type="tMarg" refType="primFontSz" fact="0.105"/>
+                  <dgm:constr type="bMarg" refType="primFontSz" fact="0.105"/>
+                  <dgm:constr type="lMarg" refType="primFontSz" fact="0.315"/>
+                  <dgm:constr type="rMarg" refType="primFontSz" fact="0.105"/>
+                </dgm:constrLst>
+              </dgm:if>
+              <dgm:else name="Name27">
+                <dgm:constrLst>
+                  <dgm:constr type="h" refType="w" op="equ" fact="0.4"/>
+                  <dgm:constr type="tMarg" refType="primFontSz" fact="0.105"/>
+                  <dgm:constr type="bMarg" refType="primFontSz" fact="0.105"/>
+                  <dgm:constr type="lMarg" refType="primFontSz" fact="0.105"/>
+                  <dgm:constr type="rMarg" refType="primFontSz" fact="0.315"/>
+                </dgm:constrLst>
+              </dgm:else>
+            </dgm:choose>
+            <dgm:ruleLst>
+              <dgm:rule type="primFontSz" val="5" fact="NaN" max="NaN"/>
+            </dgm:ruleLst>
+          </dgm:layoutNode>
+          <dgm:forEach name="Name28" axis="followSib" ptType="sibTrans" cnt="1">
+            <dgm:layoutNode name="parTxOnlySpace">
+              <dgm:alg type="sp"/>
+              <dgm:shape xmlns:r="http://schemas.openxmlformats.org/officeDocument/2006/relationships" r:blip="">
+                <dgm:adjLst/>
+              </dgm:shape>
+              <dgm:presOf/>
+              <dgm:constrLst/>
+              <dgm:ruleLst/>
+            </dgm:layoutNode>
+          </dgm:forEach>
+        </dgm:forEach>
+      </dgm:else>
+    </dgm:choose>
+  </dgm:layoutNode>
+</dgm:layoutDef>
+</file>
+
+<file path=ppt/diagrams/layout2.xml><?xml version="1.0" encoding="utf-8"?>
 <dgm:layoutDef xmlns:dgm="http://schemas.openxmlformats.org/drawingml/2006/diagram" xmlns:a="http://schemas.openxmlformats.org/drawingml/2006/main" uniqueId="urn:microsoft.com/office/officeart/2008/layout/HorizontalMultiLevelHierarchy">
   <dgm:title val=""/>
   <dgm:desc val=""/>
@@ -12231,289 +13706,6 @@
         </dgm:layoutNode>
       </dgm:forEach>
     </dgm:forEach>
-  </dgm:layoutNode>
-</dgm:layoutDef>
-</file>
-
-<file path=ppt/diagrams/layout2.xml><?xml version="1.0" encoding="utf-8"?>
-<dgm:layoutDef xmlns:dgm="http://schemas.openxmlformats.org/drawingml/2006/diagram" xmlns:a="http://schemas.openxmlformats.org/drawingml/2006/main" uniqueId="urn:microsoft.com/office/officeart/2005/8/layout/chevron1">
-  <dgm:title val=""/>
-  <dgm:desc val=""/>
-  <dgm:catLst>
-    <dgm:cat type="process" pri="9000"/>
-  </dgm:catLst>
-  <dgm:sampData useDef="1">
-    <dgm:dataModel>
-      <dgm:ptLst/>
-      <dgm:bg/>
-      <dgm:whole/>
-    </dgm:dataModel>
-  </dgm:sampData>
-  <dgm:styleData>
-    <dgm:dataModel>
-      <dgm:ptLst>
-        <dgm:pt modelId="0" type="doc"/>
-        <dgm:pt modelId="1"/>
-        <dgm:pt modelId="2"/>
-      </dgm:ptLst>
-      <dgm:cxnLst>
-        <dgm:cxn modelId="3" srcId="0" destId="1" srcOrd="0" destOrd="0"/>
-        <dgm:cxn modelId="4" srcId="0" destId="2" srcOrd="1" destOrd="0"/>
-      </dgm:cxnLst>
-      <dgm:bg/>
-      <dgm:whole/>
-    </dgm:dataModel>
-  </dgm:styleData>
-  <dgm:clrData>
-    <dgm:dataModel>
-      <dgm:ptLst>
-        <dgm:pt modelId="0" type="doc"/>
-        <dgm:pt modelId="1"/>
-        <dgm:pt modelId="2"/>
-        <dgm:pt modelId="3"/>
-        <dgm:pt modelId="4"/>
-      </dgm:ptLst>
-      <dgm:cxnLst>
-        <dgm:cxn modelId="5" srcId="0" destId="1" srcOrd="0" destOrd="0"/>
-        <dgm:cxn modelId="6" srcId="0" destId="2" srcOrd="1" destOrd="0"/>
-        <dgm:cxn modelId="7" srcId="0" destId="3" srcOrd="2" destOrd="0"/>
-        <dgm:cxn modelId="8" srcId="0" destId="4" srcOrd="3" destOrd="0"/>
-      </dgm:cxnLst>
-      <dgm:bg/>
-      <dgm:whole/>
-    </dgm:dataModel>
-  </dgm:clrData>
-  <dgm:layoutNode name="Name0">
-    <dgm:varLst>
-      <dgm:dir/>
-      <dgm:animLvl val="lvl"/>
-      <dgm:resizeHandles val="exact"/>
-    </dgm:varLst>
-    <dgm:choose name="Name1">
-      <dgm:if name="Name2" func="var" arg="dir" op="equ" val="norm">
-        <dgm:alg type="lin"/>
-      </dgm:if>
-      <dgm:else name="Name3">
-        <dgm:alg type="lin">
-          <dgm:param type="linDir" val="fromR"/>
-        </dgm:alg>
-      </dgm:else>
-    </dgm:choose>
-    <dgm:shape xmlns:r="http://schemas.openxmlformats.org/officeDocument/2006/relationships" r:blip="">
-      <dgm:adjLst/>
-    </dgm:shape>
-    <dgm:presOf/>
-    <dgm:choose name="Name4">
-      <dgm:if name="Name5" axis="des" func="maxDepth" op="gte" val="2">
-        <dgm:constrLst>
-          <dgm:constr type="h" for="ch" forName="composite" refType="h"/>
-          <dgm:constr type="w" for="ch" forName="composite" refType="w"/>
-          <dgm:constr type="w" for="des" forName="parTx"/>
-          <dgm:constr type="h" for="des" forName="parTx" op="equ"/>
-          <dgm:constr type="w" for="des" forName="desTx"/>
-          <dgm:constr type="h" for="des" forName="desTx" op="equ"/>
-          <dgm:constr type="primFontSz" for="des" forName="parTx" val="65"/>
-          <dgm:constr type="secFontSz" for="des" forName="desTx" refType="primFontSz" refFor="des" refForName="parTx" op="equ"/>
-          <dgm:constr type="h" for="des" forName="parTx" refType="primFontSz" refFor="des" refForName="parTx" fact="1.5"/>
-          <dgm:constr type="h" for="des" forName="desTx" refType="primFontSz" refFor="des" refForName="parTx" fact="0.5"/>
-          <dgm:constr type="w" for="ch" forName="space" op="equ" val="-6"/>
-        </dgm:constrLst>
-        <dgm:ruleLst>
-          <dgm:rule type="w" for="ch" forName="composite" val="0" fact="NaN" max="NaN"/>
-          <dgm:rule type="primFontSz" for="des" forName="parTx" val="5" fact="NaN" max="NaN"/>
-        </dgm:ruleLst>
-        <dgm:forEach name="Name6" axis="ch" ptType="node">
-          <dgm:layoutNode name="composite">
-            <dgm:alg type="composite"/>
-            <dgm:shape xmlns:r="http://schemas.openxmlformats.org/officeDocument/2006/relationships" r:blip="">
-              <dgm:adjLst/>
-            </dgm:shape>
-            <dgm:presOf/>
-            <dgm:choose name="Name7">
-              <dgm:if name="Name8" func="var" arg="dir" op="equ" val="norm">
-                <dgm:constrLst>
-                  <dgm:constr type="l" for="ch" forName="parTx"/>
-                  <dgm:constr type="w" for="ch" forName="parTx" refType="w"/>
-                  <dgm:constr type="t" for="ch" forName="parTx"/>
-                  <dgm:constr type="l" for="ch" forName="desTx"/>
-                  <dgm:constr type="w" for="ch" forName="desTx" refType="w" refFor="ch" refForName="parTx" fact="0.8"/>
-                  <dgm:constr type="t" for="ch" forName="desTx" refType="h" refFor="ch" refForName="parTx" fact="1.125"/>
-                </dgm:constrLst>
-              </dgm:if>
-              <dgm:else name="Name9">
-                <dgm:constrLst>
-                  <dgm:constr type="l" for="ch" forName="parTx"/>
-                  <dgm:constr type="w" for="ch" forName="parTx" refType="w"/>
-                  <dgm:constr type="t" for="ch" forName="parTx"/>
-                  <dgm:constr type="l" for="ch" forName="desTx" refType="w" fact="0.2"/>
-                  <dgm:constr type="w" for="ch" forName="desTx" refType="w" refFor="ch" refForName="parTx" fact="0.8"/>
-                  <dgm:constr type="t" for="ch" forName="desTx" refType="h" refFor="ch" refForName="parTx" fact="1.125"/>
-                </dgm:constrLst>
-              </dgm:else>
-            </dgm:choose>
-            <dgm:ruleLst>
-              <dgm:rule type="h" val="INF" fact="NaN" max="NaN"/>
-            </dgm:ruleLst>
-            <dgm:layoutNode name="parTx">
-              <dgm:varLst>
-                <dgm:chMax val="0"/>
-                <dgm:chPref val="0"/>
-                <dgm:bulletEnabled val="1"/>
-              </dgm:varLst>
-              <dgm:alg type="tx"/>
-              <dgm:choose name="Name10">
-                <dgm:if name="Name11" func="var" arg="dir" op="equ" val="norm">
-                  <dgm:shape xmlns:r="http://schemas.openxmlformats.org/officeDocument/2006/relationships" type="chevron" r:blip="">
-                    <dgm:adjLst/>
-                  </dgm:shape>
-                </dgm:if>
-                <dgm:else name="Name12">
-                  <dgm:shape xmlns:r="http://schemas.openxmlformats.org/officeDocument/2006/relationships" rot="180" type="chevron" r:blip="">
-                    <dgm:adjLst/>
-                  </dgm:shape>
-                </dgm:else>
-              </dgm:choose>
-              <dgm:presOf axis="self" ptType="node"/>
-              <dgm:choose name="Name13">
-                <dgm:if name="Name14" func="var" arg="dir" op="equ" val="norm">
-                  <dgm:constrLst>
-                    <dgm:constr type="h" refType="w" op="lte" fact="0.4"/>
-                    <dgm:constr type="h"/>
-                    <dgm:constr type="tMarg" refType="primFontSz" fact="0.105"/>
-                    <dgm:constr type="bMarg" refType="primFontSz" fact="0.105"/>
-                    <dgm:constr type="lMarg" refType="primFontSz" fact="0.315"/>
-                    <dgm:constr type="rMarg" refType="primFontSz" fact="0.105"/>
-                  </dgm:constrLst>
-                </dgm:if>
-                <dgm:else name="Name15">
-                  <dgm:constrLst>
-                    <dgm:constr type="h" refType="w" op="lte" fact="0.4"/>
-                    <dgm:constr type="h"/>
-                    <dgm:constr type="tMarg" refType="primFontSz" fact="0.105"/>
-                    <dgm:constr type="bMarg" refType="primFontSz" fact="0.105"/>
-                    <dgm:constr type="lMarg" refType="primFontSz" fact="0.105"/>
-                    <dgm:constr type="rMarg" refType="primFontSz" fact="0.315"/>
-                  </dgm:constrLst>
-                </dgm:else>
-              </dgm:choose>
-              <dgm:ruleLst>
-                <dgm:rule type="h" val="INF" fact="NaN" max="NaN"/>
-              </dgm:ruleLst>
-            </dgm:layoutNode>
-            <dgm:layoutNode name="desTx" styleLbl="revTx">
-              <dgm:varLst>
-                <dgm:bulletEnabled val="1"/>
-              </dgm:varLst>
-              <dgm:alg type="tx">
-                <dgm:param type="stBulletLvl" val="1"/>
-              </dgm:alg>
-              <dgm:choose name="Name16">
-                <dgm:if name="Name17" axis="ch" ptType="node" func="cnt" op="gte" val="1">
-                  <dgm:shape xmlns:r="http://schemas.openxmlformats.org/officeDocument/2006/relationships" type="rect" r:blip="">
-                    <dgm:adjLst/>
-                  </dgm:shape>
-                </dgm:if>
-                <dgm:else name="Name18">
-                  <dgm:shape xmlns:r="http://schemas.openxmlformats.org/officeDocument/2006/relationships" type="rect" r:blip="" hideGeom="1">
-                    <dgm:adjLst/>
-                  </dgm:shape>
-                </dgm:else>
-              </dgm:choose>
-              <dgm:presOf axis="des" ptType="node"/>
-              <dgm:constrLst>
-                <dgm:constr type="secFontSz" val="65"/>
-                <dgm:constr type="primFontSz" refType="secFontSz"/>
-                <dgm:constr type="h"/>
-                <dgm:constr type="tMarg"/>
-                <dgm:constr type="bMarg"/>
-                <dgm:constr type="rMarg"/>
-                <dgm:constr type="lMarg"/>
-              </dgm:constrLst>
-              <dgm:ruleLst>
-                <dgm:rule type="h" val="INF" fact="NaN" max="NaN"/>
-              </dgm:ruleLst>
-            </dgm:layoutNode>
-          </dgm:layoutNode>
-          <dgm:forEach name="Name19" axis="followSib" ptType="sibTrans" cnt="1">
-            <dgm:layoutNode name="space">
-              <dgm:alg type="sp"/>
-              <dgm:shape xmlns:r="http://schemas.openxmlformats.org/officeDocument/2006/relationships" r:blip="">
-                <dgm:adjLst/>
-              </dgm:shape>
-              <dgm:presOf/>
-              <dgm:constrLst/>
-              <dgm:ruleLst/>
-            </dgm:layoutNode>
-          </dgm:forEach>
-        </dgm:forEach>
-      </dgm:if>
-      <dgm:else name="Name20">
-        <dgm:constrLst>
-          <dgm:constr type="w" for="ch" forName="parTxOnly" refType="w"/>
-          <dgm:constr type="h" for="des" forName="parTxOnly" op="equ"/>
-          <dgm:constr type="primFontSz" for="des" forName="parTxOnly" op="equ" val="65"/>
-          <dgm:constr type="w" for="ch" forName="parTxOnlySpace" refType="w" refFor="ch" refForName="parTxOnly" fact="-0.1"/>
-        </dgm:constrLst>
-        <dgm:ruleLst/>
-        <dgm:forEach name="Name21" axis="ch" ptType="node">
-          <dgm:layoutNode name="parTxOnly">
-            <dgm:varLst>
-              <dgm:chMax val="0"/>
-              <dgm:chPref val="0"/>
-              <dgm:bulletEnabled val="1"/>
-            </dgm:varLst>
-            <dgm:alg type="tx"/>
-            <dgm:choose name="Name22">
-              <dgm:if name="Name23" func="var" arg="dir" op="equ" val="norm">
-                <dgm:shape xmlns:r="http://schemas.openxmlformats.org/officeDocument/2006/relationships" type="chevron" r:blip="">
-                  <dgm:adjLst/>
-                </dgm:shape>
-              </dgm:if>
-              <dgm:else name="Name24">
-                <dgm:shape xmlns:r="http://schemas.openxmlformats.org/officeDocument/2006/relationships" rot="180" type="chevron" r:blip="">
-                  <dgm:adjLst/>
-                </dgm:shape>
-              </dgm:else>
-            </dgm:choose>
-            <dgm:presOf axis="self" ptType="node"/>
-            <dgm:choose name="Name25">
-              <dgm:if name="Name26" func="var" arg="dir" op="equ" val="norm">
-                <dgm:constrLst>
-                  <dgm:constr type="h" refType="w" op="equ" fact="0.4"/>
-                  <dgm:constr type="tMarg" refType="primFontSz" fact="0.105"/>
-                  <dgm:constr type="bMarg" refType="primFontSz" fact="0.105"/>
-                  <dgm:constr type="lMarg" refType="primFontSz" fact="0.315"/>
-                  <dgm:constr type="rMarg" refType="primFontSz" fact="0.105"/>
-                </dgm:constrLst>
-              </dgm:if>
-              <dgm:else name="Name27">
-                <dgm:constrLst>
-                  <dgm:constr type="h" refType="w" op="equ" fact="0.4"/>
-                  <dgm:constr type="tMarg" refType="primFontSz" fact="0.105"/>
-                  <dgm:constr type="bMarg" refType="primFontSz" fact="0.105"/>
-                  <dgm:constr type="lMarg" refType="primFontSz" fact="0.105"/>
-                  <dgm:constr type="rMarg" refType="primFontSz" fact="0.315"/>
-                </dgm:constrLst>
-              </dgm:else>
-            </dgm:choose>
-            <dgm:ruleLst>
-              <dgm:rule type="primFontSz" val="5" fact="NaN" max="NaN"/>
-            </dgm:ruleLst>
-          </dgm:layoutNode>
-          <dgm:forEach name="Name28" axis="followSib" ptType="sibTrans" cnt="1">
-            <dgm:layoutNode name="parTxOnlySpace">
-              <dgm:alg type="sp"/>
-              <dgm:shape xmlns:r="http://schemas.openxmlformats.org/officeDocument/2006/relationships" r:blip="">
-                <dgm:adjLst/>
-              </dgm:shape>
-              <dgm:presOf/>
-              <dgm:constrLst/>
-              <dgm:ruleLst/>
-            </dgm:layoutNode>
-          </dgm:forEach>
-        </dgm:forEach>
-      </dgm:else>
-    </dgm:choose>
   </dgm:layoutNode>
 </dgm:layoutDef>
 </file>
@@ -13085,262 +14277,6 @@
 </file>
 
 <file path=ppt/diagrams/layout5.xml><?xml version="1.0" encoding="utf-8"?>
-<dgm:layoutDef xmlns:dgm="http://schemas.openxmlformats.org/drawingml/2006/diagram" xmlns:a="http://schemas.openxmlformats.org/drawingml/2006/main" uniqueId="urn:microsoft.com/office/officeart/2005/8/layout/chevron2">
-  <dgm:title val=""/>
-  <dgm:desc val=""/>
-  <dgm:catLst>
-    <dgm:cat type="process" pri="12000"/>
-    <dgm:cat type="list" pri="16000"/>
-    <dgm:cat type="convert" pri="11000"/>
-  </dgm:catLst>
-  <dgm:sampData>
-    <dgm:dataModel>
-      <dgm:ptLst>
-        <dgm:pt modelId="0" type="doc"/>
-        <dgm:pt modelId="1">
-          <dgm:prSet phldr="1"/>
-        </dgm:pt>
-        <dgm:pt modelId="11">
-          <dgm:prSet phldr="1"/>
-        </dgm:pt>
-        <dgm:pt modelId="12">
-          <dgm:prSet phldr="1"/>
-        </dgm:pt>
-        <dgm:pt modelId="2">
-          <dgm:prSet phldr="1"/>
-        </dgm:pt>
-        <dgm:pt modelId="21">
-          <dgm:prSet phldr="1"/>
-        </dgm:pt>
-        <dgm:pt modelId="22">
-          <dgm:prSet phldr="1"/>
-        </dgm:pt>
-        <dgm:pt modelId="3">
-          <dgm:prSet phldr="1"/>
-        </dgm:pt>
-        <dgm:pt modelId="31">
-          <dgm:prSet phldr="1"/>
-        </dgm:pt>
-        <dgm:pt modelId="32">
-          <dgm:prSet phldr="1"/>
-        </dgm:pt>
-      </dgm:ptLst>
-      <dgm:cxnLst>
-        <dgm:cxn modelId="4" srcId="0" destId="1" srcOrd="0" destOrd="0"/>
-        <dgm:cxn modelId="5" srcId="0" destId="2" srcOrd="1" destOrd="0"/>
-        <dgm:cxn modelId="6" srcId="0" destId="3" srcOrd="2" destOrd="0"/>
-        <dgm:cxn modelId="13" srcId="1" destId="11" srcOrd="0" destOrd="0"/>
-        <dgm:cxn modelId="14" srcId="1" destId="12" srcOrd="1" destOrd="0"/>
-        <dgm:cxn modelId="23" srcId="2" destId="21" srcOrd="0" destOrd="0"/>
-        <dgm:cxn modelId="24" srcId="2" destId="22" srcOrd="1" destOrd="0"/>
-        <dgm:cxn modelId="33" srcId="3" destId="31" srcOrd="0" destOrd="0"/>
-        <dgm:cxn modelId="34" srcId="3" destId="32" srcOrd="1" destOrd="0"/>
-      </dgm:cxnLst>
-      <dgm:bg/>
-      <dgm:whole/>
-    </dgm:dataModel>
-  </dgm:sampData>
-  <dgm:styleData>
-    <dgm:dataModel>
-      <dgm:ptLst>
-        <dgm:pt modelId="0" type="doc"/>
-        <dgm:pt modelId="1"/>
-      </dgm:ptLst>
-      <dgm:cxnLst>
-        <dgm:cxn modelId="4" srcId="0" destId="1" srcOrd="0" destOrd="0"/>
-      </dgm:cxnLst>
-      <dgm:bg/>
-      <dgm:whole/>
-    </dgm:dataModel>
-  </dgm:styleData>
-  <dgm:clrData>
-    <dgm:dataModel>
-      <dgm:ptLst>
-        <dgm:pt modelId="0" type="doc"/>
-        <dgm:pt modelId="1"/>
-        <dgm:pt modelId="11"/>
-        <dgm:pt modelId="2"/>
-        <dgm:pt modelId="21"/>
-        <dgm:pt modelId="3"/>
-        <dgm:pt modelId="31"/>
-        <dgm:pt modelId="4"/>
-        <dgm:pt modelId="41"/>
-      </dgm:ptLst>
-      <dgm:cxnLst>
-        <dgm:cxn modelId="5" srcId="0" destId="1" srcOrd="0" destOrd="0"/>
-        <dgm:cxn modelId="6" srcId="0" destId="2" srcOrd="1" destOrd="0"/>
-        <dgm:cxn modelId="7" srcId="0" destId="3" srcOrd="2" destOrd="0"/>
-        <dgm:cxn modelId="8" srcId="0" destId="4" srcOrd="3" destOrd="0"/>
-        <dgm:cxn modelId="13" srcId="1" destId="11" srcOrd="0" destOrd="0"/>
-        <dgm:cxn modelId="23" srcId="2" destId="21" srcOrd="0" destOrd="0"/>
-        <dgm:cxn modelId="33" srcId="3" destId="31" srcOrd="0" destOrd="0"/>
-        <dgm:cxn modelId="43" srcId="4" destId="41" srcOrd="0" destOrd="0"/>
-      </dgm:cxnLst>
-      <dgm:bg/>
-      <dgm:whole/>
-    </dgm:dataModel>
-  </dgm:clrData>
-  <dgm:layoutNode name="linearFlow">
-    <dgm:varLst>
-      <dgm:dir/>
-      <dgm:animLvl val="lvl"/>
-      <dgm:resizeHandles val="exact"/>
-    </dgm:varLst>
-    <dgm:alg type="lin">
-      <dgm:param type="linDir" val="fromT"/>
-      <dgm:param type="nodeHorzAlign" val="l"/>
-    </dgm:alg>
-    <dgm:shape xmlns:r="http://schemas.openxmlformats.org/officeDocument/2006/relationships" r:blip="">
-      <dgm:adjLst/>
-    </dgm:shape>
-    <dgm:presOf/>
-    <dgm:constrLst>
-      <dgm:constr type="h" for="ch" forName="composite" refType="h"/>
-      <dgm:constr type="w" for="ch" forName="composite" refType="w"/>
-      <dgm:constr type="h" for="des" forName="parentText" op="equ"/>
-      <dgm:constr type="h" for="ch" forName="sp" val="-14.88"/>
-      <dgm:constr type="h" for="ch" forName="sp" refType="w" refFor="des" refForName="parentText" op="gte" fact="-0.3"/>
-      <dgm:constr type="primFontSz" for="des" forName="parentText" op="equ" val="65"/>
-      <dgm:constr type="primFontSz" for="des" forName="descendantText" op="equ" val="65"/>
-    </dgm:constrLst>
-    <dgm:ruleLst/>
-    <dgm:forEach name="Name0" axis="ch" ptType="node">
-      <dgm:layoutNode name="composite">
-        <dgm:alg type="composite"/>
-        <dgm:shape xmlns:r="http://schemas.openxmlformats.org/officeDocument/2006/relationships" r:blip="">
-          <dgm:adjLst/>
-        </dgm:shape>
-        <dgm:presOf/>
-        <dgm:choose name="Name1">
-          <dgm:if name="Name2" func="var" arg="dir" op="equ" val="norm">
-            <dgm:constrLst>
-              <dgm:constr type="t" for="ch" forName="parentText"/>
-              <dgm:constr type="l" for="ch" forName="parentText"/>
-              <dgm:constr type="w" for="ch" forName="parentText" refType="w" fact="0.4"/>
-              <dgm:constr type="h" for="ch" forName="parentText" refType="h"/>
-              <dgm:constr type="w" for="ch" forName="parentText" refType="w" op="lte" fact="0.5"/>
-              <dgm:constr type="w" for="ch" forName="parentText" refType="h" refFor="ch" refForName="parentText" op="lte" fact="0.7"/>
-              <dgm:constr type="h" for="ch" forName="parentText" refType="w" refFor="ch" refForName="parentText" op="lte" fact="3"/>
-              <dgm:constr type="l" for="ch" forName="descendantText" refType="w" refFor="ch" refForName="parentText"/>
-              <dgm:constr type="w" for="ch" forName="descendantText" refType="w"/>
-              <dgm:constr type="wOff" for="ch" forName="descendantText" refType="w" refFor="ch" refForName="parentText" fact="-1"/>
-              <dgm:constr type="t" for="ch" forName="descendantText"/>
-              <dgm:constr type="b" for="ch" forName="descendantText" refType="h" refFor="ch" refForName="parentText"/>
-              <dgm:constr type="bOff" for="ch" forName="descendantText" refType="w" refFor="ch" refForName="parentText" fact="-0.5"/>
-            </dgm:constrLst>
-          </dgm:if>
-          <dgm:else name="Name3">
-            <dgm:constrLst>
-              <dgm:constr type="t" for="ch" forName="parentText"/>
-              <dgm:constr type="r" for="ch" forName="parentText" refType="w"/>
-              <dgm:constr type="w" for="ch" forName="parentText" refType="w" fact="0.4"/>
-              <dgm:constr type="h" for="ch" forName="parentText" refType="h"/>
-              <dgm:constr type="w" for="ch" forName="parentText" refType="w" op="lte" fact="0.5"/>
-              <dgm:constr type="w" for="ch" forName="parentText" refType="h" refFor="ch" refForName="parentText" op="lte" fact="0.7"/>
-              <dgm:constr type="h" for="ch" forName="parentText" refType="w" refFor="ch" refForName="parentText" op="lte" fact="3"/>
-              <dgm:constr type="l" for="ch" forName="descendantText"/>
-              <dgm:constr type="w" for="ch" forName="descendantText" refType="w"/>
-              <dgm:constr type="wOff" for="ch" forName="descendantText" refType="w" refFor="ch" refForName="parentText" fact="-1"/>
-              <dgm:constr type="t" for="ch" forName="descendantText"/>
-              <dgm:constr type="b" for="ch" forName="descendantText" refType="h" refFor="ch" refForName="parentText"/>
-              <dgm:constr type="bOff" for="ch" forName="descendantText" refType="w" refFor="ch" refForName="parentText" fact="-0.5"/>
-            </dgm:constrLst>
-          </dgm:else>
-        </dgm:choose>
-        <dgm:ruleLst/>
-        <dgm:layoutNode name="parentText" styleLbl="alignNode1">
-          <dgm:varLst>
-            <dgm:chMax val="1"/>
-            <dgm:bulletEnabled val="1"/>
-          </dgm:varLst>
-          <dgm:alg type="tx"/>
-          <dgm:shape xmlns:r="http://schemas.openxmlformats.org/officeDocument/2006/relationships" rot="90" type="chevron" r:blip="">
-            <dgm:adjLst/>
-          </dgm:shape>
-          <dgm:presOf axis="self" ptType="node"/>
-          <dgm:constrLst>
-            <dgm:constr type="lMarg" refType="primFontSz" fact="0.05"/>
-            <dgm:constr type="rMarg" refType="primFontSz" fact="0.05"/>
-            <dgm:constr type="tMarg" refType="primFontSz" fact="0.05"/>
-            <dgm:constr type="bMarg" refType="primFontSz" fact="0.05"/>
-          </dgm:constrLst>
-          <dgm:ruleLst>
-            <dgm:rule type="h" val="100" fact="NaN" max="NaN"/>
-            <dgm:rule type="primFontSz" val="24" fact="NaN" max="NaN"/>
-            <dgm:rule type="h" val="110" fact="NaN" max="NaN"/>
-            <dgm:rule type="primFontSz" val="18" fact="NaN" max="NaN"/>
-            <dgm:rule type="h" val="INF" fact="NaN" max="NaN"/>
-            <dgm:rule type="primFontSz" val="5" fact="NaN" max="NaN"/>
-          </dgm:ruleLst>
-        </dgm:layoutNode>
-        <dgm:layoutNode name="descendantText" styleLbl="alignAcc1">
-          <dgm:varLst>
-            <dgm:bulletEnabled val="1"/>
-          </dgm:varLst>
-          <dgm:choose name="Name4">
-            <dgm:if name="Name5" func="var" arg="dir" op="equ" val="norm">
-              <dgm:alg type="tx">
-                <dgm:param type="stBulletLvl" val="1"/>
-                <dgm:param type="txAnchorVertCh" val="mid"/>
-              </dgm:alg>
-              <dgm:shape xmlns:r="http://schemas.openxmlformats.org/officeDocument/2006/relationships" rot="90" type="round2SameRect" r:blip="">
-                <dgm:adjLst/>
-              </dgm:shape>
-            </dgm:if>
-            <dgm:else name="Name6">
-              <dgm:alg type="tx">
-                <dgm:param type="stBulletLvl" val="1"/>
-                <dgm:param type="txAnchorVertCh" val="mid"/>
-              </dgm:alg>
-              <dgm:shape xmlns:r="http://schemas.openxmlformats.org/officeDocument/2006/relationships" rot="-90" type="round2SameRect" r:blip="">
-                <dgm:adjLst/>
-              </dgm:shape>
-            </dgm:else>
-          </dgm:choose>
-          <dgm:presOf axis="des" ptType="node"/>
-          <dgm:choose name="Name7">
-            <dgm:if name="Name8" func="var" arg="dir" op="equ" val="norm">
-              <dgm:constrLst>
-                <dgm:constr type="secFontSz" refType="primFontSz"/>
-                <dgm:constr type="tMarg" refType="primFontSz" fact="0.05"/>
-                <dgm:constr type="bMarg" refType="primFontSz" fact="0.05"/>
-                <dgm:constr type="rMarg" refType="primFontSz" fact="0.05"/>
-              </dgm:constrLst>
-            </dgm:if>
-            <dgm:else name="Name9">
-              <dgm:constrLst>
-                <dgm:constr type="secFontSz" refType="primFontSz"/>
-                <dgm:constr type="tMarg" refType="primFontSz" fact="0.05"/>
-                <dgm:constr type="bMarg" refType="primFontSz" fact="0.05"/>
-                <dgm:constr type="lMarg" refType="primFontSz" fact="0.05"/>
-              </dgm:constrLst>
-            </dgm:else>
-          </dgm:choose>
-          <dgm:ruleLst>
-            <dgm:rule type="primFontSz" val="5" fact="NaN" max="NaN"/>
-          </dgm:ruleLst>
-        </dgm:layoutNode>
-      </dgm:layoutNode>
-      <dgm:forEach name="Name10" axis="followSib" ptType="sibTrans" cnt="1">
-        <dgm:layoutNode name="sp">
-          <dgm:alg type="sp"/>
-          <dgm:shape xmlns:r="http://schemas.openxmlformats.org/officeDocument/2006/relationships" r:blip="">
-            <dgm:adjLst/>
-          </dgm:shape>
-          <dgm:presOf axis="self"/>
-          <dgm:constrLst>
-            <dgm:constr type="w" val="1"/>
-            <dgm:constr type="h" val="37.5"/>
-          </dgm:constrLst>
-          <dgm:ruleLst/>
-        </dgm:layoutNode>
-      </dgm:forEach>
-    </dgm:forEach>
-  </dgm:layoutNode>
-</dgm:layoutDef>
-</file>
-
-<file path=ppt/diagrams/layout6.xml><?xml version="1.0" encoding="utf-8"?>
 <dgm:layoutDef xmlns:dgm="http://schemas.openxmlformats.org/drawingml/2006/diagram" xmlns:a="http://schemas.openxmlformats.org/drawingml/2006/main" uniqueId="urn:microsoft.com/office/officeart/2005/8/layout/chevron1">
   <dgm:title val=""/>
   <dgm:desc val=""/>
@@ -13619,6 +14555,262 @@
         </dgm:forEach>
       </dgm:else>
     </dgm:choose>
+  </dgm:layoutNode>
+</dgm:layoutDef>
+</file>
+
+<file path=ppt/diagrams/layout6.xml><?xml version="1.0" encoding="utf-8"?>
+<dgm:layoutDef xmlns:dgm="http://schemas.openxmlformats.org/drawingml/2006/diagram" xmlns:a="http://schemas.openxmlformats.org/drawingml/2006/main" uniqueId="urn:microsoft.com/office/officeart/2005/8/layout/chevron2">
+  <dgm:title val=""/>
+  <dgm:desc val=""/>
+  <dgm:catLst>
+    <dgm:cat type="process" pri="12000"/>
+    <dgm:cat type="list" pri="16000"/>
+    <dgm:cat type="convert" pri="11000"/>
+  </dgm:catLst>
+  <dgm:sampData>
+    <dgm:dataModel>
+      <dgm:ptLst>
+        <dgm:pt modelId="0" type="doc"/>
+        <dgm:pt modelId="1">
+          <dgm:prSet phldr="1"/>
+        </dgm:pt>
+        <dgm:pt modelId="11">
+          <dgm:prSet phldr="1"/>
+        </dgm:pt>
+        <dgm:pt modelId="12">
+          <dgm:prSet phldr="1"/>
+        </dgm:pt>
+        <dgm:pt modelId="2">
+          <dgm:prSet phldr="1"/>
+        </dgm:pt>
+        <dgm:pt modelId="21">
+          <dgm:prSet phldr="1"/>
+        </dgm:pt>
+        <dgm:pt modelId="22">
+          <dgm:prSet phldr="1"/>
+        </dgm:pt>
+        <dgm:pt modelId="3">
+          <dgm:prSet phldr="1"/>
+        </dgm:pt>
+        <dgm:pt modelId="31">
+          <dgm:prSet phldr="1"/>
+        </dgm:pt>
+        <dgm:pt modelId="32">
+          <dgm:prSet phldr="1"/>
+        </dgm:pt>
+      </dgm:ptLst>
+      <dgm:cxnLst>
+        <dgm:cxn modelId="4" srcId="0" destId="1" srcOrd="0" destOrd="0"/>
+        <dgm:cxn modelId="5" srcId="0" destId="2" srcOrd="1" destOrd="0"/>
+        <dgm:cxn modelId="6" srcId="0" destId="3" srcOrd="2" destOrd="0"/>
+        <dgm:cxn modelId="13" srcId="1" destId="11" srcOrd="0" destOrd="0"/>
+        <dgm:cxn modelId="14" srcId="1" destId="12" srcOrd="1" destOrd="0"/>
+        <dgm:cxn modelId="23" srcId="2" destId="21" srcOrd="0" destOrd="0"/>
+        <dgm:cxn modelId="24" srcId="2" destId="22" srcOrd="1" destOrd="0"/>
+        <dgm:cxn modelId="33" srcId="3" destId="31" srcOrd="0" destOrd="0"/>
+        <dgm:cxn modelId="34" srcId="3" destId="32" srcOrd="1" destOrd="0"/>
+      </dgm:cxnLst>
+      <dgm:bg/>
+      <dgm:whole/>
+    </dgm:dataModel>
+  </dgm:sampData>
+  <dgm:styleData>
+    <dgm:dataModel>
+      <dgm:ptLst>
+        <dgm:pt modelId="0" type="doc"/>
+        <dgm:pt modelId="1"/>
+      </dgm:ptLst>
+      <dgm:cxnLst>
+        <dgm:cxn modelId="4" srcId="0" destId="1" srcOrd="0" destOrd="0"/>
+      </dgm:cxnLst>
+      <dgm:bg/>
+      <dgm:whole/>
+    </dgm:dataModel>
+  </dgm:styleData>
+  <dgm:clrData>
+    <dgm:dataModel>
+      <dgm:ptLst>
+        <dgm:pt modelId="0" type="doc"/>
+        <dgm:pt modelId="1"/>
+        <dgm:pt modelId="11"/>
+        <dgm:pt modelId="2"/>
+        <dgm:pt modelId="21"/>
+        <dgm:pt modelId="3"/>
+        <dgm:pt modelId="31"/>
+        <dgm:pt modelId="4"/>
+        <dgm:pt modelId="41"/>
+      </dgm:ptLst>
+      <dgm:cxnLst>
+        <dgm:cxn modelId="5" srcId="0" destId="1" srcOrd="0" destOrd="0"/>
+        <dgm:cxn modelId="6" srcId="0" destId="2" srcOrd="1" destOrd="0"/>
+        <dgm:cxn modelId="7" srcId="0" destId="3" srcOrd="2" destOrd="0"/>
+        <dgm:cxn modelId="8" srcId="0" destId="4" srcOrd="3" destOrd="0"/>
+        <dgm:cxn modelId="13" srcId="1" destId="11" srcOrd="0" destOrd="0"/>
+        <dgm:cxn modelId="23" srcId="2" destId="21" srcOrd="0" destOrd="0"/>
+        <dgm:cxn modelId="33" srcId="3" destId="31" srcOrd="0" destOrd="0"/>
+        <dgm:cxn modelId="43" srcId="4" destId="41" srcOrd="0" destOrd="0"/>
+      </dgm:cxnLst>
+      <dgm:bg/>
+      <dgm:whole/>
+    </dgm:dataModel>
+  </dgm:clrData>
+  <dgm:layoutNode name="linearFlow">
+    <dgm:varLst>
+      <dgm:dir/>
+      <dgm:animLvl val="lvl"/>
+      <dgm:resizeHandles val="exact"/>
+    </dgm:varLst>
+    <dgm:alg type="lin">
+      <dgm:param type="linDir" val="fromT"/>
+      <dgm:param type="nodeHorzAlign" val="l"/>
+    </dgm:alg>
+    <dgm:shape xmlns:r="http://schemas.openxmlformats.org/officeDocument/2006/relationships" r:blip="">
+      <dgm:adjLst/>
+    </dgm:shape>
+    <dgm:presOf/>
+    <dgm:constrLst>
+      <dgm:constr type="h" for="ch" forName="composite" refType="h"/>
+      <dgm:constr type="w" for="ch" forName="composite" refType="w"/>
+      <dgm:constr type="h" for="des" forName="parentText" op="equ"/>
+      <dgm:constr type="h" for="ch" forName="sp" val="-14.88"/>
+      <dgm:constr type="h" for="ch" forName="sp" refType="w" refFor="des" refForName="parentText" op="gte" fact="-0.3"/>
+      <dgm:constr type="primFontSz" for="des" forName="parentText" op="equ" val="65"/>
+      <dgm:constr type="primFontSz" for="des" forName="descendantText" op="equ" val="65"/>
+    </dgm:constrLst>
+    <dgm:ruleLst/>
+    <dgm:forEach name="Name0" axis="ch" ptType="node">
+      <dgm:layoutNode name="composite">
+        <dgm:alg type="composite"/>
+        <dgm:shape xmlns:r="http://schemas.openxmlformats.org/officeDocument/2006/relationships" r:blip="">
+          <dgm:adjLst/>
+        </dgm:shape>
+        <dgm:presOf/>
+        <dgm:choose name="Name1">
+          <dgm:if name="Name2" func="var" arg="dir" op="equ" val="norm">
+            <dgm:constrLst>
+              <dgm:constr type="t" for="ch" forName="parentText"/>
+              <dgm:constr type="l" for="ch" forName="parentText"/>
+              <dgm:constr type="w" for="ch" forName="parentText" refType="w" fact="0.4"/>
+              <dgm:constr type="h" for="ch" forName="parentText" refType="h"/>
+              <dgm:constr type="w" for="ch" forName="parentText" refType="w" op="lte" fact="0.5"/>
+              <dgm:constr type="w" for="ch" forName="parentText" refType="h" refFor="ch" refForName="parentText" op="lte" fact="0.7"/>
+              <dgm:constr type="h" for="ch" forName="parentText" refType="w" refFor="ch" refForName="parentText" op="lte" fact="3"/>
+              <dgm:constr type="l" for="ch" forName="descendantText" refType="w" refFor="ch" refForName="parentText"/>
+              <dgm:constr type="w" for="ch" forName="descendantText" refType="w"/>
+              <dgm:constr type="wOff" for="ch" forName="descendantText" refType="w" refFor="ch" refForName="parentText" fact="-1"/>
+              <dgm:constr type="t" for="ch" forName="descendantText"/>
+              <dgm:constr type="b" for="ch" forName="descendantText" refType="h" refFor="ch" refForName="parentText"/>
+              <dgm:constr type="bOff" for="ch" forName="descendantText" refType="w" refFor="ch" refForName="parentText" fact="-0.5"/>
+            </dgm:constrLst>
+          </dgm:if>
+          <dgm:else name="Name3">
+            <dgm:constrLst>
+              <dgm:constr type="t" for="ch" forName="parentText"/>
+              <dgm:constr type="r" for="ch" forName="parentText" refType="w"/>
+              <dgm:constr type="w" for="ch" forName="parentText" refType="w" fact="0.4"/>
+              <dgm:constr type="h" for="ch" forName="parentText" refType="h"/>
+              <dgm:constr type="w" for="ch" forName="parentText" refType="w" op="lte" fact="0.5"/>
+              <dgm:constr type="w" for="ch" forName="parentText" refType="h" refFor="ch" refForName="parentText" op="lte" fact="0.7"/>
+              <dgm:constr type="h" for="ch" forName="parentText" refType="w" refFor="ch" refForName="parentText" op="lte" fact="3"/>
+              <dgm:constr type="l" for="ch" forName="descendantText"/>
+              <dgm:constr type="w" for="ch" forName="descendantText" refType="w"/>
+              <dgm:constr type="wOff" for="ch" forName="descendantText" refType="w" refFor="ch" refForName="parentText" fact="-1"/>
+              <dgm:constr type="t" for="ch" forName="descendantText"/>
+              <dgm:constr type="b" for="ch" forName="descendantText" refType="h" refFor="ch" refForName="parentText"/>
+              <dgm:constr type="bOff" for="ch" forName="descendantText" refType="w" refFor="ch" refForName="parentText" fact="-0.5"/>
+            </dgm:constrLst>
+          </dgm:else>
+        </dgm:choose>
+        <dgm:ruleLst/>
+        <dgm:layoutNode name="parentText" styleLbl="alignNode1">
+          <dgm:varLst>
+            <dgm:chMax val="1"/>
+            <dgm:bulletEnabled val="1"/>
+          </dgm:varLst>
+          <dgm:alg type="tx"/>
+          <dgm:shape xmlns:r="http://schemas.openxmlformats.org/officeDocument/2006/relationships" rot="90" type="chevron" r:blip="">
+            <dgm:adjLst/>
+          </dgm:shape>
+          <dgm:presOf axis="self" ptType="node"/>
+          <dgm:constrLst>
+            <dgm:constr type="lMarg" refType="primFontSz" fact="0.05"/>
+            <dgm:constr type="rMarg" refType="primFontSz" fact="0.05"/>
+            <dgm:constr type="tMarg" refType="primFontSz" fact="0.05"/>
+            <dgm:constr type="bMarg" refType="primFontSz" fact="0.05"/>
+          </dgm:constrLst>
+          <dgm:ruleLst>
+            <dgm:rule type="h" val="100" fact="NaN" max="NaN"/>
+            <dgm:rule type="primFontSz" val="24" fact="NaN" max="NaN"/>
+            <dgm:rule type="h" val="110" fact="NaN" max="NaN"/>
+            <dgm:rule type="primFontSz" val="18" fact="NaN" max="NaN"/>
+            <dgm:rule type="h" val="INF" fact="NaN" max="NaN"/>
+            <dgm:rule type="primFontSz" val="5" fact="NaN" max="NaN"/>
+          </dgm:ruleLst>
+        </dgm:layoutNode>
+        <dgm:layoutNode name="descendantText" styleLbl="alignAcc1">
+          <dgm:varLst>
+            <dgm:bulletEnabled val="1"/>
+          </dgm:varLst>
+          <dgm:choose name="Name4">
+            <dgm:if name="Name5" func="var" arg="dir" op="equ" val="norm">
+              <dgm:alg type="tx">
+                <dgm:param type="stBulletLvl" val="1"/>
+                <dgm:param type="txAnchorVertCh" val="mid"/>
+              </dgm:alg>
+              <dgm:shape xmlns:r="http://schemas.openxmlformats.org/officeDocument/2006/relationships" rot="90" type="round2SameRect" r:blip="">
+                <dgm:adjLst/>
+              </dgm:shape>
+            </dgm:if>
+            <dgm:else name="Name6">
+              <dgm:alg type="tx">
+                <dgm:param type="stBulletLvl" val="1"/>
+                <dgm:param type="txAnchorVertCh" val="mid"/>
+              </dgm:alg>
+              <dgm:shape xmlns:r="http://schemas.openxmlformats.org/officeDocument/2006/relationships" rot="-90" type="round2SameRect" r:blip="">
+                <dgm:adjLst/>
+              </dgm:shape>
+            </dgm:else>
+          </dgm:choose>
+          <dgm:presOf axis="des" ptType="node"/>
+          <dgm:choose name="Name7">
+            <dgm:if name="Name8" func="var" arg="dir" op="equ" val="norm">
+              <dgm:constrLst>
+                <dgm:constr type="secFontSz" refType="primFontSz"/>
+                <dgm:constr type="tMarg" refType="primFontSz" fact="0.05"/>
+                <dgm:constr type="bMarg" refType="primFontSz" fact="0.05"/>
+                <dgm:constr type="rMarg" refType="primFontSz" fact="0.05"/>
+              </dgm:constrLst>
+            </dgm:if>
+            <dgm:else name="Name9">
+              <dgm:constrLst>
+                <dgm:constr type="secFontSz" refType="primFontSz"/>
+                <dgm:constr type="tMarg" refType="primFontSz" fact="0.05"/>
+                <dgm:constr type="bMarg" refType="primFontSz" fact="0.05"/>
+                <dgm:constr type="lMarg" refType="primFontSz" fact="0.05"/>
+              </dgm:constrLst>
+            </dgm:else>
+          </dgm:choose>
+          <dgm:ruleLst>
+            <dgm:rule type="primFontSz" val="5" fact="NaN" max="NaN"/>
+          </dgm:ruleLst>
+        </dgm:layoutNode>
+      </dgm:layoutNode>
+      <dgm:forEach name="Name10" axis="followSib" ptType="sibTrans" cnt="1">
+        <dgm:layoutNode name="sp">
+          <dgm:alg type="sp"/>
+          <dgm:shape xmlns:r="http://schemas.openxmlformats.org/officeDocument/2006/relationships" r:blip="">
+            <dgm:adjLst/>
+          </dgm:shape>
+          <dgm:presOf axis="self"/>
+          <dgm:constrLst>
+            <dgm:constr type="w" val="1"/>
+            <dgm:constr type="h" val="37.5"/>
+          </dgm:constrLst>
+          <dgm:ruleLst/>
+        </dgm:layoutNode>
+      </dgm:forEach>
+    </dgm:forEach>
   </dgm:layoutNode>
 </dgm:layoutDef>
 </file>
@@ -14189,7 +15381,1324 @@
 </dgm:layoutDef>
 </file>
 
+<file path=ppt/diagrams/layout9.xml><?xml version="1.0" encoding="utf-8"?>
+<dgm:layoutDef xmlns:dgm="http://schemas.openxmlformats.org/drawingml/2006/diagram" xmlns:a="http://schemas.openxmlformats.org/drawingml/2006/main" uniqueId="urn:microsoft.com/office/officeart/2005/8/layout/chevron1">
+  <dgm:title val=""/>
+  <dgm:desc val=""/>
+  <dgm:catLst>
+    <dgm:cat type="process" pri="9000"/>
+  </dgm:catLst>
+  <dgm:sampData useDef="1">
+    <dgm:dataModel>
+      <dgm:ptLst/>
+      <dgm:bg/>
+      <dgm:whole/>
+    </dgm:dataModel>
+  </dgm:sampData>
+  <dgm:styleData>
+    <dgm:dataModel>
+      <dgm:ptLst>
+        <dgm:pt modelId="0" type="doc"/>
+        <dgm:pt modelId="1"/>
+        <dgm:pt modelId="2"/>
+      </dgm:ptLst>
+      <dgm:cxnLst>
+        <dgm:cxn modelId="3" srcId="0" destId="1" srcOrd="0" destOrd="0"/>
+        <dgm:cxn modelId="4" srcId="0" destId="2" srcOrd="1" destOrd="0"/>
+      </dgm:cxnLst>
+      <dgm:bg/>
+      <dgm:whole/>
+    </dgm:dataModel>
+  </dgm:styleData>
+  <dgm:clrData>
+    <dgm:dataModel>
+      <dgm:ptLst>
+        <dgm:pt modelId="0" type="doc"/>
+        <dgm:pt modelId="1"/>
+        <dgm:pt modelId="2"/>
+        <dgm:pt modelId="3"/>
+        <dgm:pt modelId="4"/>
+      </dgm:ptLst>
+      <dgm:cxnLst>
+        <dgm:cxn modelId="5" srcId="0" destId="1" srcOrd="0" destOrd="0"/>
+        <dgm:cxn modelId="6" srcId="0" destId="2" srcOrd="1" destOrd="0"/>
+        <dgm:cxn modelId="7" srcId="0" destId="3" srcOrd="2" destOrd="0"/>
+        <dgm:cxn modelId="8" srcId="0" destId="4" srcOrd="3" destOrd="0"/>
+      </dgm:cxnLst>
+      <dgm:bg/>
+      <dgm:whole/>
+    </dgm:dataModel>
+  </dgm:clrData>
+  <dgm:layoutNode name="Name0">
+    <dgm:varLst>
+      <dgm:dir/>
+      <dgm:animLvl val="lvl"/>
+      <dgm:resizeHandles val="exact"/>
+    </dgm:varLst>
+    <dgm:choose name="Name1">
+      <dgm:if name="Name2" func="var" arg="dir" op="equ" val="norm">
+        <dgm:alg type="lin"/>
+      </dgm:if>
+      <dgm:else name="Name3">
+        <dgm:alg type="lin">
+          <dgm:param type="linDir" val="fromR"/>
+        </dgm:alg>
+      </dgm:else>
+    </dgm:choose>
+    <dgm:shape xmlns:r="http://schemas.openxmlformats.org/officeDocument/2006/relationships" r:blip="">
+      <dgm:adjLst/>
+    </dgm:shape>
+    <dgm:presOf/>
+    <dgm:choose name="Name4">
+      <dgm:if name="Name5" axis="des" func="maxDepth" op="gte" val="2">
+        <dgm:constrLst>
+          <dgm:constr type="h" for="ch" forName="composite" refType="h"/>
+          <dgm:constr type="w" for="ch" forName="composite" refType="w"/>
+          <dgm:constr type="w" for="des" forName="parTx"/>
+          <dgm:constr type="h" for="des" forName="parTx" op="equ"/>
+          <dgm:constr type="w" for="des" forName="desTx"/>
+          <dgm:constr type="h" for="des" forName="desTx" op="equ"/>
+          <dgm:constr type="primFontSz" for="des" forName="parTx" val="65"/>
+          <dgm:constr type="secFontSz" for="des" forName="desTx" refType="primFontSz" refFor="des" refForName="parTx" op="equ"/>
+          <dgm:constr type="h" for="des" forName="parTx" refType="primFontSz" refFor="des" refForName="parTx" fact="1.5"/>
+          <dgm:constr type="h" for="des" forName="desTx" refType="primFontSz" refFor="des" refForName="parTx" fact="0.5"/>
+          <dgm:constr type="w" for="ch" forName="space" op="equ" val="-6"/>
+        </dgm:constrLst>
+        <dgm:ruleLst>
+          <dgm:rule type="w" for="ch" forName="composite" val="0" fact="NaN" max="NaN"/>
+          <dgm:rule type="primFontSz" for="des" forName="parTx" val="5" fact="NaN" max="NaN"/>
+        </dgm:ruleLst>
+        <dgm:forEach name="Name6" axis="ch" ptType="node">
+          <dgm:layoutNode name="composite">
+            <dgm:alg type="composite"/>
+            <dgm:shape xmlns:r="http://schemas.openxmlformats.org/officeDocument/2006/relationships" r:blip="">
+              <dgm:adjLst/>
+            </dgm:shape>
+            <dgm:presOf/>
+            <dgm:choose name="Name7">
+              <dgm:if name="Name8" func="var" arg="dir" op="equ" val="norm">
+                <dgm:constrLst>
+                  <dgm:constr type="l" for="ch" forName="parTx"/>
+                  <dgm:constr type="w" for="ch" forName="parTx" refType="w"/>
+                  <dgm:constr type="t" for="ch" forName="parTx"/>
+                  <dgm:constr type="l" for="ch" forName="desTx"/>
+                  <dgm:constr type="w" for="ch" forName="desTx" refType="w" refFor="ch" refForName="parTx" fact="0.8"/>
+                  <dgm:constr type="t" for="ch" forName="desTx" refType="h" refFor="ch" refForName="parTx" fact="1.125"/>
+                </dgm:constrLst>
+              </dgm:if>
+              <dgm:else name="Name9">
+                <dgm:constrLst>
+                  <dgm:constr type="l" for="ch" forName="parTx"/>
+                  <dgm:constr type="w" for="ch" forName="parTx" refType="w"/>
+                  <dgm:constr type="t" for="ch" forName="parTx"/>
+                  <dgm:constr type="l" for="ch" forName="desTx" refType="w" fact="0.2"/>
+                  <dgm:constr type="w" for="ch" forName="desTx" refType="w" refFor="ch" refForName="parTx" fact="0.8"/>
+                  <dgm:constr type="t" for="ch" forName="desTx" refType="h" refFor="ch" refForName="parTx" fact="1.125"/>
+                </dgm:constrLst>
+              </dgm:else>
+            </dgm:choose>
+            <dgm:ruleLst>
+              <dgm:rule type="h" val="INF" fact="NaN" max="NaN"/>
+            </dgm:ruleLst>
+            <dgm:layoutNode name="parTx">
+              <dgm:varLst>
+                <dgm:chMax val="0"/>
+                <dgm:chPref val="0"/>
+                <dgm:bulletEnabled val="1"/>
+              </dgm:varLst>
+              <dgm:alg type="tx"/>
+              <dgm:choose name="Name10">
+                <dgm:if name="Name11" func="var" arg="dir" op="equ" val="norm">
+                  <dgm:shape xmlns:r="http://schemas.openxmlformats.org/officeDocument/2006/relationships" type="chevron" r:blip="">
+                    <dgm:adjLst/>
+                  </dgm:shape>
+                </dgm:if>
+                <dgm:else name="Name12">
+                  <dgm:shape xmlns:r="http://schemas.openxmlformats.org/officeDocument/2006/relationships" rot="180" type="chevron" r:blip="">
+                    <dgm:adjLst/>
+                  </dgm:shape>
+                </dgm:else>
+              </dgm:choose>
+              <dgm:presOf axis="self" ptType="node"/>
+              <dgm:choose name="Name13">
+                <dgm:if name="Name14" func="var" arg="dir" op="equ" val="norm">
+                  <dgm:constrLst>
+                    <dgm:constr type="h" refType="w" op="lte" fact="0.4"/>
+                    <dgm:constr type="h"/>
+                    <dgm:constr type="tMarg" refType="primFontSz" fact="0.105"/>
+                    <dgm:constr type="bMarg" refType="primFontSz" fact="0.105"/>
+                    <dgm:constr type="lMarg" refType="primFontSz" fact="0.315"/>
+                    <dgm:constr type="rMarg" refType="primFontSz" fact="0.105"/>
+                  </dgm:constrLst>
+                </dgm:if>
+                <dgm:else name="Name15">
+                  <dgm:constrLst>
+                    <dgm:constr type="h" refType="w" op="lte" fact="0.4"/>
+                    <dgm:constr type="h"/>
+                    <dgm:constr type="tMarg" refType="primFontSz" fact="0.105"/>
+                    <dgm:constr type="bMarg" refType="primFontSz" fact="0.105"/>
+                    <dgm:constr type="lMarg" refType="primFontSz" fact="0.105"/>
+                    <dgm:constr type="rMarg" refType="primFontSz" fact="0.315"/>
+                  </dgm:constrLst>
+                </dgm:else>
+              </dgm:choose>
+              <dgm:ruleLst>
+                <dgm:rule type="h" val="INF" fact="NaN" max="NaN"/>
+              </dgm:ruleLst>
+            </dgm:layoutNode>
+            <dgm:layoutNode name="desTx" styleLbl="revTx">
+              <dgm:varLst>
+                <dgm:bulletEnabled val="1"/>
+              </dgm:varLst>
+              <dgm:alg type="tx">
+                <dgm:param type="stBulletLvl" val="1"/>
+              </dgm:alg>
+              <dgm:choose name="Name16">
+                <dgm:if name="Name17" axis="ch" ptType="node" func="cnt" op="gte" val="1">
+                  <dgm:shape xmlns:r="http://schemas.openxmlformats.org/officeDocument/2006/relationships" type="rect" r:blip="">
+                    <dgm:adjLst/>
+                  </dgm:shape>
+                </dgm:if>
+                <dgm:else name="Name18">
+                  <dgm:shape xmlns:r="http://schemas.openxmlformats.org/officeDocument/2006/relationships" type="rect" r:blip="" hideGeom="1">
+                    <dgm:adjLst/>
+                  </dgm:shape>
+                </dgm:else>
+              </dgm:choose>
+              <dgm:presOf axis="des" ptType="node"/>
+              <dgm:constrLst>
+                <dgm:constr type="secFontSz" val="65"/>
+                <dgm:constr type="primFontSz" refType="secFontSz"/>
+                <dgm:constr type="h"/>
+                <dgm:constr type="tMarg"/>
+                <dgm:constr type="bMarg"/>
+                <dgm:constr type="rMarg"/>
+                <dgm:constr type="lMarg"/>
+              </dgm:constrLst>
+              <dgm:ruleLst>
+                <dgm:rule type="h" val="INF" fact="NaN" max="NaN"/>
+              </dgm:ruleLst>
+            </dgm:layoutNode>
+          </dgm:layoutNode>
+          <dgm:forEach name="Name19" axis="followSib" ptType="sibTrans" cnt="1">
+            <dgm:layoutNode name="space">
+              <dgm:alg type="sp"/>
+              <dgm:shape xmlns:r="http://schemas.openxmlformats.org/officeDocument/2006/relationships" r:blip="">
+                <dgm:adjLst/>
+              </dgm:shape>
+              <dgm:presOf/>
+              <dgm:constrLst/>
+              <dgm:ruleLst/>
+            </dgm:layoutNode>
+          </dgm:forEach>
+        </dgm:forEach>
+      </dgm:if>
+      <dgm:else name="Name20">
+        <dgm:constrLst>
+          <dgm:constr type="w" for="ch" forName="parTxOnly" refType="w"/>
+          <dgm:constr type="h" for="des" forName="parTxOnly" op="equ"/>
+          <dgm:constr type="primFontSz" for="des" forName="parTxOnly" op="equ" val="65"/>
+          <dgm:constr type="w" for="ch" forName="parTxOnlySpace" refType="w" refFor="ch" refForName="parTxOnly" fact="-0.1"/>
+        </dgm:constrLst>
+        <dgm:ruleLst/>
+        <dgm:forEach name="Name21" axis="ch" ptType="node">
+          <dgm:layoutNode name="parTxOnly">
+            <dgm:varLst>
+              <dgm:chMax val="0"/>
+              <dgm:chPref val="0"/>
+              <dgm:bulletEnabled val="1"/>
+            </dgm:varLst>
+            <dgm:alg type="tx"/>
+            <dgm:choose name="Name22">
+              <dgm:if name="Name23" func="var" arg="dir" op="equ" val="norm">
+                <dgm:shape xmlns:r="http://schemas.openxmlformats.org/officeDocument/2006/relationships" type="chevron" r:blip="">
+                  <dgm:adjLst/>
+                </dgm:shape>
+              </dgm:if>
+              <dgm:else name="Name24">
+                <dgm:shape xmlns:r="http://schemas.openxmlformats.org/officeDocument/2006/relationships" rot="180" type="chevron" r:blip="">
+                  <dgm:adjLst/>
+                </dgm:shape>
+              </dgm:else>
+            </dgm:choose>
+            <dgm:presOf axis="self" ptType="node"/>
+            <dgm:choose name="Name25">
+              <dgm:if name="Name26" func="var" arg="dir" op="equ" val="norm">
+                <dgm:constrLst>
+                  <dgm:constr type="h" refType="w" op="equ" fact="0.4"/>
+                  <dgm:constr type="tMarg" refType="primFontSz" fact="0.105"/>
+                  <dgm:constr type="bMarg" refType="primFontSz" fact="0.105"/>
+                  <dgm:constr type="lMarg" refType="primFontSz" fact="0.315"/>
+                  <dgm:constr type="rMarg" refType="primFontSz" fact="0.105"/>
+                </dgm:constrLst>
+              </dgm:if>
+              <dgm:else name="Name27">
+                <dgm:constrLst>
+                  <dgm:constr type="h" refType="w" op="equ" fact="0.4"/>
+                  <dgm:constr type="tMarg" refType="primFontSz" fact="0.105"/>
+                  <dgm:constr type="bMarg" refType="primFontSz" fact="0.105"/>
+                  <dgm:constr type="lMarg" refType="primFontSz" fact="0.105"/>
+                  <dgm:constr type="rMarg" refType="primFontSz" fact="0.315"/>
+                </dgm:constrLst>
+              </dgm:else>
+            </dgm:choose>
+            <dgm:ruleLst>
+              <dgm:rule type="primFontSz" val="5" fact="NaN" max="NaN"/>
+            </dgm:ruleLst>
+          </dgm:layoutNode>
+          <dgm:forEach name="Name28" axis="followSib" ptType="sibTrans" cnt="1">
+            <dgm:layoutNode name="parTxOnlySpace">
+              <dgm:alg type="sp"/>
+              <dgm:shape xmlns:r="http://schemas.openxmlformats.org/officeDocument/2006/relationships" r:blip="">
+                <dgm:adjLst/>
+              </dgm:shape>
+              <dgm:presOf/>
+              <dgm:constrLst/>
+              <dgm:ruleLst/>
+            </dgm:layoutNode>
+          </dgm:forEach>
+        </dgm:forEach>
+      </dgm:else>
+    </dgm:choose>
+  </dgm:layoutNode>
+</dgm:layoutDef>
+</file>
+
 <file path=ppt/diagrams/quickStyle1.xml><?xml version="1.0" encoding="utf-8"?>
+<dgm:styleDef xmlns:dgm="http://schemas.openxmlformats.org/drawingml/2006/diagram" xmlns:a="http://schemas.openxmlformats.org/drawingml/2006/main" uniqueId="urn:microsoft.com/office/officeart/2005/8/quickstyle/simple1">
+  <dgm:title val=""/>
+  <dgm:desc val=""/>
+  <dgm:catLst>
+    <dgm:cat type="simple" pri="10100"/>
+  </dgm:catLst>
+  <dgm:scene3d>
+    <a:camera prst="orthographicFront"/>
+    <a:lightRig rig="threePt" dir="t"/>
+  </dgm:scene3d>
+  <dgm:styleLbl name="node0">
+    <dgm:scene3d>
+      <a:camera prst="orthographicFront"/>
+      <a:lightRig rig="threePt" dir="t"/>
+    </dgm:scene3d>
+    <dgm:sp3d/>
+    <dgm:txPr/>
+    <dgm:style>
+      <a:lnRef idx="2">
+        <a:scrgbClr r="0" g="0" b="0"/>
+      </a:lnRef>
+      <a:fillRef idx="1">
+        <a:scrgbClr r="0" g="0" b="0"/>
+      </a:fillRef>
+      <a:effectRef idx="0">
+        <a:scrgbClr r="0" g="0" b="0"/>
+      </a:effectRef>
+      <a:fontRef idx="minor">
+        <a:schemeClr val="lt1"/>
+      </a:fontRef>
+    </dgm:style>
+  </dgm:styleLbl>
+  <dgm:styleLbl name="lnNode1">
+    <dgm:scene3d>
+      <a:camera prst="orthographicFront"/>
+      <a:lightRig rig="threePt" dir="t"/>
+    </dgm:scene3d>
+    <dgm:sp3d/>
+    <dgm:txPr/>
+    <dgm:style>
+      <a:lnRef idx="2">
+        <a:scrgbClr r="0" g="0" b="0"/>
+      </a:lnRef>
+      <a:fillRef idx="1">
+        <a:scrgbClr r="0" g="0" b="0"/>
+      </a:fillRef>
+      <a:effectRef idx="0">
+        <a:scrgbClr r="0" g="0" b="0"/>
+      </a:effectRef>
+      <a:fontRef idx="minor">
+        <a:schemeClr val="lt1"/>
+      </a:fontRef>
+    </dgm:style>
+  </dgm:styleLbl>
+  <dgm:styleLbl name="vennNode1">
+    <dgm:scene3d>
+      <a:camera prst="orthographicFront"/>
+      <a:lightRig rig="threePt" dir="t"/>
+    </dgm:scene3d>
+    <dgm:sp3d/>
+    <dgm:txPr/>
+    <dgm:style>
+      <a:lnRef idx="2">
+        <a:scrgbClr r="0" g="0" b="0"/>
+      </a:lnRef>
+      <a:fillRef idx="1">
+        <a:scrgbClr r="0" g="0" b="0"/>
+      </a:fillRef>
+      <a:effectRef idx="0">
+        <a:scrgbClr r="0" g="0" b="0"/>
+      </a:effectRef>
+      <a:fontRef idx="minor">
+        <a:schemeClr val="tx1"/>
+      </a:fontRef>
+    </dgm:style>
+  </dgm:styleLbl>
+  <dgm:styleLbl name="alignNode1">
+    <dgm:scene3d>
+      <a:camera prst="orthographicFront"/>
+      <a:lightRig rig="threePt" dir="t"/>
+    </dgm:scene3d>
+    <dgm:sp3d/>
+    <dgm:txPr/>
+    <dgm:style>
+      <a:lnRef idx="2">
+        <a:scrgbClr r="0" g="0" b="0"/>
+      </a:lnRef>
+      <a:fillRef idx="1">
+        <a:scrgbClr r="0" g="0" b="0"/>
+      </a:fillRef>
+      <a:effectRef idx="0">
+        <a:scrgbClr r="0" g="0" b="0"/>
+      </a:effectRef>
+      <a:fontRef idx="minor">
+        <a:schemeClr val="lt1"/>
+      </a:fontRef>
+    </dgm:style>
+  </dgm:styleLbl>
+  <dgm:styleLbl name="node1">
+    <dgm:scene3d>
+      <a:camera prst="orthographicFront"/>
+      <a:lightRig rig="threePt" dir="t"/>
+    </dgm:scene3d>
+    <dgm:sp3d/>
+    <dgm:txPr/>
+    <dgm:style>
+      <a:lnRef idx="2">
+        <a:scrgbClr r="0" g="0" b="0"/>
+      </a:lnRef>
+      <a:fillRef idx="1">
+        <a:scrgbClr r="0" g="0" b="0"/>
+      </a:fillRef>
+      <a:effectRef idx="0">
+        <a:scrgbClr r="0" g="0" b="0"/>
+      </a:effectRef>
+      <a:fontRef idx="minor">
+        <a:schemeClr val="lt1"/>
+      </a:fontRef>
+    </dgm:style>
+  </dgm:styleLbl>
+  <dgm:styleLbl name="node2">
+    <dgm:scene3d>
+      <a:camera prst="orthographicFront"/>
+      <a:lightRig rig="threePt" dir="t"/>
+    </dgm:scene3d>
+    <dgm:sp3d/>
+    <dgm:txPr/>
+    <dgm:style>
+      <a:lnRef idx="2">
+        <a:scrgbClr r="0" g="0" b="0"/>
+      </a:lnRef>
+      <a:fillRef idx="1">
+        <a:scrgbClr r="0" g="0" b="0"/>
+      </a:fillRef>
+      <a:effectRef idx="0">
+        <a:scrgbClr r="0" g="0" b="0"/>
+      </a:effectRef>
+      <a:fontRef idx="minor">
+        <a:schemeClr val="lt1"/>
+      </a:fontRef>
+    </dgm:style>
+  </dgm:styleLbl>
+  <dgm:styleLbl name="node3">
+    <dgm:scene3d>
+      <a:camera prst="orthographicFront"/>
+      <a:lightRig rig="threePt" dir="t"/>
+    </dgm:scene3d>
+    <dgm:sp3d/>
+    <dgm:txPr/>
+    <dgm:style>
+      <a:lnRef idx="2">
+        <a:scrgbClr r="0" g="0" b="0"/>
+      </a:lnRef>
+      <a:fillRef idx="1">
+        <a:scrgbClr r="0" g="0" b="0"/>
+      </a:fillRef>
+      <a:effectRef idx="0">
+        <a:scrgbClr r="0" g="0" b="0"/>
+      </a:effectRef>
+      <a:fontRef idx="minor">
+        <a:schemeClr val="lt1"/>
+      </a:fontRef>
+    </dgm:style>
+  </dgm:styleLbl>
+  <dgm:styleLbl name="node4">
+    <dgm:scene3d>
+      <a:camera prst="orthographicFront"/>
+      <a:lightRig rig="threePt" dir="t"/>
+    </dgm:scene3d>
+    <dgm:sp3d/>
+    <dgm:txPr/>
+    <dgm:style>
+      <a:lnRef idx="2">
+        <a:scrgbClr r="0" g="0" b="0"/>
+      </a:lnRef>
+      <a:fillRef idx="1">
+        <a:scrgbClr r="0" g="0" b="0"/>
+      </a:fillRef>
+      <a:effectRef idx="0">
+        <a:scrgbClr r="0" g="0" b="0"/>
+      </a:effectRef>
+      <a:fontRef idx="minor">
+        <a:schemeClr val="lt1"/>
+      </a:fontRef>
+    </dgm:style>
+  </dgm:styleLbl>
+  <dgm:styleLbl name="fgImgPlace1">
+    <dgm:scene3d>
+      <a:camera prst="orthographicFront"/>
+      <a:lightRig rig="threePt" dir="t"/>
+    </dgm:scene3d>
+    <dgm:sp3d/>
+    <dgm:txPr/>
+    <dgm:style>
+      <a:lnRef idx="2">
+        <a:scrgbClr r="0" g="0" b="0"/>
+      </a:lnRef>
+      <a:fillRef idx="1">
+        <a:scrgbClr r="0" g="0" b="0"/>
+      </a:fillRef>
+      <a:effectRef idx="0">
+        <a:scrgbClr r="0" g="0" b="0"/>
+      </a:effectRef>
+      <a:fontRef idx="minor"/>
+    </dgm:style>
+  </dgm:styleLbl>
+  <dgm:styleLbl name="alignImgPlace1">
+    <dgm:scene3d>
+      <a:camera prst="orthographicFront"/>
+      <a:lightRig rig="threePt" dir="t"/>
+    </dgm:scene3d>
+    <dgm:sp3d/>
+    <dgm:txPr/>
+    <dgm:style>
+      <a:lnRef idx="2">
+        <a:scrgbClr r="0" g="0" b="0"/>
+      </a:lnRef>
+      <a:fillRef idx="1">
+        <a:scrgbClr r="0" g="0" b="0"/>
+      </a:fillRef>
+      <a:effectRef idx="0">
+        <a:scrgbClr r="0" g="0" b="0"/>
+      </a:effectRef>
+      <a:fontRef idx="minor"/>
+    </dgm:style>
+  </dgm:styleLbl>
+  <dgm:styleLbl name="bgImgPlace1">
+    <dgm:scene3d>
+      <a:camera prst="orthographicFront"/>
+      <a:lightRig rig="threePt" dir="t"/>
+    </dgm:scene3d>
+    <dgm:sp3d/>
+    <dgm:txPr/>
+    <dgm:style>
+      <a:lnRef idx="2">
+        <a:scrgbClr r="0" g="0" b="0"/>
+      </a:lnRef>
+      <a:fillRef idx="1">
+        <a:scrgbClr r="0" g="0" b="0"/>
+      </a:fillRef>
+      <a:effectRef idx="0">
+        <a:scrgbClr r="0" g="0" b="0"/>
+      </a:effectRef>
+      <a:fontRef idx="minor"/>
+    </dgm:style>
+  </dgm:styleLbl>
+  <dgm:styleLbl name="sibTrans2D1">
+    <dgm:scene3d>
+      <a:camera prst="orthographicFront"/>
+      <a:lightRig rig="threePt" dir="t"/>
+    </dgm:scene3d>
+    <dgm:sp3d/>
+    <dgm:txPr/>
+    <dgm:style>
+      <a:lnRef idx="0">
+        <a:scrgbClr r="0" g="0" b="0"/>
+      </a:lnRef>
+      <a:fillRef idx="1">
+        <a:scrgbClr r="0" g="0" b="0"/>
+      </a:fillRef>
+      <a:effectRef idx="0">
+        <a:scrgbClr r="0" g="0" b="0"/>
+      </a:effectRef>
+      <a:fontRef idx="minor">
+        <a:schemeClr val="lt1"/>
+      </a:fontRef>
+    </dgm:style>
+  </dgm:styleLbl>
+  <dgm:styleLbl name="fgSibTrans2D1">
+    <dgm:scene3d>
+      <a:camera prst="orthographicFront"/>
+      <a:lightRig rig="threePt" dir="t"/>
+    </dgm:scene3d>
+    <dgm:sp3d/>
+    <dgm:txPr/>
+    <dgm:style>
+      <a:lnRef idx="0">
+        <a:scrgbClr r="0" g="0" b="0"/>
+      </a:lnRef>
+      <a:fillRef idx="1">
+        <a:scrgbClr r="0" g="0" b="0"/>
+      </a:fillRef>
+      <a:effectRef idx="0">
+        <a:scrgbClr r="0" g="0" b="0"/>
+      </a:effectRef>
+      <a:fontRef idx="minor">
+        <a:schemeClr val="lt1"/>
+      </a:fontRef>
+    </dgm:style>
+  </dgm:styleLbl>
+  <dgm:styleLbl name="bgSibTrans2D1">
+    <dgm:scene3d>
+      <a:camera prst="orthographicFront"/>
+      <a:lightRig rig="threePt" dir="t"/>
+    </dgm:scene3d>
+    <dgm:sp3d/>
+    <dgm:txPr/>
+    <dgm:style>
+      <a:lnRef idx="0">
+        <a:scrgbClr r="0" g="0" b="0"/>
+      </a:lnRef>
+      <a:fillRef idx="1">
+        <a:scrgbClr r="0" g="0" b="0"/>
+      </a:fillRef>
+      <a:effectRef idx="0">
+        <a:scrgbClr r="0" g="0" b="0"/>
+      </a:effectRef>
+      <a:fontRef idx="minor">
+        <a:schemeClr val="lt1"/>
+      </a:fontRef>
+    </dgm:style>
+  </dgm:styleLbl>
+  <dgm:styleLbl name="sibTrans1D1">
+    <dgm:scene3d>
+      <a:camera prst="orthographicFront"/>
+      <a:lightRig rig="threePt" dir="t"/>
+    </dgm:scene3d>
+    <dgm:sp3d/>
+    <dgm:txPr/>
+    <dgm:style>
+      <a:lnRef idx="1">
+        <a:scrgbClr r="0" g="0" b="0"/>
+      </a:lnRef>
+      <a:fillRef idx="0">
+        <a:scrgbClr r="0" g="0" b="0"/>
+      </a:fillRef>
+      <a:effectRef idx="0">
+        <a:scrgbClr r="0" g="0" b="0"/>
+      </a:effectRef>
+      <a:fontRef idx="minor"/>
+    </dgm:style>
+  </dgm:styleLbl>
+  <dgm:styleLbl name="callout">
+    <dgm:scene3d>
+      <a:camera prst="orthographicFront"/>
+      <a:lightRig rig="threePt" dir="t"/>
+    </dgm:scene3d>
+    <dgm:sp3d/>
+    <dgm:txPr/>
+    <dgm:style>
+      <a:lnRef idx="2">
+        <a:scrgbClr r="0" g="0" b="0"/>
+      </a:lnRef>
+      <a:fillRef idx="1">
+        <a:scrgbClr r="0" g="0" b="0"/>
+      </a:fillRef>
+      <a:effectRef idx="0">
+        <a:scrgbClr r="0" g="0" b="0"/>
+      </a:effectRef>
+      <a:fontRef idx="minor"/>
+    </dgm:style>
+  </dgm:styleLbl>
+  <dgm:styleLbl name="asst0">
+    <dgm:scene3d>
+      <a:camera prst="orthographicFront"/>
+      <a:lightRig rig="threePt" dir="t"/>
+    </dgm:scene3d>
+    <dgm:sp3d/>
+    <dgm:txPr/>
+    <dgm:style>
+      <a:lnRef idx="2">
+        <a:scrgbClr r="0" g="0" b="0"/>
+      </a:lnRef>
+      <a:fillRef idx="1">
+        <a:scrgbClr r="0" g="0" b="0"/>
+      </a:fillRef>
+      <a:effectRef idx="0">
+        <a:scrgbClr r="0" g="0" b="0"/>
+      </a:effectRef>
+      <a:fontRef idx="minor">
+        <a:schemeClr val="lt1"/>
+      </a:fontRef>
+    </dgm:style>
+  </dgm:styleLbl>
+  <dgm:styleLbl name="asst1">
+    <dgm:scene3d>
+      <a:camera prst="orthographicFront"/>
+      <a:lightRig rig="threePt" dir="t"/>
+    </dgm:scene3d>
+    <dgm:sp3d/>
+    <dgm:txPr/>
+    <dgm:style>
+      <a:lnRef idx="2">
+        <a:scrgbClr r="0" g="0" b="0"/>
+      </a:lnRef>
+      <a:fillRef idx="1">
+        <a:scrgbClr r="0" g="0" b="0"/>
+      </a:fillRef>
+      <a:effectRef idx="0">
+        <a:scrgbClr r="0" g="0" b="0"/>
+      </a:effectRef>
+      <a:fontRef idx="minor">
+        <a:schemeClr val="lt1"/>
+      </a:fontRef>
+    </dgm:style>
+  </dgm:styleLbl>
+  <dgm:styleLbl name="asst2">
+    <dgm:scene3d>
+      <a:camera prst="orthographicFront"/>
+      <a:lightRig rig="threePt" dir="t"/>
+    </dgm:scene3d>
+    <dgm:sp3d/>
+    <dgm:txPr/>
+    <dgm:style>
+      <a:lnRef idx="2">
+        <a:scrgbClr r="0" g="0" b="0"/>
+      </a:lnRef>
+      <a:fillRef idx="1">
+        <a:scrgbClr r="0" g="0" b="0"/>
+      </a:fillRef>
+      <a:effectRef idx="0">
+        <a:scrgbClr r="0" g="0" b="0"/>
+      </a:effectRef>
+      <a:fontRef idx="minor">
+        <a:schemeClr val="lt1"/>
+      </a:fontRef>
+    </dgm:style>
+  </dgm:styleLbl>
+  <dgm:styleLbl name="asst3">
+    <dgm:scene3d>
+      <a:camera prst="orthographicFront"/>
+      <a:lightRig rig="threePt" dir="t"/>
+    </dgm:scene3d>
+    <dgm:sp3d/>
+    <dgm:txPr/>
+    <dgm:style>
+      <a:lnRef idx="2">
+        <a:scrgbClr r="0" g="0" b="0"/>
+      </a:lnRef>
+      <a:fillRef idx="1">
+        <a:scrgbClr r="0" g="0" b="0"/>
+      </a:fillRef>
+      <a:effectRef idx="0">
+        <a:scrgbClr r="0" g="0" b="0"/>
+      </a:effectRef>
+      <a:fontRef idx="minor">
+        <a:schemeClr val="lt1"/>
+      </a:fontRef>
+    </dgm:style>
+  </dgm:styleLbl>
+  <dgm:styleLbl name="asst4">
+    <dgm:scene3d>
+      <a:camera prst="orthographicFront"/>
+      <a:lightRig rig="threePt" dir="t"/>
+    </dgm:scene3d>
+    <dgm:sp3d/>
+    <dgm:txPr/>
+    <dgm:style>
+      <a:lnRef idx="2">
+        <a:scrgbClr r="0" g="0" b="0"/>
+      </a:lnRef>
+      <a:fillRef idx="1">
+        <a:scrgbClr r="0" g="0" b="0"/>
+      </a:fillRef>
+      <a:effectRef idx="0">
+        <a:scrgbClr r="0" g="0" b="0"/>
+      </a:effectRef>
+      <a:fontRef idx="minor">
+        <a:schemeClr val="lt1"/>
+      </a:fontRef>
+    </dgm:style>
+  </dgm:styleLbl>
+  <dgm:styleLbl name="parChTrans2D1">
+    <dgm:scene3d>
+      <a:camera prst="orthographicFront"/>
+      <a:lightRig rig="threePt" dir="t"/>
+    </dgm:scene3d>
+    <dgm:sp3d/>
+    <dgm:txPr/>
+    <dgm:style>
+      <a:lnRef idx="2">
+        <a:scrgbClr r="0" g="0" b="0"/>
+      </a:lnRef>
+      <a:fillRef idx="1">
+        <a:scrgbClr r="0" g="0" b="0"/>
+      </a:fillRef>
+      <a:effectRef idx="0">
+        <a:scrgbClr r="0" g="0" b="0"/>
+      </a:effectRef>
+      <a:fontRef idx="minor">
+        <a:schemeClr val="lt1"/>
+      </a:fontRef>
+    </dgm:style>
+  </dgm:styleLbl>
+  <dgm:styleLbl name="parChTrans2D2">
+    <dgm:scene3d>
+      <a:camera prst="orthographicFront"/>
+      <a:lightRig rig="threePt" dir="t"/>
+    </dgm:scene3d>
+    <dgm:sp3d/>
+    <dgm:txPr/>
+    <dgm:style>
+      <a:lnRef idx="2">
+        <a:scrgbClr r="0" g="0" b="0"/>
+      </a:lnRef>
+      <a:fillRef idx="1">
+        <a:scrgbClr r="0" g="0" b="0"/>
+      </a:fillRef>
+      <a:effectRef idx="0">
+        <a:scrgbClr r="0" g="0" b="0"/>
+      </a:effectRef>
+      <a:fontRef idx="minor">
+        <a:schemeClr val="lt1"/>
+      </a:fontRef>
+    </dgm:style>
+  </dgm:styleLbl>
+  <dgm:styleLbl name="parChTrans2D3">
+    <dgm:scene3d>
+      <a:camera prst="orthographicFront"/>
+      <a:lightRig rig="threePt" dir="t"/>
+    </dgm:scene3d>
+    <dgm:sp3d/>
+    <dgm:txPr/>
+    <dgm:style>
+      <a:lnRef idx="2">
+        <a:scrgbClr r="0" g="0" b="0"/>
+      </a:lnRef>
+      <a:fillRef idx="1">
+        <a:scrgbClr r="0" g="0" b="0"/>
+      </a:fillRef>
+      <a:effectRef idx="0">
+        <a:scrgbClr r="0" g="0" b="0"/>
+      </a:effectRef>
+      <a:fontRef idx="minor">
+        <a:schemeClr val="lt1"/>
+      </a:fontRef>
+    </dgm:style>
+  </dgm:styleLbl>
+  <dgm:styleLbl name="parChTrans2D4">
+    <dgm:scene3d>
+      <a:camera prst="orthographicFront"/>
+      <a:lightRig rig="threePt" dir="t"/>
+    </dgm:scene3d>
+    <dgm:sp3d/>
+    <dgm:txPr/>
+    <dgm:style>
+      <a:lnRef idx="2">
+        <a:scrgbClr r="0" g="0" b="0"/>
+      </a:lnRef>
+      <a:fillRef idx="1">
+        <a:scrgbClr r="0" g="0" b="0"/>
+      </a:fillRef>
+      <a:effectRef idx="0">
+        <a:scrgbClr r="0" g="0" b="0"/>
+      </a:effectRef>
+      <a:fontRef idx="minor">
+        <a:schemeClr val="lt1"/>
+      </a:fontRef>
+    </dgm:style>
+  </dgm:styleLbl>
+  <dgm:styleLbl name="parChTrans1D1">
+    <dgm:scene3d>
+      <a:camera prst="orthographicFront"/>
+      <a:lightRig rig="threePt" dir="t"/>
+    </dgm:scene3d>
+    <dgm:sp3d/>
+    <dgm:txPr/>
+    <dgm:style>
+      <a:lnRef idx="2">
+        <a:scrgbClr r="0" g="0" b="0"/>
+      </a:lnRef>
+      <a:fillRef idx="0">
+        <a:scrgbClr r="0" g="0" b="0"/>
+      </a:fillRef>
+      <a:effectRef idx="0">
+        <a:scrgbClr r="0" g="0" b="0"/>
+      </a:effectRef>
+      <a:fontRef idx="minor"/>
+    </dgm:style>
+  </dgm:styleLbl>
+  <dgm:styleLbl name="parChTrans1D2">
+    <dgm:scene3d>
+      <a:camera prst="orthographicFront"/>
+      <a:lightRig rig="threePt" dir="t"/>
+    </dgm:scene3d>
+    <dgm:sp3d/>
+    <dgm:txPr/>
+    <dgm:style>
+      <a:lnRef idx="2">
+        <a:scrgbClr r="0" g="0" b="0"/>
+      </a:lnRef>
+      <a:fillRef idx="0">
+        <a:scrgbClr r="0" g="0" b="0"/>
+      </a:fillRef>
+      <a:effectRef idx="0">
+        <a:scrgbClr r="0" g="0" b="0"/>
+      </a:effectRef>
+      <a:fontRef idx="minor"/>
+    </dgm:style>
+  </dgm:styleLbl>
+  <dgm:styleLbl name="parChTrans1D3">
+    <dgm:scene3d>
+      <a:camera prst="orthographicFront"/>
+      <a:lightRig rig="threePt" dir="t"/>
+    </dgm:scene3d>
+    <dgm:sp3d/>
+    <dgm:txPr/>
+    <dgm:style>
+      <a:lnRef idx="2">
+        <a:scrgbClr r="0" g="0" b="0"/>
+      </a:lnRef>
+      <a:fillRef idx="0">
+        <a:scrgbClr r="0" g="0" b="0"/>
+      </a:fillRef>
+      <a:effectRef idx="0">
+        <a:scrgbClr r="0" g="0" b="0"/>
+      </a:effectRef>
+      <a:fontRef idx="minor"/>
+    </dgm:style>
+  </dgm:styleLbl>
+  <dgm:styleLbl name="parChTrans1D4">
+    <dgm:scene3d>
+      <a:camera prst="orthographicFront"/>
+      <a:lightRig rig="threePt" dir="t"/>
+    </dgm:scene3d>
+    <dgm:sp3d/>
+    <dgm:txPr/>
+    <dgm:style>
+      <a:lnRef idx="2">
+        <a:scrgbClr r="0" g="0" b="0"/>
+      </a:lnRef>
+      <a:fillRef idx="0">
+        <a:scrgbClr r="0" g="0" b="0"/>
+      </a:fillRef>
+      <a:effectRef idx="0">
+        <a:scrgbClr r="0" g="0" b="0"/>
+      </a:effectRef>
+      <a:fontRef idx="minor"/>
+    </dgm:style>
+  </dgm:styleLbl>
+  <dgm:styleLbl name="fgAcc1">
+    <dgm:scene3d>
+      <a:camera prst="orthographicFront"/>
+      <a:lightRig rig="threePt" dir="t"/>
+    </dgm:scene3d>
+    <dgm:sp3d/>
+    <dgm:txPr/>
+    <dgm:style>
+      <a:lnRef idx="2">
+        <a:scrgbClr r="0" g="0" b="0"/>
+      </a:lnRef>
+      <a:fillRef idx="1">
+        <a:scrgbClr r="0" g="0" b="0"/>
+      </a:fillRef>
+      <a:effectRef idx="0">
+        <a:scrgbClr r="0" g="0" b="0"/>
+      </a:effectRef>
+      <a:fontRef idx="minor"/>
+    </dgm:style>
+  </dgm:styleLbl>
+  <dgm:styleLbl name="conFgAcc1">
+    <dgm:scene3d>
+      <a:camera prst="orthographicFront"/>
+      <a:lightRig rig="threePt" dir="t"/>
+    </dgm:scene3d>
+    <dgm:sp3d/>
+    <dgm:txPr/>
+    <dgm:style>
+      <a:lnRef idx="2">
+        <a:scrgbClr r="0" g="0" b="0"/>
+      </a:lnRef>
+      <a:fillRef idx="1">
+        <a:scrgbClr r="0" g="0" b="0"/>
+      </a:fillRef>
+      <a:effectRef idx="0">
+        <a:scrgbClr r="0" g="0" b="0"/>
+      </a:effectRef>
+      <a:fontRef idx="minor"/>
+    </dgm:style>
+  </dgm:styleLbl>
+  <dgm:styleLbl name="alignAcc1">
+    <dgm:scene3d>
+      <a:camera prst="orthographicFront"/>
+      <a:lightRig rig="threePt" dir="t"/>
+    </dgm:scene3d>
+    <dgm:sp3d/>
+    <dgm:txPr/>
+    <dgm:style>
+      <a:lnRef idx="2">
+        <a:scrgbClr r="0" g="0" b="0"/>
+      </a:lnRef>
+      <a:fillRef idx="1">
+        <a:scrgbClr r="0" g="0" b="0"/>
+      </a:fillRef>
+      <a:effectRef idx="0">
+        <a:scrgbClr r="0" g="0" b="0"/>
+      </a:effectRef>
+      <a:fontRef idx="minor"/>
+    </dgm:style>
+  </dgm:styleLbl>
+  <dgm:styleLbl name="trAlignAcc1">
+    <dgm:scene3d>
+      <a:camera prst="orthographicFront"/>
+      <a:lightRig rig="threePt" dir="t"/>
+    </dgm:scene3d>
+    <dgm:sp3d/>
+    <dgm:txPr/>
+    <dgm:style>
+      <a:lnRef idx="1">
+        <a:scrgbClr r="0" g="0" b="0"/>
+      </a:lnRef>
+      <a:fillRef idx="1">
+        <a:scrgbClr r="0" g="0" b="0"/>
+      </a:fillRef>
+      <a:effectRef idx="0">
+        <a:scrgbClr r="0" g="0" b="0"/>
+      </a:effectRef>
+      <a:fontRef idx="minor"/>
+    </dgm:style>
+  </dgm:styleLbl>
+  <dgm:styleLbl name="bgAcc1">
+    <dgm:scene3d>
+      <a:camera prst="orthographicFront"/>
+      <a:lightRig rig="threePt" dir="t"/>
+    </dgm:scene3d>
+    <dgm:sp3d/>
+    <dgm:txPr/>
+    <dgm:style>
+      <a:lnRef idx="2">
+        <a:scrgbClr r="0" g="0" b="0"/>
+      </a:lnRef>
+      <a:fillRef idx="1">
+        <a:scrgbClr r="0" g="0" b="0"/>
+      </a:fillRef>
+      <a:effectRef idx="0">
+        <a:scrgbClr r="0" g="0" b="0"/>
+      </a:effectRef>
+      <a:fontRef idx="minor"/>
+    </dgm:style>
+  </dgm:styleLbl>
+  <dgm:styleLbl name="solidFgAcc1">
+    <dgm:scene3d>
+      <a:camera prst="orthographicFront"/>
+      <a:lightRig rig="threePt" dir="t"/>
+    </dgm:scene3d>
+    <dgm:sp3d/>
+    <dgm:txPr/>
+    <dgm:style>
+      <a:lnRef idx="2">
+        <a:scrgbClr r="0" g="0" b="0"/>
+      </a:lnRef>
+      <a:fillRef idx="1">
+        <a:scrgbClr r="0" g="0" b="0"/>
+      </a:fillRef>
+      <a:effectRef idx="0">
+        <a:scrgbClr r="0" g="0" b="0"/>
+      </a:effectRef>
+      <a:fontRef idx="minor"/>
+    </dgm:style>
+  </dgm:styleLbl>
+  <dgm:styleLbl name="solidAlignAcc1">
+    <dgm:scene3d>
+      <a:camera prst="orthographicFront"/>
+      <a:lightRig rig="threePt" dir="t"/>
+    </dgm:scene3d>
+    <dgm:sp3d/>
+    <dgm:txPr/>
+    <dgm:style>
+      <a:lnRef idx="2">
+        <a:scrgbClr r="0" g="0" b="0"/>
+      </a:lnRef>
+      <a:fillRef idx="1">
+        <a:scrgbClr r="0" g="0" b="0"/>
+      </a:fillRef>
+      <a:effectRef idx="0">
+        <a:scrgbClr r="0" g="0" b="0"/>
+      </a:effectRef>
+      <a:fontRef idx="minor"/>
+    </dgm:style>
+  </dgm:styleLbl>
+  <dgm:styleLbl name="solidBgAcc1">
+    <dgm:scene3d>
+      <a:camera prst="orthographicFront"/>
+      <a:lightRig rig="threePt" dir="t"/>
+    </dgm:scene3d>
+    <dgm:sp3d/>
+    <dgm:txPr/>
+    <dgm:style>
+      <a:lnRef idx="2">
+        <a:scrgbClr r="0" g="0" b="0"/>
+      </a:lnRef>
+      <a:fillRef idx="1">
+        <a:scrgbClr r="0" g="0" b="0"/>
+      </a:fillRef>
+      <a:effectRef idx="0">
+        <a:scrgbClr r="0" g="0" b="0"/>
+      </a:effectRef>
+      <a:fontRef idx="minor"/>
+    </dgm:style>
+  </dgm:styleLbl>
+  <dgm:styleLbl name="fgAccFollowNode1">
+    <dgm:scene3d>
+      <a:camera prst="orthographicFront"/>
+      <a:lightRig rig="threePt" dir="t"/>
+    </dgm:scene3d>
+    <dgm:sp3d/>
+    <dgm:txPr/>
+    <dgm:style>
+      <a:lnRef idx="2">
+        <a:scrgbClr r="0" g="0" b="0"/>
+      </a:lnRef>
+      <a:fillRef idx="1">
+        <a:scrgbClr r="0" g="0" b="0"/>
+      </a:fillRef>
+      <a:effectRef idx="0">
+        <a:scrgbClr r="0" g="0" b="0"/>
+      </a:effectRef>
+      <a:fontRef idx="minor"/>
+    </dgm:style>
+  </dgm:styleLbl>
+  <dgm:styleLbl name="alignAccFollowNode1">
+    <dgm:scene3d>
+      <a:camera prst="orthographicFront"/>
+      <a:lightRig rig="threePt" dir="t"/>
+    </dgm:scene3d>
+    <dgm:sp3d/>
+    <dgm:txPr/>
+    <dgm:style>
+      <a:lnRef idx="2">
+        <a:scrgbClr r="0" g="0" b="0"/>
+      </a:lnRef>
+      <a:fillRef idx="1">
+        <a:scrgbClr r="0" g="0" b="0"/>
+      </a:fillRef>
+      <a:effectRef idx="0">
+        <a:scrgbClr r="0" g="0" b="0"/>
+      </a:effectRef>
+      <a:fontRef idx="minor"/>
+    </dgm:style>
+  </dgm:styleLbl>
+  <dgm:styleLbl name="bgAccFollowNode1">
+    <dgm:scene3d>
+      <a:camera prst="orthographicFront"/>
+      <a:lightRig rig="threePt" dir="t"/>
+    </dgm:scene3d>
+    <dgm:sp3d/>
+    <dgm:txPr/>
+    <dgm:style>
+      <a:lnRef idx="2">
+        <a:scrgbClr r="0" g="0" b="0"/>
+      </a:lnRef>
+      <a:fillRef idx="1">
+        <a:scrgbClr r="0" g="0" b="0"/>
+      </a:fillRef>
+      <a:effectRef idx="0">
+        <a:scrgbClr r="0" g="0" b="0"/>
+      </a:effectRef>
+      <a:fontRef idx="minor"/>
+    </dgm:style>
+  </dgm:styleLbl>
+  <dgm:styleLbl name="fgAcc0">
+    <dgm:scene3d>
+      <a:camera prst="orthographicFront"/>
+      <a:lightRig rig="threePt" dir="t"/>
+    </dgm:scene3d>
+    <dgm:sp3d/>
+    <dgm:txPr/>
+    <dgm:style>
+      <a:lnRef idx="2">
+        <a:scrgbClr r="0" g="0" b="0"/>
+      </a:lnRef>
+      <a:fillRef idx="1">
+        <a:scrgbClr r="0" g="0" b="0"/>
+      </a:fillRef>
+      <a:effectRef idx="0">
+        <a:scrgbClr r="0" g="0" b="0"/>
+      </a:effectRef>
+      <a:fontRef idx="minor"/>
+    </dgm:style>
+  </dgm:styleLbl>
+  <dgm:styleLbl name="fgAcc2">
+    <dgm:scene3d>
+      <a:camera prst="orthographicFront"/>
+      <a:lightRig rig="threePt" dir="t"/>
+    </dgm:scene3d>
+    <dgm:sp3d/>
+    <dgm:txPr/>
+    <dgm:style>
+      <a:lnRef idx="2">
+        <a:scrgbClr r="0" g="0" b="0"/>
+      </a:lnRef>
+      <a:fillRef idx="1">
+        <a:scrgbClr r="0" g="0" b="0"/>
+      </a:fillRef>
+      <a:effectRef idx="0">
+        <a:scrgbClr r="0" g="0" b="0"/>
+      </a:effectRef>
+      <a:fontRef idx="minor"/>
+    </dgm:style>
+  </dgm:styleLbl>
+  <dgm:styleLbl name="fgAcc3">
+    <dgm:scene3d>
+      <a:camera prst="orthographicFront"/>
+      <a:lightRig rig="threePt" dir="t"/>
+    </dgm:scene3d>
+    <dgm:sp3d/>
+    <dgm:txPr/>
+    <dgm:style>
+      <a:lnRef idx="2">
+        <a:scrgbClr r="0" g="0" b="0"/>
+      </a:lnRef>
+      <a:fillRef idx="1">
+        <a:scrgbClr r="0" g="0" b="0"/>
+      </a:fillRef>
+      <a:effectRef idx="0">
+        <a:scrgbClr r="0" g="0" b="0"/>
+      </a:effectRef>
+      <a:fontRef idx="minor"/>
+    </dgm:style>
+  </dgm:styleLbl>
+  <dgm:styleLbl name="fgAcc4">
+    <dgm:scene3d>
+      <a:camera prst="orthographicFront"/>
+      <a:lightRig rig="threePt" dir="t"/>
+    </dgm:scene3d>
+    <dgm:sp3d/>
+    <dgm:txPr/>
+    <dgm:style>
+      <a:lnRef idx="2">
+        <a:scrgbClr r="0" g="0" b="0"/>
+      </a:lnRef>
+      <a:fillRef idx="1">
+        <a:scrgbClr r="0" g="0" b="0"/>
+      </a:fillRef>
+      <a:effectRef idx="0">
+        <a:scrgbClr r="0" g="0" b="0"/>
+      </a:effectRef>
+      <a:fontRef idx="minor"/>
+    </dgm:style>
+  </dgm:styleLbl>
+  <dgm:styleLbl name="bgShp">
+    <dgm:scene3d>
+      <a:camera prst="orthographicFront"/>
+      <a:lightRig rig="threePt" dir="t"/>
+    </dgm:scene3d>
+    <dgm:sp3d/>
+    <dgm:txPr/>
+    <dgm:style>
+      <a:lnRef idx="0">
+        <a:scrgbClr r="0" g="0" b="0"/>
+      </a:lnRef>
+      <a:fillRef idx="1">
+        <a:scrgbClr r="0" g="0" b="0"/>
+      </a:fillRef>
+      <a:effectRef idx="0">
+        <a:scrgbClr r="0" g="0" b="0"/>
+      </a:effectRef>
+      <a:fontRef idx="minor"/>
+    </dgm:style>
+  </dgm:styleLbl>
+  <dgm:styleLbl name="dkBgShp">
+    <dgm:scene3d>
+      <a:camera prst="orthographicFront"/>
+      <a:lightRig rig="threePt" dir="t"/>
+    </dgm:scene3d>
+    <dgm:sp3d/>
+    <dgm:txPr/>
+    <dgm:style>
+      <a:lnRef idx="0">
+        <a:scrgbClr r="0" g="0" b="0"/>
+      </a:lnRef>
+      <a:fillRef idx="1">
+        <a:scrgbClr r="0" g="0" b="0"/>
+      </a:fillRef>
+      <a:effectRef idx="0">
+        <a:scrgbClr r="0" g="0" b="0"/>
+      </a:effectRef>
+      <a:fontRef idx="minor"/>
+    </dgm:style>
+  </dgm:styleLbl>
+  <dgm:styleLbl name="trBgShp">
+    <dgm:scene3d>
+      <a:camera prst="orthographicFront"/>
+      <a:lightRig rig="threePt" dir="t"/>
+    </dgm:scene3d>
+    <dgm:sp3d/>
+    <dgm:txPr/>
+    <dgm:style>
+      <a:lnRef idx="0">
+        <a:scrgbClr r="0" g="0" b="0"/>
+      </a:lnRef>
+      <a:fillRef idx="1">
+        <a:scrgbClr r="0" g="0" b="0"/>
+      </a:fillRef>
+      <a:effectRef idx="0">
+        <a:scrgbClr r="0" g="0" b="0"/>
+      </a:effectRef>
+      <a:fontRef idx="minor"/>
+    </dgm:style>
+  </dgm:styleLbl>
+  <dgm:styleLbl name="fgShp">
+    <dgm:scene3d>
+      <a:camera prst="orthographicFront"/>
+      <a:lightRig rig="threePt" dir="t"/>
+    </dgm:scene3d>
+    <dgm:sp3d/>
+    <dgm:txPr/>
+    <dgm:style>
+      <a:lnRef idx="2">
+        <a:scrgbClr r="0" g="0" b="0"/>
+      </a:lnRef>
+      <a:fillRef idx="1">
+        <a:scrgbClr r="0" g="0" b="0"/>
+      </a:fillRef>
+      <a:effectRef idx="0">
+        <a:scrgbClr r="0" g="0" b="0"/>
+      </a:effectRef>
+      <a:fontRef idx="minor"/>
+    </dgm:style>
+  </dgm:styleLbl>
+  <dgm:styleLbl name="revTx">
+    <dgm:scene3d>
+      <a:camera prst="orthographicFront"/>
+      <a:lightRig rig="threePt" dir="t"/>
+    </dgm:scene3d>
+    <dgm:sp3d/>
+    <dgm:txPr/>
+    <dgm:style>
+      <a:lnRef idx="0">
+        <a:scrgbClr r="0" g="0" b="0"/>
+      </a:lnRef>
+      <a:fillRef idx="0">
+        <a:scrgbClr r="0" g="0" b="0"/>
+      </a:fillRef>
+      <a:effectRef idx="0">
+        <a:scrgbClr r="0" g="0" b="0"/>
+      </a:effectRef>
+      <a:fontRef idx="minor"/>
+    </dgm:style>
+  </dgm:styleLbl>
+</dgm:styleDef>
+</file>
+
+<file path=ppt/diagrams/quickStyle2.xml><?xml version="1.0" encoding="utf-8"?>
 <dgm:styleDef xmlns:dgm="http://schemas.openxmlformats.org/drawingml/2006/diagram" xmlns:a="http://schemas.openxmlformats.org/drawingml/2006/main" uniqueId="urn:microsoft.com/office/officeart/2005/8/quickstyle/simple5">
   <dgm:title val=""/>
   <dgm:desc val=""/>
@@ -15223,7 +17732,7 @@
 </dgm:styleDef>
 </file>
 
-<file path=ppt/diagrams/quickStyle2.xml><?xml version="1.0" encoding="utf-8"?>
+<file path=ppt/diagrams/quickStyle3.xml><?xml version="1.0" encoding="utf-8"?>
 <dgm:styleDef xmlns:dgm="http://schemas.openxmlformats.org/drawingml/2006/diagram" xmlns:a="http://schemas.openxmlformats.org/drawingml/2006/main" uniqueId="urn:microsoft.com/office/officeart/2005/8/quickstyle/simple4">
   <dgm:title val=""/>
   <dgm:desc val=""/>
@@ -16257,7 +18766,7 @@
 </dgm:styleDef>
 </file>
 
-<file path=ppt/diagrams/quickStyle3.xml><?xml version="1.0" encoding="utf-8"?>
+<file path=ppt/diagrams/quickStyle4.xml><?xml version="1.0" encoding="utf-8"?>
 <dgm:styleDef xmlns:dgm="http://schemas.openxmlformats.org/drawingml/2006/diagram" xmlns:a="http://schemas.openxmlformats.org/drawingml/2006/main" uniqueId="urn:microsoft.com/office/officeart/2005/8/quickstyle/simple3">
   <dgm:title val=""/>
   <dgm:desc val=""/>
@@ -17317,7 +19826,7 @@
 </dgm:styleDef>
 </file>
 
-<file path=ppt/diagrams/quickStyle4.xml><?xml version="1.0" encoding="utf-8"?>
+<file path=ppt/diagrams/quickStyle5.xml><?xml version="1.0" encoding="utf-8"?>
 <dgm:styleDef xmlns:dgm="http://schemas.openxmlformats.org/drawingml/2006/diagram" xmlns:a="http://schemas.openxmlformats.org/drawingml/2006/main" uniqueId="urn:microsoft.com/office/officeart/2005/8/quickstyle/simple4">
   <dgm:title val=""/>
   <dgm:desc val=""/>
@@ -18351,7 +20860,7 @@
 </dgm:styleDef>
 </file>
 
-<file path=ppt/diagrams/quickStyle5.xml><?xml version="1.0" encoding="utf-8"?>
+<file path=ppt/diagrams/quickStyle6.xml><?xml version="1.0" encoding="utf-8"?>
 <dgm:styleDef xmlns:dgm="http://schemas.openxmlformats.org/drawingml/2006/diagram" xmlns:a="http://schemas.openxmlformats.org/drawingml/2006/main" uniqueId="urn:microsoft.com/office/officeart/2005/8/quickstyle/simple2">
   <dgm:title val=""/>
   <dgm:desc val=""/>
@@ -19385,7 +21894,7 @@
 </dgm:styleDef>
 </file>
 
-<file path=ppt/diagrams/quickStyle6.xml><?xml version="1.0" encoding="utf-8"?>
+<file path=ppt/diagrams/quickStyle7.xml><?xml version="1.0" encoding="utf-8"?>
 <dgm:styleDef xmlns:dgm="http://schemas.openxmlformats.org/drawingml/2006/diagram" xmlns:a="http://schemas.openxmlformats.org/drawingml/2006/main" uniqueId="urn:microsoft.com/office/officeart/2005/8/quickstyle/simple4">
   <dgm:title val=""/>
   <dgm:desc val=""/>
@@ -20419,7 +22928,7 @@
 </dgm:styleDef>
 </file>
 
-<file path=ppt/diagrams/quickStyle7.xml><?xml version="1.0" encoding="utf-8"?>
+<file path=ppt/diagrams/quickStyle8.xml><?xml version="1.0" encoding="utf-8"?>
 <dgm:styleDef xmlns:dgm="http://schemas.openxmlformats.org/drawingml/2006/diagram" xmlns:a="http://schemas.openxmlformats.org/drawingml/2006/main" uniqueId="urn:microsoft.com/office/officeart/2005/8/quickstyle/simple3">
   <dgm:title val=""/>
   <dgm:desc val=""/>
@@ -21479,7 +23988,7 @@
 </dgm:styleDef>
 </file>
 
-<file path=ppt/diagrams/quickStyle8.xml><?xml version="1.0" encoding="utf-8"?>
+<file path=ppt/diagrams/quickStyle9.xml><?xml version="1.0" encoding="utf-8"?>
 <dgm:styleDef xmlns:dgm="http://schemas.openxmlformats.org/drawingml/2006/diagram" xmlns:a="http://schemas.openxmlformats.org/drawingml/2006/main" uniqueId="urn:microsoft.com/office/officeart/2005/8/quickstyle/simple4">
   <dgm:title val=""/>
   <dgm:desc val=""/>
@@ -22595,7 +25104,7 @@
           <a:p>
             <a:fld id="{E701CE3F-E735-4B0F-B133-C80F28744985}" type="datetimeFigureOut">
               <a:rPr lang="en-US" smtClean="0"/>
-              <a:t>9/2/2015</a:t>
+              <a:t>9/3/2015</a:t>
             </a:fld>
             <a:endParaRPr lang="en-US"/>
           </a:p>
@@ -22947,6 +25456,323 @@
 </p:notes>
 </file>
 
+<file path=ppt/notesSlides/notesSlide2.xml><?xml version="1.0" encoding="utf-8"?>
+<p:notes xmlns:a="http://schemas.openxmlformats.org/drawingml/2006/main" xmlns:r="http://schemas.openxmlformats.org/officeDocument/2006/relationships" xmlns:p="http://schemas.openxmlformats.org/presentationml/2006/main">
+  <p:cSld>
+    <p:spTree>
+      <p:nvGrpSpPr>
+        <p:cNvPr id="1" name=""/>
+        <p:cNvGrpSpPr/>
+        <p:nvPr/>
+      </p:nvGrpSpPr>
+      <p:grpSpPr>
+        <a:xfrm>
+          <a:off x="0" y="0"/>
+          <a:ext cx="0" cy="0"/>
+          <a:chOff x="0" y="0"/>
+          <a:chExt cx="0" cy="0"/>
+        </a:xfrm>
+      </p:grpSpPr>
+      <p:sp>
+        <p:nvSpPr>
+          <p:cNvPr id="2" name="Slide Image Placeholder 1"/>
+          <p:cNvSpPr>
+            <a:spLocks noGrp="1" noRot="1" noChangeAspect="1"/>
+          </p:cNvSpPr>
+          <p:nvPr>
+            <p:ph type="sldImg"/>
+          </p:nvPr>
+        </p:nvSpPr>
+        <p:spPr/>
+      </p:sp>
+      <p:sp>
+        <p:nvSpPr>
+          <p:cNvPr id="3" name="Notes Placeholder 2"/>
+          <p:cNvSpPr>
+            <a:spLocks noGrp="1"/>
+          </p:cNvSpPr>
+          <p:nvPr>
+            <p:ph type="body" idx="1"/>
+          </p:nvPr>
+        </p:nvSpPr>
+        <p:spPr/>
+        <p:txBody>
+          <a:bodyPr/>
+          <a:lstStyle/>
+          <a:p>
+            <a:pPr marL="171450" indent="-171450">
+              <a:buFont typeface="Arial" panose="020B0604020202020204" pitchFamily="34" charset="0"/>
+              <a:buChar char="•"/>
+            </a:pPr>
+            <a:r>
+              <a:rPr lang="en-US" dirty="0" smtClean="0"/>
+              <a:t>IA Dashboard: Easy access to information through an integrated platform</a:t>
+            </a:r>
+          </a:p>
+          <a:p>
+            <a:pPr marL="171450" indent="-171450">
+              <a:buFont typeface="Arial" panose="020B0604020202020204" pitchFamily="34" charset="0"/>
+              <a:buChar char="•"/>
+            </a:pPr>
+            <a:r>
+              <a:rPr lang="en-US" dirty="0" smtClean="0"/>
+              <a:t>Aggregate internal and external information</a:t>
+            </a:r>
+          </a:p>
+          <a:p>
+            <a:pPr marL="171450" indent="-171450">
+              <a:buFont typeface="Arial" panose="020B0604020202020204" pitchFamily="34" charset="0"/>
+              <a:buChar char="•"/>
+            </a:pPr>
+            <a:r>
+              <a:rPr lang="en-US" dirty="0" smtClean="0"/>
+              <a:t>Customize and automate the integration process</a:t>
+            </a:r>
+          </a:p>
+          <a:p>
+            <a:pPr marL="171450" indent="-171450">
+              <a:buFont typeface="Arial" panose="020B0604020202020204" pitchFamily="34" charset="0"/>
+              <a:buChar char="•"/>
+            </a:pPr>
+            <a:r>
+              <a:rPr lang="en-US" dirty="0" smtClean="0"/>
+              <a:t>Easy</a:t>
+            </a:r>
+            <a:r>
+              <a:rPr lang="en-US" baseline="0" dirty="0" smtClean="0"/>
+              <a:t> access to key metrics</a:t>
+            </a:r>
+            <a:r>
+              <a:rPr lang="en-US" dirty="0" smtClean="0"/>
+              <a:t> </a:t>
+            </a:r>
+          </a:p>
+          <a:p>
+            <a:pPr marL="171450" indent="-171450">
+              <a:buFont typeface="Arial" panose="020B0604020202020204" pitchFamily="34" charset="0"/>
+              <a:buChar char="•"/>
+            </a:pPr>
+            <a:endParaRPr lang="en-US" dirty="0"/>
+          </a:p>
+        </p:txBody>
+      </p:sp>
+      <p:sp>
+        <p:nvSpPr>
+          <p:cNvPr id="4" name="Slide Number Placeholder 3"/>
+          <p:cNvSpPr>
+            <a:spLocks noGrp="1"/>
+          </p:cNvSpPr>
+          <p:nvPr>
+            <p:ph type="sldNum" sz="quarter" idx="10"/>
+          </p:nvPr>
+        </p:nvSpPr>
+        <p:spPr/>
+        <p:txBody>
+          <a:bodyPr/>
+          <a:lstStyle/>
+          <a:p>
+            <a:fld id="{D6ED51D1-FF25-4335-AA7F-89E9B74036CF}" type="slidenum">
+              <a:rPr lang="en-US" smtClean="0"/>
+              <a:t>2</a:t>
+            </a:fld>
+            <a:endParaRPr lang="en-US"/>
+          </a:p>
+        </p:txBody>
+      </p:sp>
+    </p:spTree>
+    <p:extLst>
+      <p:ext uri="{BB962C8B-B14F-4D97-AF65-F5344CB8AC3E}">
+        <p14:creationId xmlns:p14="http://schemas.microsoft.com/office/powerpoint/2010/main" val="173859084"/>
+      </p:ext>
+    </p:extLst>
+  </p:cSld>
+  <p:clrMapOvr>
+    <a:masterClrMapping/>
+  </p:clrMapOvr>
+</p:notes>
+</file>
+
+<file path=ppt/notesSlides/notesSlide3.xml><?xml version="1.0" encoding="utf-8"?>
+<p:notes xmlns:a="http://schemas.openxmlformats.org/drawingml/2006/main" xmlns:r="http://schemas.openxmlformats.org/officeDocument/2006/relationships" xmlns:p="http://schemas.openxmlformats.org/presentationml/2006/main">
+  <p:cSld>
+    <p:spTree>
+      <p:nvGrpSpPr>
+        <p:cNvPr id="1" name=""/>
+        <p:cNvGrpSpPr/>
+        <p:nvPr/>
+      </p:nvGrpSpPr>
+      <p:grpSpPr>
+        <a:xfrm>
+          <a:off x="0" y="0"/>
+          <a:ext cx="0" cy="0"/>
+          <a:chOff x="0" y="0"/>
+          <a:chExt cx="0" cy="0"/>
+        </a:xfrm>
+      </p:grpSpPr>
+      <p:sp>
+        <p:nvSpPr>
+          <p:cNvPr id="2" name="Slide Image Placeholder 1"/>
+          <p:cNvSpPr>
+            <a:spLocks noGrp="1" noRot="1" noChangeAspect="1"/>
+          </p:cNvSpPr>
+          <p:nvPr>
+            <p:ph type="sldImg"/>
+          </p:nvPr>
+        </p:nvSpPr>
+        <p:spPr/>
+      </p:sp>
+      <p:sp>
+        <p:nvSpPr>
+          <p:cNvPr id="3" name="Notes Placeholder 2"/>
+          <p:cNvSpPr>
+            <a:spLocks noGrp="1"/>
+          </p:cNvSpPr>
+          <p:nvPr>
+            <p:ph type="body" idx="1"/>
+          </p:nvPr>
+        </p:nvSpPr>
+        <p:spPr/>
+        <p:txBody>
+          <a:bodyPr/>
+          <a:lstStyle/>
+          <a:p>
+            <a:pPr marL="171450" marR="0" lvl="0" indent="-171450" algn="l" defTabSz="914400" rtl="0" eaLnBrk="1" fontAlgn="auto" latinLnBrk="0" hangingPunct="1">
+              <a:lnSpc>
+                <a:spcPct val="100000"/>
+              </a:lnSpc>
+              <a:spcBef>
+                <a:spcPts val="0"/>
+              </a:spcBef>
+              <a:spcAft>
+                <a:spcPts val="0"/>
+              </a:spcAft>
+              <a:buClrTx/>
+              <a:buSzTx/>
+              <a:buFont typeface="Arial" panose="020B0604020202020204" pitchFamily="34" charset="0"/>
+              <a:buChar char="•"/>
+              <a:tabLst/>
+              <a:defRPr/>
+            </a:pPr>
+            <a:r>
+              <a:rPr lang="en-US" dirty="0" err="1" smtClean="0"/>
+              <a:t>Kuali</a:t>
+            </a:r>
+            <a:r>
+              <a:rPr lang="en-US" dirty="0" smtClean="0"/>
+              <a:t> foundation: </a:t>
+            </a:r>
+            <a:r>
+              <a:rPr lang="en-US" dirty="0" smtClean="0"/>
+              <a:t>Enterprise Resource Planning software for higher education developed by higher education</a:t>
+            </a:r>
+          </a:p>
+          <a:p>
+            <a:pPr marL="171450" indent="-171450">
+              <a:buFont typeface="Arial" panose="020B0604020202020204" pitchFamily="34" charset="0"/>
+              <a:buChar char="•"/>
+            </a:pPr>
+            <a:r>
+              <a:rPr lang="en-US" dirty="0" smtClean="0"/>
+              <a:t>Out-of</a:t>
+            </a:r>
+            <a:r>
+              <a:rPr lang="en-US" baseline="0" dirty="0" smtClean="0"/>
+              <a:t>-the-box modules with easy customization</a:t>
+            </a:r>
+          </a:p>
+          <a:p>
+            <a:pPr marL="171450" indent="-171450">
+              <a:buFont typeface="Arial" panose="020B0604020202020204" pitchFamily="34" charset="0"/>
+              <a:buChar char="•"/>
+            </a:pPr>
+            <a:r>
+              <a:rPr lang="en-US" baseline="0" dirty="0" smtClean="0"/>
+              <a:t>**Open link and navigate to Atif Shamim data: </a:t>
+            </a:r>
+          </a:p>
+          <a:p>
+            <a:pPr marL="628650" lvl="1" indent="-171450">
+              <a:buFont typeface="Arial" panose="020B0604020202020204" pitchFamily="34" charset="0"/>
+              <a:buChar char="•"/>
+            </a:pPr>
+            <a:r>
+              <a:rPr lang="en-US" baseline="0" dirty="0" smtClean="0"/>
+              <a:t>Show profile info</a:t>
+            </a:r>
+          </a:p>
+          <a:p>
+            <a:pPr marL="628650" lvl="1" indent="-171450">
+              <a:buFont typeface="Arial" panose="020B0604020202020204" pitchFamily="34" charset="0"/>
+              <a:buChar char="•"/>
+            </a:pPr>
+            <a:r>
+              <a:rPr lang="en-US" baseline="0" dirty="0" smtClean="0"/>
+              <a:t>Awards and contracts</a:t>
+            </a:r>
+          </a:p>
+          <a:p>
+            <a:pPr marL="628650" lvl="1" indent="-171450">
+              <a:buFont typeface="Arial" panose="020B0604020202020204" pitchFamily="34" charset="0"/>
+              <a:buChar char="•"/>
+            </a:pPr>
+            <a:r>
+              <a:rPr lang="en-US" baseline="0" dirty="0" smtClean="0"/>
+              <a:t>Publications (from Scopus)</a:t>
+            </a:r>
+          </a:p>
+          <a:p>
+            <a:pPr marL="628650" lvl="1" indent="-171450">
+              <a:buFont typeface="Arial" panose="020B0604020202020204" pitchFamily="34" charset="0"/>
+              <a:buChar char="•"/>
+            </a:pPr>
+            <a:r>
+              <a:rPr lang="en-US" baseline="0" dirty="0" smtClean="0"/>
+              <a:t> Highlight </a:t>
+            </a:r>
+            <a:r>
+              <a:rPr lang="en-US" baseline="0" smtClean="0"/>
+              <a:t>patent data</a:t>
+            </a:r>
+            <a:endParaRPr lang="en-US" dirty="0"/>
+          </a:p>
+        </p:txBody>
+      </p:sp>
+      <p:sp>
+        <p:nvSpPr>
+          <p:cNvPr id="4" name="Slide Number Placeholder 3"/>
+          <p:cNvSpPr>
+            <a:spLocks noGrp="1"/>
+          </p:cNvSpPr>
+          <p:nvPr>
+            <p:ph type="sldNum" sz="quarter" idx="10"/>
+          </p:nvPr>
+        </p:nvSpPr>
+        <p:spPr/>
+        <p:txBody>
+          <a:bodyPr/>
+          <a:lstStyle/>
+          <a:p>
+            <a:fld id="{D6ED51D1-FF25-4335-AA7F-89E9B74036CF}" type="slidenum">
+              <a:rPr lang="en-US" smtClean="0"/>
+              <a:t>5</a:t>
+            </a:fld>
+            <a:endParaRPr lang="en-US"/>
+          </a:p>
+        </p:txBody>
+      </p:sp>
+    </p:spTree>
+    <p:extLst>
+      <p:ext uri="{BB962C8B-B14F-4D97-AF65-F5344CB8AC3E}">
+        <p14:creationId xmlns:p14="http://schemas.microsoft.com/office/powerpoint/2010/main" val="3613866174"/>
+      </p:ext>
+    </p:extLst>
+  </p:cSld>
+  <p:clrMapOvr>
+    <a:masterClrMapping/>
+  </p:clrMapOvr>
+</p:notes>
+</file>
+
 <file path=ppt/slideLayouts/slideLayout1.xml><?xml version="1.0" encoding="utf-8"?>
 <p:sldLayout xmlns:a="http://schemas.openxmlformats.org/drawingml/2006/main" xmlns:r="http://schemas.openxmlformats.org/officeDocument/2006/relationships" xmlns:p="http://schemas.openxmlformats.org/presentationml/2006/main" type="title" preserve="1">
   <p:cSld name="Title Slide">
@@ -23187,7 +26013,7 @@
           <a:p>
             <a:fld id="{99C6CB9F-D057-4A90-9D17-13420C3901F9}" type="datetime1">
               <a:rPr lang="en-US" smtClean="0"/>
-              <a:t>9/2/2015</a:t>
+              <a:t>9/3/2015</a:t>
             </a:fld>
             <a:endParaRPr lang="en-US"/>
           </a:p>
@@ -23662,7 +26488,7 @@
           <a:p>
             <a:fld id="{C18C1EEC-BADA-429B-A02E-5BC8B15831F0}" type="datetime1">
               <a:rPr lang="en-US" smtClean="0"/>
-              <a:t>9/2/2015</a:t>
+              <a:t>9/3/2015</a:t>
             </a:fld>
             <a:endParaRPr lang="en-US"/>
           </a:p>
@@ -24113,7 +26939,7 @@
           <a:p>
             <a:fld id="{65ABDBE5-AB57-4467-9335-8ED42649EDDC}" type="datetime1">
               <a:rPr lang="en-US" smtClean="0"/>
-              <a:t>9/2/2015</a:t>
+              <a:t>9/3/2015</a:t>
             </a:fld>
             <a:endParaRPr lang="en-US"/>
           </a:p>
@@ -24526,7 +27352,7 @@
                   </a:prstClr>
                 </a:solidFill>
               </a:rPr>
-              <a:t>9/2/2015</a:t>
+              <a:t>9/3/2015</a:t>
             </a:fld>
             <a:endParaRPr lang="en-US" dirty="0" smtClean="0">
               <a:solidFill>
@@ -24983,7 +27809,7 @@
                   </a:prstClr>
                 </a:solidFill>
               </a:rPr>
-              <a:t>9/2/2015</a:t>
+              <a:t>9/3/2015</a:t>
             </a:fld>
             <a:endParaRPr lang="en-US" dirty="0" smtClean="0">
               <a:solidFill>
@@ -25517,7 +28343,7 @@
                   </a:prstClr>
                 </a:solidFill>
               </a:rPr>
-              <a:t>9/2/2015</a:t>
+              <a:t>9/3/2015</a:t>
             </a:fld>
             <a:endParaRPr lang="en-US" dirty="0" smtClean="0">
               <a:solidFill>
@@ -25991,7 +28817,7 @@
                   </a:prstClr>
                 </a:solidFill>
               </a:rPr>
-              <a:t>9/2/2015</a:t>
+              <a:t>9/3/2015</a:t>
             </a:fld>
             <a:endParaRPr lang="en-US" dirty="0" smtClean="0">
               <a:solidFill>
@@ -26595,7 +29421,7 @@
                   </a:prstClr>
                 </a:solidFill>
               </a:rPr>
-              <a:t>9/2/2015</a:t>
+              <a:t>9/3/2015</a:t>
             </a:fld>
             <a:endParaRPr lang="en-US" dirty="0" smtClean="0">
               <a:solidFill>
@@ -26955,7 +29781,7 @@
                   </a:prstClr>
                 </a:solidFill>
               </a:rPr>
-              <a:t>9/2/2015</a:t>
+              <a:t>9/3/2015</a:t>
             </a:fld>
             <a:endParaRPr lang="en-US" dirty="0" smtClean="0">
               <a:solidFill>
@@ -27315,7 +30141,7 @@
                   </a:prstClr>
                 </a:solidFill>
               </a:rPr>
-              <a:t>9/2/2015</a:t>
+              <a:t>9/3/2015</a:t>
             </a:fld>
             <a:endParaRPr lang="en-US" dirty="0" smtClean="0">
               <a:solidFill>
@@ -27726,7 +30552,7 @@
           <a:p>
             <a:fld id="{13CFA5C5-2871-4A3D-B060-087D1EB906BD}" type="datetime1">
               <a:rPr lang="en-US" smtClean="0"/>
-              <a:t>9/2/2015</a:t>
+              <a:t>9/3/2015</a:t>
             </a:fld>
             <a:endParaRPr lang="en-US"/>
           </a:p>
@@ -28262,7 +31088,7 @@
                   </a:prstClr>
                 </a:solidFill>
               </a:rPr>
-              <a:t>9/2/2015</a:t>
+              <a:t>9/3/2015</a:t>
             </a:fld>
             <a:endParaRPr lang="en-US" dirty="0" smtClean="0">
               <a:solidFill>
@@ -28809,7 +31635,7 @@
                   </a:prstClr>
                 </a:solidFill>
               </a:rPr>
-              <a:t>9/2/2015</a:t>
+              <a:t>9/3/2015</a:t>
             </a:fld>
             <a:endParaRPr lang="en-US" dirty="0" smtClean="0">
               <a:solidFill>
@@ -29221,7 +32047,7 @@
                   </a:prstClr>
                 </a:solidFill>
               </a:rPr>
-              <a:t>9/2/2015</a:t>
+              <a:t>9/3/2015</a:t>
             </a:fld>
             <a:endParaRPr lang="en-US" dirty="0" smtClean="0">
               <a:solidFill>
@@ -29691,7 +32517,7 @@
                   </a:prstClr>
                 </a:solidFill>
               </a:rPr>
-              <a:t>9/2/2015</a:t>
+              <a:t>9/3/2015</a:t>
             </a:fld>
             <a:endParaRPr lang="en-US" dirty="0" smtClean="0">
               <a:solidFill>
@@ -30036,7 +32862,7 @@
                   </a:prstClr>
                 </a:solidFill>
               </a:rPr>
-              <a:t>9/2/2015</a:t>
+              <a:t>9/3/2015</a:t>
             </a:fld>
             <a:endParaRPr lang="en-US" dirty="0" smtClean="0">
               <a:solidFill>
@@ -30493,7 +33319,7 @@
                   </a:prstClr>
                 </a:solidFill>
               </a:rPr>
-              <a:t>9/2/2015</a:t>
+              <a:t>9/3/2015</a:t>
             </a:fld>
             <a:endParaRPr lang="en-US" dirty="0" smtClean="0">
               <a:solidFill>
@@ -31027,7 +33853,7 @@
                   </a:prstClr>
                 </a:solidFill>
               </a:rPr>
-              <a:t>9/2/2015</a:t>
+              <a:t>9/3/2015</a:t>
             </a:fld>
             <a:endParaRPr lang="en-US" dirty="0" smtClean="0">
               <a:solidFill>
@@ -31501,7 +34327,7 @@
                   </a:prstClr>
                 </a:solidFill>
               </a:rPr>
-              <a:t>9/2/2015</a:t>
+              <a:t>9/3/2015</a:t>
             </a:fld>
             <a:endParaRPr lang="en-US" dirty="0" smtClean="0">
               <a:solidFill>
@@ -32105,7 +34931,7 @@
                   </a:prstClr>
                 </a:solidFill>
               </a:rPr>
-              <a:t>9/2/2015</a:t>
+              <a:t>9/3/2015</a:t>
             </a:fld>
             <a:endParaRPr lang="en-US" dirty="0" smtClean="0">
               <a:solidFill>
@@ -32465,7 +35291,7 @@
                   </a:prstClr>
                 </a:solidFill>
               </a:rPr>
-              <a:t>9/2/2015</a:t>
+              <a:t>9/3/2015</a:t>
             </a:fld>
             <a:endParaRPr lang="en-US" dirty="0" smtClean="0">
               <a:solidFill>
@@ -33011,7 +35837,7 @@
           <a:p>
             <a:fld id="{2F085949-796E-45E6-97CD-0F5BB9F69EAF}" type="datetime1">
               <a:rPr lang="en-US" smtClean="0"/>
-              <a:t>9/2/2015</a:t>
+              <a:t>9/3/2015</a:t>
             </a:fld>
             <a:endParaRPr lang="en-US"/>
           </a:p>
@@ -33340,7 +36166,7 @@
                   </a:prstClr>
                 </a:solidFill>
               </a:rPr>
-              <a:t>9/2/2015</a:t>
+              <a:t>9/3/2015</a:t>
             </a:fld>
             <a:endParaRPr lang="en-US" dirty="0" smtClean="0">
               <a:solidFill>
@@ -33907,7 +36733,7 @@
                   </a:prstClr>
                 </a:solidFill>
               </a:rPr>
-              <a:t>9/2/2015</a:t>
+              <a:t>9/3/2015</a:t>
             </a:fld>
             <a:endParaRPr lang="en-US" dirty="0" smtClean="0">
               <a:solidFill>
@@ -34454,7 +37280,7 @@
                   </a:prstClr>
                 </a:solidFill>
               </a:rPr>
-              <a:t>9/2/2015</a:t>
+              <a:t>9/3/2015</a:t>
             </a:fld>
             <a:endParaRPr lang="en-US" dirty="0" smtClean="0">
               <a:solidFill>
@@ -34866,7 +37692,7 @@
                   </a:prstClr>
                 </a:solidFill>
               </a:rPr>
-              <a:t>9/2/2015</a:t>
+              <a:t>9/3/2015</a:t>
             </a:fld>
             <a:endParaRPr lang="en-US" dirty="0" smtClean="0">
               <a:solidFill>
@@ -35336,7 +38162,7 @@
                   </a:prstClr>
                 </a:solidFill>
               </a:rPr>
-              <a:t>9/2/2015</a:t>
+              <a:t>9/3/2015</a:t>
             </a:fld>
             <a:endParaRPr lang="en-US" dirty="0" smtClean="0">
               <a:solidFill>
@@ -35681,7 +38507,7 @@
                   </a:prstClr>
                 </a:solidFill>
               </a:rPr>
-              <a:t>9/2/2015</a:t>
+              <a:t>9/3/2015</a:t>
             </a:fld>
             <a:endParaRPr lang="en-US" dirty="0" smtClean="0">
               <a:solidFill>
@@ -36168,7 +38994,7 @@
                   </a:prstClr>
                 </a:solidFill>
               </a:rPr>
-              <a:t>9/2/2015</a:t>
+              <a:t>9/3/2015</a:t>
             </a:fld>
             <a:endParaRPr lang="en-US" dirty="0" smtClean="0">
               <a:solidFill>
@@ -36702,7 +39528,7 @@
                   </a:prstClr>
                 </a:solidFill>
               </a:rPr>
-              <a:t>9/2/2015</a:t>
+              <a:t>9/3/2015</a:t>
             </a:fld>
             <a:endParaRPr lang="en-US" dirty="0" smtClean="0">
               <a:solidFill>
@@ -37176,7 +40002,7 @@
                   </a:prstClr>
                 </a:solidFill>
               </a:rPr>
-              <a:t>9/2/2015</a:t>
+              <a:t>9/3/2015</a:t>
             </a:fld>
             <a:endParaRPr lang="en-US" dirty="0" smtClean="0">
               <a:solidFill>
@@ -37780,7 +40606,7 @@
                   </a:prstClr>
                 </a:solidFill>
               </a:rPr>
-              <a:t>9/2/2015</a:t>
+              <a:t>9/3/2015</a:t>
             </a:fld>
             <a:endParaRPr lang="en-US" dirty="0" smtClean="0">
               <a:solidFill>
@@ -38278,7 +41104,7 @@
           <a:p>
             <a:fld id="{F7143563-DFFE-4E26-9777-8A0269946C5E}" type="datetime1">
               <a:rPr lang="en-US" smtClean="0"/>
-              <a:t>9/2/2015</a:t>
+              <a:t>9/3/2015</a:t>
             </a:fld>
             <a:endParaRPr lang="en-US"/>
           </a:p>
@@ -38607,7 +41433,7 @@
                   </a:prstClr>
                 </a:solidFill>
               </a:rPr>
-              <a:t>9/2/2015</a:t>
+              <a:t>9/3/2015</a:t>
             </a:fld>
             <a:endParaRPr lang="en-US" dirty="0" smtClean="0">
               <a:solidFill>
@@ -38967,7 +41793,7 @@
                   </a:prstClr>
                 </a:solidFill>
               </a:rPr>
-              <a:t>9/2/2015</a:t>
+              <a:t>9/3/2015</a:t>
             </a:fld>
             <a:endParaRPr lang="en-US" dirty="0" smtClean="0">
               <a:solidFill>
@@ -39534,7 +42360,7 @@
                   </a:prstClr>
                 </a:solidFill>
               </a:rPr>
-              <a:t>9/2/2015</a:t>
+              <a:t>9/3/2015</a:t>
             </a:fld>
             <a:endParaRPr lang="en-US" dirty="0" smtClean="0">
               <a:solidFill>
@@ -40081,7 +42907,7 @@
                   </a:prstClr>
                 </a:solidFill>
               </a:rPr>
-              <a:t>9/2/2015</a:t>
+              <a:t>9/3/2015</a:t>
             </a:fld>
             <a:endParaRPr lang="en-US" dirty="0" smtClean="0">
               <a:solidFill>
@@ -40493,7 +43319,7 @@
                   </a:prstClr>
                 </a:solidFill>
               </a:rPr>
-              <a:t>9/2/2015</a:t>
+              <a:t>9/3/2015</a:t>
             </a:fld>
             <a:endParaRPr lang="en-US" dirty="0" smtClean="0">
               <a:solidFill>
@@ -40963,7 +43789,7 @@
                   </a:prstClr>
                 </a:solidFill>
               </a:rPr>
-              <a:t>9/2/2015</a:t>
+              <a:t>9/3/2015</a:t>
             </a:fld>
             <a:endParaRPr lang="en-US" dirty="0" smtClean="0">
               <a:solidFill>
@@ -41136,7 +43962,7 @@
                   </a:prstClr>
                 </a:solidFill>
               </a:rPr>
-              <a:t>9/2/2015</a:t>
+              <a:t>9/3/2015</a:t>
             </a:fld>
             <a:endParaRPr lang="en-US" dirty="0">
               <a:solidFill>
@@ -41727,7 +44553,7 @@
           <a:p>
             <a:fld id="{A38939BD-FE3B-4E76-A965-F36EE92BEC89}" type="datetime1">
               <a:rPr lang="en-US" smtClean="0"/>
-              <a:t>9/2/2015</a:t>
+              <a:t>9/3/2015</a:t>
             </a:fld>
             <a:endParaRPr lang="en-US"/>
           </a:p>
@@ -42080,7 +44906,7 @@
           <a:p>
             <a:fld id="{E587EB95-FDAE-44A1-A2BA-A0BFC8A11A04}" type="datetime1">
               <a:rPr lang="en-US" smtClean="0"/>
-              <a:t>9/2/2015</a:t>
+              <a:t>9/3/2015</a:t>
             </a:fld>
             <a:endParaRPr lang="en-US"/>
           </a:p>
@@ -42433,7 +45259,7 @@
           <a:p>
             <a:fld id="{2670A869-FC0E-4A57-B87E-AD25A9B87017}" type="datetime1">
               <a:rPr lang="en-US" smtClean="0"/>
-              <a:t>9/2/2015</a:t>
+              <a:t>9/3/2015</a:t>
             </a:fld>
             <a:endParaRPr lang="en-US"/>
           </a:p>
@@ -42981,7 +45807,7 @@
           <a:p>
             <a:fld id="{001ED612-0289-4B26-A470-7BBD52A458FC}" type="datetime1">
               <a:rPr lang="en-US" smtClean="0"/>
-              <a:t>9/2/2015</a:t>
+              <a:t>9/3/2015</a:t>
             </a:fld>
             <a:endParaRPr lang="en-US"/>
           </a:p>
@@ -43509,7 +46335,7 @@
           <a:p>
             <a:fld id="{822D1C4E-DBE9-4C48-A045-16383EA58582}" type="datetime1">
               <a:rPr lang="en-US" smtClean="0"/>
-              <a:t>9/2/2015</a:t>
+              <a:t>9/3/2015</a:t>
             </a:fld>
             <a:endParaRPr lang="en-US"/>
           </a:p>
@@ -43763,7 +46589,7 @@
           <a:p>
             <a:fld id="{2545BFEF-378B-42BE-8128-F62B96D2A341}" type="datetime1">
               <a:rPr lang="en-US" smtClean="0"/>
-              <a:t>9/2/2015</a:t>
+              <a:t>9/3/2015</a:t>
             </a:fld>
             <a:endParaRPr lang="en-US"/>
           </a:p>
@@ -44322,7 +47148,7 @@
                   </a:prstClr>
                 </a:solidFill>
               </a:rPr>
-              <a:t>9/2/2015</a:t>
+              <a:t>9/3/2015</a:t>
             </a:fld>
             <a:endParaRPr lang="en-US" dirty="0">
               <a:solidFill>
@@ -44911,7 +47737,7 @@
                   </a:prstClr>
                 </a:solidFill>
               </a:rPr>
-              <a:t>9/2/2015</a:t>
+              <a:t>9/3/2015</a:t>
             </a:fld>
             <a:endParaRPr lang="en-US" dirty="0">
               <a:solidFill>
@@ -45530,7 +48356,7 @@
                   </a:prstClr>
                 </a:solidFill>
               </a:rPr>
-              <a:t>9/2/2015</a:t>
+              <a:t>9/3/2015</a:t>
             </a:fld>
             <a:endParaRPr lang="en-US" dirty="0">
               <a:solidFill>
@@ -46083,6 +48909,280 @@
           <a:p>
             <a:r>
               <a:rPr lang="en-US" dirty="0" smtClean="0"/>
+              <a:t>Integrative Activities Dashboard</a:t>
+            </a:r>
+            <a:endParaRPr lang="en-US" dirty="0"/>
+          </a:p>
+        </p:txBody>
+      </p:sp>
+      <p:sp>
+        <p:nvSpPr>
+          <p:cNvPr id="4" name="Date Placeholder 3"/>
+          <p:cNvSpPr>
+            <a:spLocks noGrp="1"/>
+          </p:cNvSpPr>
+          <p:nvPr>
+            <p:ph type="dt" sz="half" idx="10"/>
+          </p:nvPr>
+        </p:nvSpPr>
+        <p:spPr/>
+        <p:txBody>
+          <a:bodyPr/>
+          <a:lstStyle/>
+          <a:p>
+            <a:fld id="{2B1743E6-6860-42AA-A87B-8466535E9D39}" type="datetime1">
+              <a:rPr lang="en-US" smtClean="0">
+                <a:solidFill>
+                  <a:prstClr val="white">
+                    <a:lumMod val="85000"/>
+                  </a:prstClr>
+                </a:solidFill>
+              </a:rPr>
+              <a:t>9/3/2015</a:t>
+            </a:fld>
+            <a:endParaRPr lang="en-US" dirty="0" smtClean="0">
+              <a:solidFill>
+                <a:prstClr val="white">
+                  <a:lumMod val="85000"/>
+                </a:prstClr>
+              </a:solidFill>
+            </a:endParaRPr>
+          </a:p>
+        </p:txBody>
+      </p:sp>
+      <p:sp>
+        <p:nvSpPr>
+          <p:cNvPr id="5" name="Slide Number Placeholder 4"/>
+          <p:cNvSpPr>
+            <a:spLocks noGrp="1"/>
+          </p:cNvSpPr>
+          <p:nvPr>
+            <p:ph type="sldNum" sz="quarter" idx="12"/>
+          </p:nvPr>
+        </p:nvSpPr>
+        <p:spPr/>
+        <p:txBody>
+          <a:bodyPr/>
+          <a:lstStyle/>
+          <a:p>
+            <a:fld id="{9F78C6DE-7EFE-4505-AA8F-0C0ACAC5D5CC}" type="slidenum">
+              <a:rPr lang="en-US" smtClean="0">
+                <a:solidFill>
+                  <a:prstClr val="white">
+                    <a:lumMod val="85000"/>
+                  </a:prstClr>
+                </a:solidFill>
+              </a:rPr>
+              <a:pPr/>
+              <a:t>2</a:t>
+            </a:fld>
+            <a:endParaRPr lang="en-US" dirty="0">
+              <a:solidFill>
+                <a:prstClr val="white">
+                  <a:lumMod val="85000"/>
+                </a:prstClr>
+              </a:solidFill>
+            </a:endParaRPr>
+          </a:p>
+        </p:txBody>
+      </p:sp>
+      <p:sp>
+        <p:nvSpPr>
+          <p:cNvPr id="10" name="TextBox 9"/>
+          <p:cNvSpPr txBox="1"/>
+          <p:nvPr/>
+        </p:nvSpPr>
+        <p:spPr>
+          <a:xfrm>
+            <a:off x="1024721" y="3655064"/>
+            <a:ext cx="2337499" cy="246221"/>
+          </a:xfrm>
+          <a:prstGeom prst="rect">
+            <a:avLst/>
+          </a:prstGeom>
+          <a:noFill/>
+        </p:spPr>
+        <p:txBody>
+          <a:bodyPr wrap="none" rtlCol="0">
+            <a:spAutoFit/>
+          </a:bodyPr>
+          <a:lstStyle/>
+          <a:p>
+            <a:pPr marL="114300" indent="-114300">
+              <a:buFont typeface="Arial" panose="020B0604020202020204" pitchFamily="34" charset="0"/>
+              <a:buChar char="•"/>
+            </a:pPr>
+            <a:r>
+              <a:rPr lang="en-US" sz="1000" dirty="0" smtClean="0"/>
+              <a:t>Combine internal, external </a:t>
+            </a:r>
+            <a:r>
+              <a:rPr lang="en-US" sz="1000" dirty="0" smtClean="0"/>
+              <a:t>information</a:t>
+            </a:r>
+            <a:endParaRPr lang="en-US" sz="1000" dirty="0"/>
+          </a:p>
+        </p:txBody>
+      </p:sp>
+      <p:sp>
+        <p:nvSpPr>
+          <p:cNvPr id="11" name="TextBox 10"/>
+          <p:cNvSpPr txBox="1"/>
+          <p:nvPr/>
+        </p:nvSpPr>
+        <p:spPr>
+          <a:xfrm>
+            <a:off x="5288931" y="3655401"/>
+            <a:ext cx="1949573" cy="246221"/>
+          </a:xfrm>
+          <a:prstGeom prst="rect">
+            <a:avLst/>
+          </a:prstGeom>
+          <a:noFill/>
+        </p:spPr>
+        <p:txBody>
+          <a:bodyPr wrap="none" rtlCol="0">
+            <a:spAutoFit/>
+          </a:bodyPr>
+          <a:lstStyle/>
+          <a:p>
+            <a:pPr marL="114300" indent="-114300">
+              <a:buFont typeface="Arial" panose="020B0604020202020204" pitchFamily="34" charset="0"/>
+              <a:buChar char="•"/>
+            </a:pPr>
+            <a:r>
+              <a:rPr lang="en-US" sz="1000" dirty="0" smtClean="0"/>
+              <a:t>Access </a:t>
+            </a:r>
+            <a:r>
+              <a:rPr lang="en-US" sz="1000" dirty="0" smtClean="0"/>
+              <a:t>information, </a:t>
+            </a:r>
+            <a:r>
+              <a:rPr lang="en-US" sz="1000" dirty="0" smtClean="0"/>
+              <a:t>key </a:t>
+            </a:r>
+            <a:r>
+              <a:rPr lang="en-US" sz="1000" dirty="0" smtClean="0"/>
+              <a:t>metrics</a:t>
+            </a:r>
+            <a:endParaRPr lang="en-US" sz="1000" dirty="0"/>
+          </a:p>
+        </p:txBody>
+      </p:sp>
+      <p:sp>
+        <p:nvSpPr>
+          <p:cNvPr id="12" name="TextBox 11"/>
+          <p:cNvSpPr txBox="1"/>
+          <p:nvPr/>
+        </p:nvSpPr>
+        <p:spPr>
+          <a:xfrm>
+            <a:off x="3362220" y="3655064"/>
+            <a:ext cx="1875835" cy="246221"/>
+          </a:xfrm>
+          <a:prstGeom prst="rect">
+            <a:avLst/>
+          </a:prstGeom>
+          <a:noFill/>
+        </p:spPr>
+        <p:txBody>
+          <a:bodyPr wrap="none" rtlCol="0">
+            <a:spAutoFit/>
+          </a:bodyPr>
+          <a:lstStyle/>
+          <a:p>
+            <a:pPr marL="114300" indent="-114300">
+              <a:buFont typeface="Arial" panose="020B0604020202020204" pitchFamily="34" charset="0"/>
+              <a:buChar char="•"/>
+            </a:pPr>
+            <a:r>
+              <a:rPr lang="en-US" sz="1000" dirty="0" smtClean="0"/>
+              <a:t>Customize integration </a:t>
+            </a:r>
+            <a:r>
+              <a:rPr lang="en-US" sz="1000" dirty="0" smtClean="0"/>
+              <a:t>process</a:t>
+            </a:r>
+          </a:p>
+        </p:txBody>
+      </p:sp>
+      <p:graphicFrame>
+        <p:nvGraphicFramePr>
+          <p:cNvPr id="13" name="Diagram 12"/>
+          <p:cNvGraphicFramePr/>
+          <p:nvPr>
+            <p:extLst>
+              <p:ext uri="{D42A27DB-BD31-4B8C-83A1-F6EECF244321}">
+                <p14:modId xmlns:p14="http://schemas.microsoft.com/office/powerpoint/2010/main" val="4023200543"/>
+              </p:ext>
+            </p:extLst>
+          </p:nvPr>
+        </p:nvGraphicFramePr>
+        <p:xfrm>
+          <a:off x="1435509" y="2591851"/>
+          <a:ext cx="6096000" cy="1240340"/>
+        </p:xfrm>
+        <a:graphic>
+          <a:graphicData uri="http://schemas.openxmlformats.org/drawingml/2006/diagram">
+            <dgm:relIds xmlns:dgm="http://schemas.openxmlformats.org/drawingml/2006/diagram" xmlns:r="http://schemas.openxmlformats.org/officeDocument/2006/relationships" r:dm="rId3" r:lo="rId4" r:qs="rId5" r:cs="rId6"/>
+          </a:graphicData>
+        </a:graphic>
+      </p:graphicFrame>
+    </p:spTree>
+    <p:extLst>
+      <p:ext uri="{BB962C8B-B14F-4D97-AF65-F5344CB8AC3E}">
+        <p14:creationId xmlns:p14="http://schemas.microsoft.com/office/powerpoint/2010/main" val="3456988239"/>
+      </p:ext>
+    </p:extLst>
+  </p:cSld>
+  <p:clrMapOvr>
+    <a:masterClrMapping/>
+  </p:clrMapOvr>
+  <p:timing>
+    <p:tnLst>
+      <p:par>
+        <p:cTn id="1" dur="indefinite" restart="never" nodeType="tmRoot"/>
+      </p:par>
+    </p:tnLst>
+  </p:timing>
+</p:sld>
+</file>
+
+<file path=ppt/slides/slide3.xml><?xml version="1.0" encoding="utf-8"?>
+<p:sld xmlns:a="http://schemas.openxmlformats.org/drawingml/2006/main" xmlns:r="http://schemas.openxmlformats.org/officeDocument/2006/relationships" xmlns:p="http://schemas.openxmlformats.org/presentationml/2006/main">
+  <p:cSld>
+    <p:spTree>
+      <p:nvGrpSpPr>
+        <p:cNvPr id="1" name=""/>
+        <p:cNvGrpSpPr/>
+        <p:nvPr/>
+      </p:nvGrpSpPr>
+      <p:grpSpPr>
+        <a:xfrm>
+          <a:off x="0" y="0"/>
+          <a:ext cx="0" cy="0"/>
+          <a:chOff x="0" y="0"/>
+          <a:chExt cx="0" cy="0"/>
+        </a:xfrm>
+      </p:grpSpPr>
+      <p:sp>
+        <p:nvSpPr>
+          <p:cNvPr id="2" name="Title 1"/>
+          <p:cNvSpPr>
+            <a:spLocks noGrp="1"/>
+          </p:cNvSpPr>
+          <p:nvPr>
+            <p:ph type="title"/>
+          </p:nvPr>
+        </p:nvSpPr>
+        <p:spPr/>
+        <p:txBody>
+          <a:bodyPr/>
+          <a:lstStyle/>
+          <a:p>
+            <a:r>
+              <a:rPr lang="en-US" dirty="0" smtClean="0"/>
               <a:t>Data Integration</a:t>
             </a:r>
             <a:endParaRPr lang="en-US" dirty="0"/>
@@ -46137,7 +49237,7 @@
                   </a:prstClr>
                 </a:solidFill>
               </a:rPr>
-              <a:t>9/2/2015</a:t>
+              <a:t>9/3/2015</a:t>
             </a:fld>
             <a:endParaRPr lang="en-US" dirty="0" smtClean="0">
               <a:solidFill>
@@ -46173,7 +49273,7 @@
                 </a:solidFill>
               </a:rPr>
               <a:pPr/>
-              <a:t>2</a:t>
+              <a:t>3</a:t>
             </a:fld>
             <a:endParaRPr lang="en-US" dirty="0">
               <a:solidFill>
@@ -46748,7 +49848,7 @@
 </p:sld>
 </file>
 
-<file path=ppt/slides/slide3.xml><?xml version="1.0" encoding="utf-8"?>
+<file path=ppt/slides/slide4.xml><?xml version="1.0" encoding="utf-8"?>
 <p:sld xmlns:a="http://schemas.openxmlformats.org/drawingml/2006/main" xmlns:r="http://schemas.openxmlformats.org/officeDocument/2006/relationships" xmlns:p="http://schemas.openxmlformats.org/presentationml/2006/main">
   <p:cSld>
     <p:spTree>
@@ -46899,7 +49999,7 @@
                 </a:solidFill>
               </a:rPr>
               <a:pPr/>
-              <a:t>3</a:t>
+              <a:t>4</a:t>
             </a:fld>
             <a:endParaRPr lang="en-US" dirty="0">
               <a:solidFill>
@@ -46937,175 +50037,6 @@
     <p:extLst>
       <p:ext uri="{BB962C8B-B14F-4D97-AF65-F5344CB8AC3E}">
         <p14:creationId xmlns:p14="http://schemas.microsoft.com/office/powerpoint/2010/main" val="1879088271"/>
-      </p:ext>
-    </p:extLst>
-  </p:cSld>
-  <p:clrMapOvr>
-    <a:masterClrMapping/>
-  </p:clrMapOvr>
-  <p:timing>
-    <p:tnLst>
-      <p:par>
-        <p:cTn id="1" dur="indefinite" restart="never" nodeType="tmRoot"/>
-      </p:par>
-    </p:tnLst>
-  </p:timing>
-</p:sld>
-</file>
-
-<file path=ppt/slides/slide4.xml><?xml version="1.0" encoding="utf-8"?>
-<p:sld xmlns:a="http://schemas.openxmlformats.org/drawingml/2006/main" xmlns:r="http://schemas.openxmlformats.org/officeDocument/2006/relationships" xmlns:p="http://schemas.openxmlformats.org/presentationml/2006/main">
-  <p:cSld>
-    <p:spTree>
-      <p:nvGrpSpPr>
-        <p:cNvPr id="1" name=""/>
-        <p:cNvGrpSpPr/>
-        <p:nvPr/>
-      </p:nvGrpSpPr>
-      <p:grpSpPr>
-        <a:xfrm>
-          <a:off x="0" y="0"/>
-          <a:ext cx="0" cy="0"/>
-          <a:chOff x="0" y="0"/>
-          <a:chExt cx="0" cy="0"/>
-        </a:xfrm>
-      </p:grpSpPr>
-      <p:sp>
-        <p:nvSpPr>
-          <p:cNvPr id="2" name="Title 1"/>
-          <p:cNvSpPr>
-            <a:spLocks noGrp="1"/>
-          </p:cNvSpPr>
-          <p:nvPr>
-            <p:ph type="title"/>
-          </p:nvPr>
-        </p:nvSpPr>
-        <p:spPr/>
-        <p:txBody>
-          <a:bodyPr/>
-          <a:lstStyle/>
-          <a:p>
-            <a:r>
-              <a:rPr lang="en-US" dirty="0" smtClean="0"/>
-              <a:t>IA Dashboard</a:t>
-            </a:r>
-            <a:endParaRPr lang="en-US" dirty="0"/>
-          </a:p>
-        </p:txBody>
-      </p:sp>
-      <p:sp>
-        <p:nvSpPr>
-          <p:cNvPr id="4" name="Date Placeholder 3"/>
-          <p:cNvSpPr>
-            <a:spLocks noGrp="1"/>
-          </p:cNvSpPr>
-          <p:nvPr>
-            <p:ph type="dt" sz="half" idx="10"/>
-          </p:nvPr>
-        </p:nvSpPr>
-        <p:spPr/>
-        <p:txBody>
-          <a:bodyPr/>
-          <a:lstStyle/>
-          <a:p>
-            <a:fld id="{BB22BA66-5ADB-4212-983A-C526E83C3172}" type="datetime1">
-              <a:rPr lang="en-US" smtClean="0">
-                <a:solidFill>
-                  <a:prstClr val="white">
-                    <a:lumMod val="85000"/>
-                  </a:prstClr>
-                </a:solidFill>
-              </a:rPr>
-              <a:t>9/2/2015</a:t>
-            </a:fld>
-            <a:endParaRPr lang="en-US" dirty="0" smtClean="0">
-              <a:solidFill>
-                <a:prstClr val="white">
-                  <a:lumMod val="85000"/>
-                </a:prstClr>
-              </a:solidFill>
-            </a:endParaRPr>
-          </a:p>
-        </p:txBody>
-      </p:sp>
-      <p:sp>
-        <p:nvSpPr>
-          <p:cNvPr id="5" name="Slide Number Placeholder 4"/>
-          <p:cNvSpPr>
-            <a:spLocks noGrp="1"/>
-          </p:cNvSpPr>
-          <p:nvPr>
-            <p:ph type="sldNum" sz="quarter" idx="12"/>
-          </p:nvPr>
-        </p:nvSpPr>
-        <p:spPr/>
-        <p:txBody>
-          <a:bodyPr/>
-          <a:lstStyle/>
-          <a:p>
-            <a:fld id="{9F78C6DE-7EFE-4505-AA8F-0C0ACAC5D5CC}" type="slidenum">
-              <a:rPr lang="en-US" smtClean="0">
-                <a:solidFill>
-                  <a:prstClr val="white">
-                    <a:lumMod val="85000"/>
-                  </a:prstClr>
-                </a:solidFill>
-              </a:rPr>
-              <a:pPr/>
-              <a:t>4</a:t>
-            </a:fld>
-            <a:endParaRPr lang="en-US" dirty="0">
-              <a:solidFill>
-                <a:prstClr val="white">
-                  <a:lumMod val="85000"/>
-                </a:prstClr>
-              </a:solidFill>
-            </a:endParaRPr>
-          </a:p>
-        </p:txBody>
-      </p:sp>
-      <p:sp>
-        <p:nvSpPr>
-          <p:cNvPr id="3" name="TextBox 2"/>
-          <p:cNvSpPr txBox="1"/>
-          <p:nvPr/>
-        </p:nvSpPr>
-        <p:spPr>
-          <a:xfrm>
-            <a:off x="1160342" y="3208605"/>
-            <a:ext cx="6823315" cy="1107996"/>
-          </a:xfrm>
-          <a:prstGeom prst="rect">
-            <a:avLst/>
-          </a:prstGeom>
-          <a:noFill/>
-        </p:spPr>
-        <p:txBody>
-          <a:bodyPr wrap="square" rtlCol="0">
-            <a:spAutoFit/>
-          </a:bodyPr>
-          <a:lstStyle/>
-          <a:p>
-            <a:r>
-              <a:rPr lang="en-US" sz="6600" dirty="0" err="1" smtClean="0">
-                <a:hlinkClick r:id="rId2"/>
-              </a:rPr>
-              <a:t>Kuali</a:t>
-            </a:r>
-            <a:r>
-              <a:rPr lang="en-US" sz="6600" dirty="0" smtClean="0">
-                <a:hlinkClick r:id="rId2"/>
-              </a:rPr>
-              <a:t> IA Dashboard</a:t>
-            </a:r>
-            <a:endParaRPr lang="en-US" sz="6600" dirty="0"/>
-          </a:p>
-        </p:txBody>
-      </p:sp>
-    </p:spTree>
-    <p:extLst>
-      <p:ext uri="{BB962C8B-B14F-4D97-AF65-F5344CB8AC3E}">
-        <p14:creationId xmlns:p14="http://schemas.microsoft.com/office/powerpoint/2010/main" val="26374483"/>
       </p:ext>
     </p:extLst>
   </p:cSld>
@@ -47155,6 +50086,175 @@
           <a:lstStyle/>
           <a:p>
             <a:r>
+              <a:rPr lang="en-US" dirty="0"/>
+              <a:t>Integrative Activities Dashboard</a:t>
+            </a:r>
+            <a:endParaRPr lang="en-US" dirty="0"/>
+          </a:p>
+        </p:txBody>
+      </p:sp>
+      <p:sp>
+        <p:nvSpPr>
+          <p:cNvPr id="4" name="Date Placeholder 3"/>
+          <p:cNvSpPr>
+            <a:spLocks noGrp="1"/>
+          </p:cNvSpPr>
+          <p:nvPr>
+            <p:ph type="dt" sz="half" idx="10"/>
+          </p:nvPr>
+        </p:nvSpPr>
+        <p:spPr/>
+        <p:txBody>
+          <a:bodyPr/>
+          <a:lstStyle/>
+          <a:p>
+            <a:fld id="{BB22BA66-5ADB-4212-983A-C526E83C3172}" type="datetime1">
+              <a:rPr lang="en-US" smtClean="0">
+                <a:solidFill>
+                  <a:prstClr val="white">
+                    <a:lumMod val="85000"/>
+                  </a:prstClr>
+                </a:solidFill>
+              </a:rPr>
+              <a:t>9/3/2015</a:t>
+            </a:fld>
+            <a:endParaRPr lang="en-US" dirty="0" smtClean="0">
+              <a:solidFill>
+                <a:prstClr val="white">
+                  <a:lumMod val="85000"/>
+                </a:prstClr>
+              </a:solidFill>
+            </a:endParaRPr>
+          </a:p>
+        </p:txBody>
+      </p:sp>
+      <p:sp>
+        <p:nvSpPr>
+          <p:cNvPr id="5" name="Slide Number Placeholder 4"/>
+          <p:cNvSpPr>
+            <a:spLocks noGrp="1"/>
+          </p:cNvSpPr>
+          <p:nvPr>
+            <p:ph type="sldNum" sz="quarter" idx="12"/>
+          </p:nvPr>
+        </p:nvSpPr>
+        <p:spPr/>
+        <p:txBody>
+          <a:bodyPr/>
+          <a:lstStyle/>
+          <a:p>
+            <a:fld id="{9F78C6DE-7EFE-4505-AA8F-0C0ACAC5D5CC}" type="slidenum">
+              <a:rPr lang="en-US" smtClean="0">
+                <a:solidFill>
+                  <a:prstClr val="white">
+                    <a:lumMod val="85000"/>
+                  </a:prstClr>
+                </a:solidFill>
+              </a:rPr>
+              <a:pPr/>
+              <a:t>5</a:t>
+            </a:fld>
+            <a:endParaRPr lang="en-US" dirty="0">
+              <a:solidFill>
+                <a:prstClr val="white">
+                  <a:lumMod val="85000"/>
+                </a:prstClr>
+              </a:solidFill>
+            </a:endParaRPr>
+          </a:p>
+        </p:txBody>
+      </p:sp>
+      <p:sp>
+        <p:nvSpPr>
+          <p:cNvPr id="3" name="TextBox 2"/>
+          <p:cNvSpPr txBox="1"/>
+          <p:nvPr/>
+        </p:nvSpPr>
+        <p:spPr>
+          <a:xfrm>
+            <a:off x="1160342" y="3208605"/>
+            <a:ext cx="6823315" cy="1107996"/>
+          </a:xfrm>
+          <a:prstGeom prst="rect">
+            <a:avLst/>
+          </a:prstGeom>
+          <a:noFill/>
+        </p:spPr>
+        <p:txBody>
+          <a:bodyPr wrap="square" rtlCol="0">
+            <a:spAutoFit/>
+          </a:bodyPr>
+          <a:lstStyle/>
+          <a:p>
+            <a:r>
+              <a:rPr lang="en-US" sz="6600" dirty="0" err="1" smtClean="0">
+                <a:hlinkClick r:id="rId3"/>
+              </a:rPr>
+              <a:t>Kuali</a:t>
+            </a:r>
+            <a:r>
+              <a:rPr lang="en-US" sz="6600" dirty="0" smtClean="0">
+                <a:hlinkClick r:id="rId3"/>
+              </a:rPr>
+              <a:t> IA Dashboard</a:t>
+            </a:r>
+            <a:endParaRPr lang="en-US" sz="6600" dirty="0"/>
+          </a:p>
+        </p:txBody>
+      </p:sp>
+    </p:spTree>
+    <p:extLst>
+      <p:ext uri="{BB962C8B-B14F-4D97-AF65-F5344CB8AC3E}">
+        <p14:creationId xmlns:p14="http://schemas.microsoft.com/office/powerpoint/2010/main" val="26374483"/>
+      </p:ext>
+    </p:extLst>
+  </p:cSld>
+  <p:clrMapOvr>
+    <a:masterClrMapping/>
+  </p:clrMapOvr>
+  <p:timing>
+    <p:tnLst>
+      <p:par>
+        <p:cTn id="1" dur="indefinite" restart="never" nodeType="tmRoot"/>
+      </p:par>
+    </p:tnLst>
+  </p:timing>
+</p:sld>
+</file>
+
+<file path=ppt/slides/slide6.xml><?xml version="1.0" encoding="utf-8"?>
+<p:sld xmlns:a="http://schemas.openxmlformats.org/drawingml/2006/main" xmlns:r="http://schemas.openxmlformats.org/officeDocument/2006/relationships" xmlns:p="http://schemas.openxmlformats.org/presentationml/2006/main">
+  <p:cSld>
+    <p:spTree>
+      <p:nvGrpSpPr>
+        <p:cNvPr id="1" name=""/>
+        <p:cNvGrpSpPr/>
+        <p:nvPr/>
+      </p:nvGrpSpPr>
+      <p:grpSpPr>
+        <a:xfrm>
+          <a:off x="0" y="0"/>
+          <a:ext cx="0" cy="0"/>
+          <a:chOff x="0" y="0"/>
+          <a:chExt cx="0" cy="0"/>
+        </a:xfrm>
+      </p:grpSpPr>
+      <p:sp>
+        <p:nvSpPr>
+          <p:cNvPr id="2" name="Title 1"/>
+          <p:cNvSpPr>
+            <a:spLocks noGrp="1"/>
+          </p:cNvSpPr>
+          <p:nvPr>
+            <p:ph type="title"/>
+          </p:nvPr>
+        </p:nvSpPr>
+        <p:spPr/>
+        <p:txBody>
+          <a:bodyPr/>
+          <a:lstStyle/>
+          <a:p>
+            <a:r>
               <a:rPr lang="en-US" dirty="0" smtClean="0"/>
               <a:t>Conclusion</a:t>
             </a:r>
@@ -47269,7 +50369,7 @@
                   </a:prstClr>
                 </a:solidFill>
               </a:rPr>
-              <a:t>9/2/2015</a:t>
+              <a:t>9/3/2015</a:t>
             </a:fld>
             <a:endParaRPr lang="en-US" dirty="0" smtClean="0">
               <a:solidFill>
@@ -47305,7 +50405,7 @@
                 </a:solidFill>
               </a:rPr>
               <a:pPr/>
-              <a:t>5</a:t>
+              <a:t>6</a:t>
             </a:fld>
             <a:endParaRPr lang="en-US" dirty="0">
               <a:solidFill>
